--- a/pptReport/Báo cáo đồ án.pptx
+++ b/pptReport/Báo cáo đồ án.pptx
@@ -5,7 +5,7 @@
     <p:sldMasterId id="2147483648" r:id="rId1"/>
   </p:sldMasterIdLst>
   <p:notesMasterIdLst>
-    <p:notesMasterId r:id="rId18"/>
+    <p:notesMasterId r:id="rId22"/>
   </p:notesMasterIdLst>
   <p:sldIdLst>
     <p:sldId id="256" r:id="rId2"/>
@@ -14,16 +14,20 @@
     <p:sldId id="267" r:id="rId5"/>
     <p:sldId id="258" r:id="rId6"/>
     <p:sldId id="260" r:id="rId7"/>
-    <p:sldId id="262" r:id="rId8"/>
-    <p:sldId id="272" r:id="rId9"/>
-    <p:sldId id="271" r:id="rId10"/>
-    <p:sldId id="263" r:id="rId11"/>
-    <p:sldId id="264" r:id="rId12"/>
-    <p:sldId id="268" r:id="rId13"/>
-    <p:sldId id="269" r:id="rId14"/>
-    <p:sldId id="270" r:id="rId15"/>
-    <p:sldId id="273" r:id="rId16"/>
-    <p:sldId id="261" r:id="rId17"/>
+    <p:sldId id="278" r:id="rId8"/>
+    <p:sldId id="279" r:id="rId9"/>
+    <p:sldId id="262" r:id="rId10"/>
+    <p:sldId id="272" r:id="rId11"/>
+    <p:sldId id="271" r:id="rId12"/>
+    <p:sldId id="263" r:id="rId13"/>
+    <p:sldId id="264" r:id="rId14"/>
+    <p:sldId id="268" r:id="rId15"/>
+    <p:sldId id="269" r:id="rId16"/>
+    <p:sldId id="270" r:id="rId17"/>
+    <p:sldId id="280" r:id="rId18"/>
+    <p:sldId id="273" r:id="rId19"/>
+    <p:sldId id="281" r:id="rId20"/>
+    <p:sldId id="261" r:id="rId21"/>
   </p:sldIdLst>
   <p:sldSz cx="12192000" cy="6858000"/>
   <p:notesSz cx="6858000" cy="9144000"/>
@@ -4521,6 +4525,2199 @@
           <p:cNvPr id="9" name="TextBox 8">
             <a:extLst>
               <a:ext uri="{FF2B5EF4-FFF2-40B4-BE49-F238E27FC236}">
+                <a16:creationId xmlns:a16="http://schemas.microsoft.com/office/drawing/2014/main" id="{D4F0DAB5-ACF0-424E-A159-071632E31E1A}"/>
+              </a:ext>
+            </a:extLst>
+          </p:cNvPr>
+          <p:cNvSpPr txBox="1"/>
+          <p:nvPr/>
+        </p:nvSpPr>
+        <p:spPr>
+          <a:xfrm>
+            <a:off x="5481918" y="6077261"/>
+            <a:ext cx="2485748" cy="400110"/>
+          </a:xfrm>
+          <a:prstGeom prst="rect">
+            <a:avLst/>
+          </a:prstGeom>
+          <a:noFill/>
+        </p:spPr>
+        <p:txBody>
+          <a:bodyPr wrap="square" rtlCol="0">
+            <a:spAutoFit/>
+          </a:bodyPr>
+          <a:lstStyle/>
+          <a:p>
+            <a:pPr algn="ctr"/>
+            <a:r>
+              <a:rPr lang="en-US" sz="2000" dirty="0"/>
+              <a:t>Trang </a:t>
+            </a:r>
+            <a:r>
+              <a:rPr lang="en-US" sz="2000" dirty="0" err="1"/>
+              <a:t>tìm</a:t>
+            </a:r>
+            <a:r>
+              <a:rPr lang="en-US" sz="2000" dirty="0"/>
+              <a:t> </a:t>
+            </a:r>
+            <a:r>
+              <a:rPr lang="en-US" sz="2000" dirty="0" err="1"/>
+              <a:t>kiếm</a:t>
+            </a:r>
+            <a:endParaRPr lang="en-US" sz="2000" dirty="0"/>
+          </a:p>
+        </p:txBody>
+      </p:sp>
+      <p:pic>
+        <p:nvPicPr>
+          <p:cNvPr id="4" name="Picture 3">
+            <a:extLst>
+              <a:ext uri="{FF2B5EF4-FFF2-40B4-BE49-F238E27FC236}">
+                <a16:creationId xmlns:a16="http://schemas.microsoft.com/office/drawing/2014/main" id="{BB9BA2AB-156E-479F-950C-D93FD7E77076}"/>
+              </a:ext>
+            </a:extLst>
+          </p:cNvPr>
+          <p:cNvPicPr>
+            <a:picLocks noChangeAspect="1"/>
+          </p:cNvPicPr>
+          <p:nvPr/>
+        </p:nvPicPr>
+        <p:blipFill>
+          <a:blip r:embed="rId3"/>
+          <a:stretch>
+            <a:fillRect/>
+          </a:stretch>
+        </p:blipFill>
+        <p:spPr>
+          <a:xfrm>
+            <a:off x="1394800" y="801056"/>
+            <a:ext cx="10630567" cy="5221158"/>
+          </a:xfrm>
+          <a:prstGeom prst="rect">
+            <a:avLst/>
+          </a:prstGeom>
+        </p:spPr>
+      </p:pic>
+      <p:sp>
+        <p:nvSpPr>
+          <p:cNvPr id="11" name="Rectangle 10">
+            <a:extLst>
+              <a:ext uri="{FF2B5EF4-FFF2-40B4-BE49-F238E27FC236}">
+                <a16:creationId xmlns:a16="http://schemas.microsoft.com/office/drawing/2014/main" id="{937D1361-FF63-47BA-9BED-9A532F99C2E1}"/>
+              </a:ext>
+            </a:extLst>
+          </p:cNvPr>
+          <p:cNvSpPr/>
+          <p:nvPr/>
+        </p:nvSpPr>
+        <p:spPr>
+          <a:xfrm>
+            <a:off x="3476515" y="835786"/>
+            <a:ext cx="4262891" cy="503655"/>
+          </a:xfrm>
+          <a:prstGeom prst="rect">
+            <a:avLst/>
+          </a:prstGeom>
+          <a:noFill/>
+          <a:ln w="19050">
+            <a:solidFill>
+              <a:srgbClr val="FF0000"/>
+            </a:solidFill>
+          </a:ln>
+        </p:spPr>
+        <p:style>
+          <a:lnRef idx="0">
+            <a:scrgbClr r="0" g="0" b="0"/>
+          </a:lnRef>
+          <a:fillRef idx="0">
+            <a:scrgbClr r="0" g="0" b="0"/>
+          </a:fillRef>
+          <a:effectRef idx="0">
+            <a:scrgbClr r="0" g="0" b="0"/>
+          </a:effectRef>
+          <a:fontRef idx="minor">
+            <a:schemeClr val="dk1"/>
+          </a:fontRef>
+        </p:style>
+        <p:txBody>
+          <a:bodyPr rtlCol="0" anchor="ctr"/>
+          <a:lstStyle/>
+          <a:p>
+            <a:pPr algn="ctr"/>
+            <a:endParaRPr lang="en-US"/>
+          </a:p>
+        </p:txBody>
+      </p:sp>
+      <p:sp>
+        <p:nvSpPr>
+          <p:cNvPr id="15" name="TextBox 14">
+            <a:extLst>
+              <a:ext uri="{FF2B5EF4-FFF2-40B4-BE49-F238E27FC236}">
+                <a16:creationId xmlns:a16="http://schemas.microsoft.com/office/drawing/2014/main" id="{E9063944-F17F-44E8-95E1-CB5A6185F231}"/>
+              </a:ext>
+            </a:extLst>
+          </p:cNvPr>
+          <p:cNvSpPr txBox="1"/>
+          <p:nvPr/>
+        </p:nvSpPr>
+        <p:spPr>
+          <a:xfrm>
+            <a:off x="7728371" y="764447"/>
+            <a:ext cx="2092750" cy="646331"/>
+          </a:xfrm>
+          <a:prstGeom prst="rect">
+            <a:avLst/>
+          </a:prstGeom>
+          <a:noFill/>
+        </p:spPr>
+        <p:txBody>
+          <a:bodyPr wrap="square" rtlCol="0">
+            <a:spAutoFit/>
+          </a:bodyPr>
+          <a:lstStyle/>
+          <a:p>
+            <a:pPr algn="ctr"/>
+            <a:r>
+              <a:rPr lang="en-US" dirty="0" err="1">
+                <a:solidFill>
+                  <a:srgbClr val="FF0000"/>
+                </a:solidFill>
+              </a:rPr>
+              <a:t>Tìm</a:t>
+            </a:r>
+            <a:r>
+              <a:rPr lang="en-US" dirty="0">
+                <a:solidFill>
+                  <a:srgbClr val="FF0000"/>
+                </a:solidFill>
+              </a:rPr>
+              <a:t> </a:t>
+            </a:r>
+            <a:r>
+              <a:rPr lang="en-US" dirty="0" err="1">
+                <a:solidFill>
+                  <a:srgbClr val="FF0000"/>
+                </a:solidFill>
+              </a:rPr>
+              <a:t>kiếm</a:t>
+            </a:r>
+            <a:r>
+              <a:rPr lang="en-US" dirty="0">
+                <a:solidFill>
+                  <a:srgbClr val="FF0000"/>
+                </a:solidFill>
+              </a:rPr>
+              <a:t> </a:t>
+            </a:r>
+            <a:r>
+              <a:rPr lang="en-US" dirty="0" err="1">
+                <a:solidFill>
+                  <a:srgbClr val="FF0000"/>
+                </a:solidFill>
+              </a:rPr>
+              <a:t>theo</a:t>
+            </a:r>
+            <a:r>
+              <a:rPr lang="en-US" dirty="0">
+                <a:solidFill>
+                  <a:srgbClr val="FF0000"/>
+                </a:solidFill>
+              </a:rPr>
+              <a:t> </a:t>
+            </a:r>
+            <a:r>
+              <a:rPr lang="en-US" dirty="0" err="1">
+                <a:solidFill>
+                  <a:srgbClr val="FF0000"/>
+                </a:solidFill>
+              </a:rPr>
+              <a:t>tên</a:t>
+            </a:r>
+            <a:r>
+              <a:rPr lang="en-US" dirty="0">
+                <a:solidFill>
+                  <a:srgbClr val="FF0000"/>
+                </a:solidFill>
+              </a:rPr>
+              <a:t> ca </a:t>
+            </a:r>
+            <a:r>
+              <a:rPr lang="en-US" dirty="0" err="1">
+                <a:solidFill>
+                  <a:srgbClr val="FF0000"/>
+                </a:solidFill>
+              </a:rPr>
+              <a:t>sĩ</a:t>
+            </a:r>
+            <a:r>
+              <a:rPr lang="en-US" dirty="0">
+                <a:solidFill>
+                  <a:srgbClr val="FF0000"/>
+                </a:solidFill>
+              </a:rPr>
+              <a:t> </a:t>
+            </a:r>
+            <a:r>
+              <a:rPr lang="en-US" dirty="0" err="1">
+                <a:solidFill>
+                  <a:srgbClr val="FF0000"/>
+                </a:solidFill>
+              </a:rPr>
+              <a:t>hoặc</a:t>
+            </a:r>
+            <a:r>
+              <a:rPr lang="en-US" dirty="0">
+                <a:solidFill>
+                  <a:srgbClr val="FF0000"/>
+                </a:solidFill>
+              </a:rPr>
+              <a:t> </a:t>
+            </a:r>
+            <a:r>
+              <a:rPr lang="en-US" dirty="0" err="1">
+                <a:solidFill>
+                  <a:srgbClr val="FF0000"/>
+                </a:solidFill>
+              </a:rPr>
+              <a:t>bài</a:t>
+            </a:r>
+            <a:r>
+              <a:rPr lang="en-US" dirty="0">
+                <a:solidFill>
+                  <a:srgbClr val="FF0000"/>
+                </a:solidFill>
+              </a:rPr>
+              <a:t> </a:t>
+            </a:r>
+            <a:r>
+              <a:rPr lang="en-US" dirty="0" err="1">
+                <a:solidFill>
+                  <a:srgbClr val="FF0000"/>
+                </a:solidFill>
+              </a:rPr>
+              <a:t>hát</a:t>
+            </a:r>
+            <a:endParaRPr lang="en-US" dirty="0">
+              <a:solidFill>
+                <a:srgbClr val="FF0000"/>
+              </a:solidFill>
+            </a:endParaRPr>
+          </a:p>
+        </p:txBody>
+      </p:sp>
+      <p:sp>
+        <p:nvSpPr>
+          <p:cNvPr id="17" name="Rectangle 16">
+            <a:extLst>
+              <a:ext uri="{FF2B5EF4-FFF2-40B4-BE49-F238E27FC236}">
+                <a16:creationId xmlns:a16="http://schemas.microsoft.com/office/drawing/2014/main" id="{CC274980-A2B5-4586-956B-DB8903694C04}"/>
+              </a:ext>
+            </a:extLst>
+          </p:cNvPr>
+          <p:cNvSpPr/>
+          <p:nvPr/>
+        </p:nvSpPr>
+        <p:spPr>
+          <a:xfrm>
+            <a:off x="9935850" y="5413151"/>
+            <a:ext cx="367645" cy="421283"/>
+          </a:xfrm>
+          <a:prstGeom prst="rect">
+            <a:avLst/>
+          </a:prstGeom>
+          <a:noFill/>
+          <a:ln w="19050">
+            <a:solidFill>
+              <a:srgbClr val="FF0000"/>
+            </a:solidFill>
+          </a:ln>
+        </p:spPr>
+        <p:style>
+          <a:lnRef idx="0">
+            <a:scrgbClr r="0" g="0" b="0"/>
+          </a:lnRef>
+          <a:fillRef idx="0">
+            <a:scrgbClr r="0" g="0" b="0"/>
+          </a:fillRef>
+          <a:effectRef idx="0">
+            <a:scrgbClr r="0" g="0" b="0"/>
+          </a:effectRef>
+          <a:fontRef idx="minor">
+            <a:schemeClr val="dk1"/>
+          </a:fontRef>
+        </p:style>
+        <p:txBody>
+          <a:bodyPr rtlCol="0" anchor="ctr"/>
+          <a:lstStyle/>
+          <a:p>
+            <a:pPr algn="ctr"/>
+            <a:endParaRPr lang="en-US"/>
+          </a:p>
+        </p:txBody>
+      </p:sp>
+      <p:sp>
+        <p:nvSpPr>
+          <p:cNvPr id="18" name="TextBox 17">
+            <a:extLst>
+              <a:ext uri="{FF2B5EF4-FFF2-40B4-BE49-F238E27FC236}">
+                <a16:creationId xmlns:a16="http://schemas.microsoft.com/office/drawing/2014/main" id="{1957C284-0193-47B4-83B1-FF041F0BF840}"/>
+              </a:ext>
+            </a:extLst>
+          </p:cNvPr>
+          <p:cNvSpPr txBox="1"/>
+          <p:nvPr/>
+        </p:nvSpPr>
+        <p:spPr>
+          <a:xfrm>
+            <a:off x="9002596" y="4990508"/>
+            <a:ext cx="2092750" cy="369332"/>
+          </a:xfrm>
+          <a:prstGeom prst="rect">
+            <a:avLst/>
+          </a:prstGeom>
+          <a:noFill/>
+        </p:spPr>
+        <p:txBody>
+          <a:bodyPr wrap="square" rtlCol="0">
+            <a:spAutoFit/>
+          </a:bodyPr>
+          <a:lstStyle/>
+          <a:p>
+            <a:pPr algn="ctr"/>
+            <a:r>
+              <a:rPr lang="en-US" dirty="0" err="1">
+                <a:solidFill>
+                  <a:srgbClr val="FF0000"/>
+                </a:solidFill>
+              </a:rPr>
+              <a:t>Tắt</a:t>
+            </a:r>
+            <a:r>
+              <a:rPr lang="en-US" dirty="0">
+                <a:solidFill>
+                  <a:srgbClr val="FF0000"/>
+                </a:solidFill>
+              </a:rPr>
+              <a:t>/</a:t>
+            </a:r>
+            <a:r>
+              <a:rPr lang="en-US" dirty="0" err="1">
+                <a:solidFill>
+                  <a:srgbClr val="FF0000"/>
+                </a:solidFill>
+              </a:rPr>
+              <a:t>Bật</a:t>
+            </a:r>
+            <a:r>
+              <a:rPr lang="en-US" dirty="0">
+                <a:solidFill>
+                  <a:srgbClr val="FF0000"/>
+                </a:solidFill>
+              </a:rPr>
+              <a:t> </a:t>
+            </a:r>
+            <a:r>
+              <a:rPr lang="en-US" dirty="0" err="1">
+                <a:solidFill>
+                  <a:srgbClr val="FF0000"/>
+                </a:solidFill>
+              </a:rPr>
+              <a:t>hàng</a:t>
+            </a:r>
+            <a:r>
+              <a:rPr lang="en-US" dirty="0">
+                <a:solidFill>
+                  <a:srgbClr val="FF0000"/>
+                </a:solidFill>
+              </a:rPr>
+              <a:t> </a:t>
+            </a:r>
+            <a:r>
+              <a:rPr lang="en-US" dirty="0" err="1">
+                <a:solidFill>
+                  <a:srgbClr val="FF0000"/>
+                </a:solidFill>
+              </a:rPr>
+              <a:t>đợi</a:t>
+            </a:r>
+            <a:endParaRPr lang="en-US" dirty="0">
+              <a:solidFill>
+                <a:srgbClr val="FF0000"/>
+              </a:solidFill>
+            </a:endParaRPr>
+          </a:p>
+        </p:txBody>
+      </p:sp>
+      <p:sp>
+        <p:nvSpPr>
+          <p:cNvPr id="19" name="Rectangle 18">
+            <a:extLst>
+              <a:ext uri="{FF2B5EF4-FFF2-40B4-BE49-F238E27FC236}">
+                <a16:creationId xmlns:a16="http://schemas.microsoft.com/office/drawing/2014/main" id="{0E8BB53E-606E-4E79-B49B-8ACD579FC714}"/>
+              </a:ext>
+            </a:extLst>
+          </p:cNvPr>
+          <p:cNvSpPr/>
+          <p:nvPr/>
+        </p:nvSpPr>
+        <p:spPr>
+          <a:xfrm>
+            <a:off x="3761297" y="5413152"/>
+            <a:ext cx="367644" cy="421283"/>
+          </a:xfrm>
+          <a:prstGeom prst="rect">
+            <a:avLst/>
+          </a:prstGeom>
+          <a:noFill/>
+          <a:ln w="19050">
+            <a:solidFill>
+              <a:srgbClr val="FF0000"/>
+            </a:solidFill>
+          </a:ln>
+        </p:spPr>
+        <p:style>
+          <a:lnRef idx="0">
+            <a:scrgbClr r="0" g="0" b="0"/>
+          </a:lnRef>
+          <a:fillRef idx="0">
+            <a:scrgbClr r="0" g="0" b="0"/>
+          </a:fillRef>
+          <a:effectRef idx="0">
+            <a:scrgbClr r="0" g="0" b="0"/>
+          </a:effectRef>
+          <a:fontRef idx="minor">
+            <a:schemeClr val="dk1"/>
+          </a:fontRef>
+        </p:style>
+        <p:txBody>
+          <a:bodyPr rtlCol="0" anchor="ctr"/>
+          <a:lstStyle/>
+          <a:p>
+            <a:pPr algn="ctr"/>
+            <a:endParaRPr lang="en-US"/>
+          </a:p>
+        </p:txBody>
+      </p:sp>
+      <p:sp>
+        <p:nvSpPr>
+          <p:cNvPr id="20" name="TextBox 19">
+            <a:extLst>
+              <a:ext uri="{FF2B5EF4-FFF2-40B4-BE49-F238E27FC236}">
+                <a16:creationId xmlns:a16="http://schemas.microsoft.com/office/drawing/2014/main" id="{84A2AF7D-84D5-4124-9839-3B1D22427B12}"/>
+              </a:ext>
+            </a:extLst>
+          </p:cNvPr>
+          <p:cNvSpPr txBox="1"/>
+          <p:nvPr/>
+        </p:nvSpPr>
+        <p:spPr>
+          <a:xfrm>
+            <a:off x="2106442" y="4892462"/>
+            <a:ext cx="2372589" cy="646331"/>
+          </a:xfrm>
+          <a:prstGeom prst="rect">
+            <a:avLst/>
+          </a:prstGeom>
+          <a:noFill/>
+        </p:spPr>
+        <p:txBody>
+          <a:bodyPr wrap="square" rtlCol="0">
+            <a:spAutoFit/>
+          </a:bodyPr>
+          <a:lstStyle/>
+          <a:p>
+            <a:pPr algn="ctr"/>
+            <a:r>
+              <a:rPr lang="en-US" dirty="0" err="1">
+                <a:solidFill>
+                  <a:srgbClr val="FF0000"/>
+                </a:solidFill>
+              </a:rPr>
+              <a:t>Thêm</a:t>
+            </a:r>
+            <a:r>
+              <a:rPr lang="en-US" dirty="0">
+                <a:solidFill>
+                  <a:srgbClr val="FF0000"/>
+                </a:solidFill>
+              </a:rPr>
+              <a:t> </a:t>
+            </a:r>
+            <a:r>
+              <a:rPr lang="en-US" dirty="0" err="1">
+                <a:solidFill>
+                  <a:srgbClr val="FF0000"/>
+                </a:solidFill>
+              </a:rPr>
+              <a:t>vào</a:t>
+            </a:r>
+            <a:r>
+              <a:rPr lang="en-US" dirty="0">
+                <a:solidFill>
+                  <a:srgbClr val="FF0000"/>
+                </a:solidFill>
+              </a:rPr>
+              <a:t> </a:t>
+            </a:r>
+            <a:r>
+              <a:rPr lang="en-US" dirty="0" err="1">
+                <a:solidFill>
+                  <a:srgbClr val="FF0000"/>
+                </a:solidFill>
+              </a:rPr>
+              <a:t>trang</a:t>
+            </a:r>
+            <a:r>
+              <a:rPr lang="en-US" dirty="0">
+                <a:solidFill>
+                  <a:srgbClr val="FF0000"/>
+                </a:solidFill>
+              </a:rPr>
+              <a:t> </a:t>
+            </a:r>
+            <a:r>
+              <a:rPr lang="en-US" dirty="0" err="1">
+                <a:solidFill>
+                  <a:srgbClr val="FF0000"/>
+                </a:solidFill>
+              </a:rPr>
+              <a:t>yêu</a:t>
+            </a:r>
+            <a:r>
+              <a:rPr lang="en-US" dirty="0">
+                <a:solidFill>
+                  <a:srgbClr val="FF0000"/>
+                </a:solidFill>
+              </a:rPr>
+              <a:t> </a:t>
+            </a:r>
+            <a:r>
+              <a:rPr lang="en-US" dirty="0" err="1">
+                <a:solidFill>
+                  <a:srgbClr val="FF0000"/>
+                </a:solidFill>
+              </a:rPr>
+              <a:t>thích</a:t>
+            </a:r>
+            <a:endParaRPr lang="en-US" dirty="0">
+              <a:solidFill>
+                <a:srgbClr val="FF0000"/>
+              </a:solidFill>
+            </a:endParaRPr>
+          </a:p>
+        </p:txBody>
+      </p:sp>
+      <p:sp>
+        <p:nvSpPr>
+          <p:cNvPr id="21" name="Rectangle 20">
+            <a:extLst>
+              <a:ext uri="{FF2B5EF4-FFF2-40B4-BE49-F238E27FC236}">
+                <a16:creationId xmlns:a16="http://schemas.microsoft.com/office/drawing/2014/main" id="{DD4D9E23-0593-4C27-9622-3DE8D08A7D52}"/>
+              </a:ext>
+            </a:extLst>
+          </p:cNvPr>
+          <p:cNvSpPr/>
+          <p:nvPr/>
+        </p:nvSpPr>
+        <p:spPr>
+          <a:xfrm>
+            <a:off x="4705548" y="2011648"/>
+            <a:ext cx="903399" cy="137664"/>
+          </a:xfrm>
+          <a:prstGeom prst="rect">
+            <a:avLst/>
+          </a:prstGeom>
+          <a:noFill/>
+          <a:ln w="19050">
+            <a:solidFill>
+              <a:srgbClr val="FF0000"/>
+            </a:solidFill>
+          </a:ln>
+        </p:spPr>
+        <p:style>
+          <a:lnRef idx="0">
+            <a:scrgbClr r="0" g="0" b="0"/>
+          </a:lnRef>
+          <a:fillRef idx="0">
+            <a:scrgbClr r="0" g="0" b="0"/>
+          </a:fillRef>
+          <a:effectRef idx="0">
+            <a:scrgbClr r="0" g="0" b="0"/>
+          </a:effectRef>
+          <a:fontRef idx="minor">
+            <a:schemeClr val="dk1"/>
+          </a:fontRef>
+        </p:style>
+        <p:txBody>
+          <a:bodyPr rtlCol="0" anchor="ctr"/>
+          <a:lstStyle/>
+          <a:p>
+            <a:pPr algn="ctr"/>
+            <a:endParaRPr lang="en-US"/>
+          </a:p>
+        </p:txBody>
+      </p:sp>
+      <p:sp>
+        <p:nvSpPr>
+          <p:cNvPr id="22" name="TextBox 21">
+            <a:extLst>
+              <a:ext uri="{FF2B5EF4-FFF2-40B4-BE49-F238E27FC236}">
+                <a16:creationId xmlns:a16="http://schemas.microsoft.com/office/drawing/2014/main" id="{0141889C-3F49-4962-A66A-1EE3D5AB6A15}"/>
+              </a:ext>
+            </a:extLst>
+          </p:cNvPr>
+          <p:cNvSpPr txBox="1"/>
+          <p:nvPr/>
+        </p:nvSpPr>
+        <p:spPr>
+          <a:xfrm>
+            <a:off x="5366817" y="1877826"/>
+            <a:ext cx="2372589" cy="369332"/>
+          </a:xfrm>
+          <a:prstGeom prst="rect">
+            <a:avLst/>
+          </a:prstGeom>
+          <a:noFill/>
+        </p:spPr>
+        <p:txBody>
+          <a:bodyPr wrap="square" rtlCol="0">
+            <a:spAutoFit/>
+          </a:bodyPr>
+          <a:lstStyle/>
+          <a:p>
+            <a:pPr algn="ctr"/>
+            <a:r>
+              <a:rPr lang="en-US" dirty="0" err="1">
+                <a:solidFill>
+                  <a:srgbClr val="FF0000"/>
+                </a:solidFill>
+              </a:rPr>
+              <a:t>Xem</a:t>
+            </a:r>
+            <a:r>
+              <a:rPr lang="en-US" dirty="0">
+                <a:solidFill>
+                  <a:srgbClr val="FF0000"/>
+                </a:solidFill>
+              </a:rPr>
+              <a:t> </a:t>
+            </a:r>
+            <a:r>
+              <a:rPr lang="en-US" dirty="0" err="1">
+                <a:solidFill>
+                  <a:srgbClr val="FF0000"/>
+                </a:solidFill>
+              </a:rPr>
+              <a:t>thông</a:t>
+            </a:r>
+            <a:r>
+              <a:rPr lang="en-US" dirty="0">
+                <a:solidFill>
+                  <a:srgbClr val="FF0000"/>
+                </a:solidFill>
+              </a:rPr>
+              <a:t> tin ca </a:t>
+            </a:r>
+            <a:r>
+              <a:rPr lang="en-US" dirty="0" err="1">
+                <a:solidFill>
+                  <a:srgbClr val="FF0000"/>
+                </a:solidFill>
+              </a:rPr>
+              <a:t>sĩ</a:t>
+            </a:r>
+            <a:endParaRPr lang="en-US" dirty="0">
+              <a:solidFill>
+                <a:srgbClr val="FF0000"/>
+              </a:solidFill>
+            </a:endParaRPr>
+          </a:p>
+        </p:txBody>
+      </p:sp>
+    </p:spTree>
+    <p:extLst>
+      <p:ext uri="{BB962C8B-B14F-4D97-AF65-F5344CB8AC3E}">
+        <p14:creationId xmlns:p14="http://schemas.microsoft.com/office/powerpoint/2010/main" val="3869866596"/>
+      </p:ext>
+    </p:extLst>
+  </p:cSld>
+  <p:clrMapOvr>
+    <a:masterClrMapping/>
+  </p:clrMapOvr>
+  <p:transition spd="slow">
+    <p:push dir="u"/>
+  </p:transition>
+  <p:timing>
+    <p:tnLst>
+      <p:par>
+        <p:cTn id="1" dur="indefinite" restart="never" nodeType="tmRoot">
+          <p:childTnLst>
+            <p:seq concurrent="1" nextAc="seek">
+              <p:cTn id="2" dur="indefinite" nodeType="mainSeq">
+                <p:childTnLst>
+                  <p:par>
+                    <p:cTn id="3" fill="hold">
+                      <p:stCondLst>
+                        <p:cond delay="indefinite"/>
+                      </p:stCondLst>
+                      <p:childTnLst>
+                        <p:par>
+                          <p:cTn id="4" fill="hold">
+                            <p:stCondLst>
+                              <p:cond delay="0"/>
+                            </p:stCondLst>
+                            <p:childTnLst>
+                              <p:par>
+                                <p:cTn id="5" presetID="21" presetClass="entr" presetSubtype="1" fill="hold" grpId="0" nodeType="clickEffect">
+                                  <p:stCondLst>
+                                    <p:cond delay="0"/>
+                                  </p:stCondLst>
+                                  <p:childTnLst>
+                                    <p:set>
+                                      <p:cBhvr>
+                                        <p:cTn id="6" dur="1" fill="hold">
+                                          <p:stCondLst>
+                                            <p:cond delay="0"/>
+                                          </p:stCondLst>
+                                        </p:cTn>
+                                        <p:tgtEl>
+                                          <p:spTgt spid="11"/>
+                                        </p:tgtEl>
+                                        <p:attrNameLst>
+                                          <p:attrName>style.visibility</p:attrName>
+                                        </p:attrNameLst>
+                                      </p:cBhvr>
+                                      <p:to>
+                                        <p:strVal val="visible"/>
+                                      </p:to>
+                                    </p:set>
+                                    <p:animEffect transition="in" filter="wheel(1)">
+                                      <p:cBhvr>
+                                        <p:cTn id="7" dur="1000"/>
+                                        <p:tgtEl>
+                                          <p:spTgt spid="11"/>
+                                        </p:tgtEl>
+                                      </p:cBhvr>
+                                    </p:animEffect>
+                                  </p:childTnLst>
+                                </p:cTn>
+                              </p:par>
+                            </p:childTnLst>
+                          </p:cTn>
+                        </p:par>
+                        <p:par>
+                          <p:cTn id="8" fill="hold">
+                            <p:stCondLst>
+                              <p:cond delay="1000"/>
+                            </p:stCondLst>
+                            <p:childTnLst>
+                              <p:par>
+                                <p:cTn id="9" presetID="22" presetClass="entr" presetSubtype="4" fill="hold" grpId="0" nodeType="afterEffect">
+                                  <p:stCondLst>
+                                    <p:cond delay="0"/>
+                                  </p:stCondLst>
+                                  <p:childTnLst>
+                                    <p:set>
+                                      <p:cBhvr>
+                                        <p:cTn id="10" dur="1" fill="hold">
+                                          <p:stCondLst>
+                                            <p:cond delay="0"/>
+                                          </p:stCondLst>
+                                        </p:cTn>
+                                        <p:tgtEl>
+                                          <p:spTgt spid="15"/>
+                                        </p:tgtEl>
+                                        <p:attrNameLst>
+                                          <p:attrName>style.visibility</p:attrName>
+                                        </p:attrNameLst>
+                                      </p:cBhvr>
+                                      <p:to>
+                                        <p:strVal val="visible"/>
+                                      </p:to>
+                                    </p:set>
+                                    <p:animEffect transition="in" filter="wipe(down)">
+                                      <p:cBhvr>
+                                        <p:cTn id="11" dur="500"/>
+                                        <p:tgtEl>
+                                          <p:spTgt spid="15"/>
+                                        </p:tgtEl>
+                                      </p:cBhvr>
+                                    </p:animEffect>
+                                  </p:childTnLst>
+                                </p:cTn>
+                              </p:par>
+                            </p:childTnLst>
+                          </p:cTn>
+                        </p:par>
+                      </p:childTnLst>
+                    </p:cTn>
+                  </p:par>
+                  <p:par>
+                    <p:cTn id="12" fill="hold">
+                      <p:stCondLst>
+                        <p:cond delay="indefinite"/>
+                      </p:stCondLst>
+                      <p:childTnLst>
+                        <p:par>
+                          <p:cTn id="13" fill="hold">
+                            <p:stCondLst>
+                              <p:cond delay="0"/>
+                            </p:stCondLst>
+                            <p:childTnLst>
+                              <p:par>
+                                <p:cTn id="14" presetID="21" presetClass="entr" presetSubtype="1" fill="hold" grpId="0" nodeType="clickEffect">
+                                  <p:stCondLst>
+                                    <p:cond delay="0"/>
+                                  </p:stCondLst>
+                                  <p:childTnLst>
+                                    <p:set>
+                                      <p:cBhvr>
+                                        <p:cTn id="15" dur="1" fill="hold">
+                                          <p:stCondLst>
+                                            <p:cond delay="0"/>
+                                          </p:stCondLst>
+                                        </p:cTn>
+                                        <p:tgtEl>
+                                          <p:spTgt spid="17"/>
+                                        </p:tgtEl>
+                                        <p:attrNameLst>
+                                          <p:attrName>style.visibility</p:attrName>
+                                        </p:attrNameLst>
+                                      </p:cBhvr>
+                                      <p:to>
+                                        <p:strVal val="visible"/>
+                                      </p:to>
+                                    </p:set>
+                                    <p:animEffect transition="in" filter="wheel(1)">
+                                      <p:cBhvr>
+                                        <p:cTn id="16" dur="1000"/>
+                                        <p:tgtEl>
+                                          <p:spTgt spid="17"/>
+                                        </p:tgtEl>
+                                      </p:cBhvr>
+                                    </p:animEffect>
+                                  </p:childTnLst>
+                                </p:cTn>
+                              </p:par>
+                            </p:childTnLst>
+                          </p:cTn>
+                        </p:par>
+                        <p:par>
+                          <p:cTn id="17" fill="hold">
+                            <p:stCondLst>
+                              <p:cond delay="1000"/>
+                            </p:stCondLst>
+                            <p:childTnLst>
+                              <p:par>
+                                <p:cTn id="18" presetID="22" presetClass="entr" presetSubtype="4" fill="hold" grpId="0" nodeType="afterEffect">
+                                  <p:stCondLst>
+                                    <p:cond delay="0"/>
+                                  </p:stCondLst>
+                                  <p:childTnLst>
+                                    <p:set>
+                                      <p:cBhvr>
+                                        <p:cTn id="19" dur="1" fill="hold">
+                                          <p:stCondLst>
+                                            <p:cond delay="0"/>
+                                          </p:stCondLst>
+                                        </p:cTn>
+                                        <p:tgtEl>
+                                          <p:spTgt spid="18"/>
+                                        </p:tgtEl>
+                                        <p:attrNameLst>
+                                          <p:attrName>style.visibility</p:attrName>
+                                        </p:attrNameLst>
+                                      </p:cBhvr>
+                                      <p:to>
+                                        <p:strVal val="visible"/>
+                                      </p:to>
+                                    </p:set>
+                                    <p:animEffect transition="in" filter="wipe(down)">
+                                      <p:cBhvr>
+                                        <p:cTn id="20" dur="500"/>
+                                        <p:tgtEl>
+                                          <p:spTgt spid="18"/>
+                                        </p:tgtEl>
+                                      </p:cBhvr>
+                                    </p:animEffect>
+                                  </p:childTnLst>
+                                </p:cTn>
+                              </p:par>
+                            </p:childTnLst>
+                          </p:cTn>
+                        </p:par>
+                      </p:childTnLst>
+                    </p:cTn>
+                  </p:par>
+                  <p:par>
+                    <p:cTn id="21" fill="hold">
+                      <p:stCondLst>
+                        <p:cond delay="indefinite"/>
+                      </p:stCondLst>
+                      <p:childTnLst>
+                        <p:par>
+                          <p:cTn id="22" fill="hold">
+                            <p:stCondLst>
+                              <p:cond delay="0"/>
+                            </p:stCondLst>
+                            <p:childTnLst>
+                              <p:par>
+                                <p:cTn id="23" presetID="21" presetClass="entr" presetSubtype="1" fill="hold" grpId="0" nodeType="clickEffect">
+                                  <p:stCondLst>
+                                    <p:cond delay="0"/>
+                                  </p:stCondLst>
+                                  <p:childTnLst>
+                                    <p:set>
+                                      <p:cBhvr>
+                                        <p:cTn id="24" dur="1" fill="hold">
+                                          <p:stCondLst>
+                                            <p:cond delay="0"/>
+                                          </p:stCondLst>
+                                        </p:cTn>
+                                        <p:tgtEl>
+                                          <p:spTgt spid="19"/>
+                                        </p:tgtEl>
+                                        <p:attrNameLst>
+                                          <p:attrName>style.visibility</p:attrName>
+                                        </p:attrNameLst>
+                                      </p:cBhvr>
+                                      <p:to>
+                                        <p:strVal val="visible"/>
+                                      </p:to>
+                                    </p:set>
+                                    <p:animEffect transition="in" filter="wheel(1)">
+                                      <p:cBhvr>
+                                        <p:cTn id="25" dur="1000"/>
+                                        <p:tgtEl>
+                                          <p:spTgt spid="19"/>
+                                        </p:tgtEl>
+                                      </p:cBhvr>
+                                    </p:animEffect>
+                                  </p:childTnLst>
+                                </p:cTn>
+                              </p:par>
+                            </p:childTnLst>
+                          </p:cTn>
+                        </p:par>
+                        <p:par>
+                          <p:cTn id="26" fill="hold">
+                            <p:stCondLst>
+                              <p:cond delay="1000"/>
+                            </p:stCondLst>
+                            <p:childTnLst>
+                              <p:par>
+                                <p:cTn id="27" presetID="22" presetClass="entr" presetSubtype="4" fill="hold" grpId="0" nodeType="afterEffect">
+                                  <p:stCondLst>
+                                    <p:cond delay="0"/>
+                                  </p:stCondLst>
+                                  <p:childTnLst>
+                                    <p:set>
+                                      <p:cBhvr>
+                                        <p:cTn id="28" dur="1" fill="hold">
+                                          <p:stCondLst>
+                                            <p:cond delay="0"/>
+                                          </p:stCondLst>
+                                        </p:cTn>
+                                        <p:tgtEl>
+                                          <p:spTgt spid="20"/>
+                                        </p:tgtEl>
+                                        <p:attrNameLst>
+                                          <p:attrName>style.visibility</p:attrName>
+                                        </p:attrNameLst>
+                                      </p:cBhvr>
+                                      <p:to>
+                                        <p:strVal val="visible"/>
+                                      </p:to>
+                                    </p:set>
+                                    <p:animEffect transition="in" filter="wipe(down)">
+                                      <p:cBhvr>
+                                        <p:cTn id="29" dur="500"/>
+                                        <p:tgtEl>
+                                          <p:spTgt spid="20"/>
+                                        </p:tgtEl>
+                                      </p:cBhvr>
+                                    </p:animEffect>
+                                  </p:childTnLst>
+                                </p:cTn>
+                              </p:par>
+                            </p:childTnLst>
+                          </p:cTn>
+                        </p:par>
+                      </p:childTnLst>
+                    </p:cTn>
+                  </p:par>
+                  <p:par>
+                    <p:cTn id="30" fill="hold">
+                      <p:stCondLst>
+                        <p:cond delay="indefinite"/>
+                      </p:stCondLst>
+                      <p:childTnLst>
+                        <p:par>
+                          <p:cTn id="31" fill="hold">
+                            <p:stCondLst>
+                              <p:cond delay="0"/>
+                            </p:stCondLst>
+                            <p:childTnLst>
+                              <p:par>
+                                <p:cTn id="32" presetID="21" presetClass="entr" presetSubtype="1" fill="hold" grpId="0" nodeType="clickEffect">
+                                  <p:stCondLst>
+                                    <p:cond delay="0"/>
+                                  </p:stCondLst>
+                                  <p:childTnLst>
+                                    <p:set>
+                                      <p:cBhvr>
+                                        <p:cTn id="33" dur="1" fill="hold">
+                                          <p:stCondLst>
+                                            <p:cond delay="0"/>
+                                          </p:stCondLst>
+                                        </p:cTn>
+                                        <p:tgtEl>
+                                          <p:spTgt spid="21"/>
+                                        </p:tgtEl>
+                                        <p:attrNameLst>
+                                          <p:attrName>style.visibility</p:attrName>
+                                        </p:attrNameLst>
+                                      </p:cBhvr>
+                                      <p:to>
+                                        <p:strVal val="visible"/>
+                                      </p:to>
+                                    </p:set>
+                                    <p:animEffect transition="in" filter="wheel(1)">
+                                      <p:cBhvr>
+                                        <p:cTn id="34" dur="1000"/>
+                                        <p:tgtEl>
+                                          <p:spTgt spid="21"/>
+                                        </p:tgtEl>
+                                      </p:cBhvr>
+                                    </p:animEffect>
+                                  </p:childTnLst>
+                                </p:cTn>
+                              </p:par>
+                            </p:childTnLst>
+                          </p:cTn>
+                        </p:par>
+                        <p:par>
+                          <p:cTn id="35" fill="hold">
+                            <p:stCondLst>
+                              <p:cond delay="1000"/>
+                            </p:stCondLst>
+                            <p:childTnLst>
+                              <p:par>
+                                <p:cTn id="36" presetID="22" presetClass="entr" presetSubtype="4" fill="hold" grpId="0" nodeType="afterEffect">
+                                  <p:stCondLst>
+                                    <p:cond delay="0"/>
+                                  </p:stCondLst>
+                                  <p:childTnLst>
+                                    <p:set>
+                                      <p:cBhvr>
+                                        <p:cTn id="37" dur="1" fill="hold">
+                                          <p:stCondLst>
+                                            <p:cond delay="0"/>
+                                          </p:stCondLst>
+                                        </p:cTn>
+                                        <p:tgtEl>
+                                          <p:spTgt spid="22"/>
+                                        </p:tgtEl>
+                                        <p:attrNameLst>
+                                          <p:attrName>style.visibility</p:attrName>
+                                        </p:attrNameLst>
+                                      </p:cBhvr>
+                                      <p:to>
+                                        <p:strVal val="visible"/>
+                                      </p:to>
+                                    </p:set>
+                                    <p:animEffect transition="in" filter="wipe(down)">
+                                      <p:cBhvr>
+                                        <p:cTn id="38" dur="500"/>
+                                        <p:tgtEl>
+                                          <p:spTgt spid="22"/>
+                                        </p:tgtEl>
+                                      </p:cBhvr>
+                                    </p:animEffect>
+                                  </p:childTnLst>
+                                </p:cTn>
+                              </p:par>
+                            </p:childTnLst>
+                          </p:cTn>
+                        </p:par>
+                      </p:childTnLst>
+                    </p:cTn>
+                  </p:par>
+                </p:childTnLst>
+              </p:cTn>
+              <p:prevCondLst>
+                <p:cond evt="onPrev" delay="0">
+                  <p:tgtEl>
+                    <p:sldTgt/>
+                  </p:tgtEl>
+                </p:cond>
+              </p:prevCondLst>
+              <p:nextCondLst>
+                <p:cond evt="onNext" delay="0">
+                  <p:tgtEl>
+                    <p:sldTgt/>
+                  </p:tgtEl>
+                </p:cond>
+              </p:nextCondLst>
+            </p:seq>
+          </p:childTnLst>
+        </p:cTn>
+      </p:par>
+    </p:tnLst>
+    <p:bldLst>
+      <p:bldP spid="11" grpId="0" animBg="1"/>
+      <p:bldP spid="15" grpId="0"/>
+      <p:bldP spid="17" grpId="0" animBg="1"/>
+      <p:bldP spid="18" grpId="0"/>
+      <p:bldP spid="19" grpId="0" animBg="1"/>
+      <p:bldP spid="20" grpId="0"/>
+      <p:bldP spid="21" grpId="0" animBg="1"/>
+      <p:bldP spid="22" grpId="0"/>
+    </p:bldLst>
+  </p:timing>
+</p:sld>
+</file>
+
+<file path=ppt/slides/slide11.xml><?xml version="1.0" encoding="utf-8"?>
+<p:sld xmlns:a="http://schemas.openxmlformats.org/drawingml/2006/main" xmlns:r="http://schemas.openxmlformats.org/officeDocument/2006/relationships" xmlns:p="http://schemas.openxmlformats.org/presentationml/2006/main">
+  <p:cSld>
+    <p:spTree>
+      <p:nvGrpSpPr>
+        <p:cNvPr id="1" name=""/>
+        <p:cNvGrpSpPr/>
+        <p:nvPr/>
+      </p:nvGrpSpPr>
+      <p:grpSpPr>
+        <a:xfrm>
+          <a:off x="0" y="0"/>
+          <a:ext cx="0" cy="0"/>
+          <a:chOff x="0" y="0"/>
+          <a:chExt cx="0" cy="0"/>
+        </a:xfrm>
+      </p:grpSpPr>
+      <p:sp>
+        <p:nvSpPr>
+          <p:cNvPr id="3" name="Subtitle 2"/>
+          <p:cNvSpPr>
+            <a:spLocks noGrp="1"/>
+          </p:cNvSpPr>
+          <p:nvPr>
+            <p:ph type="subTitle" idx="1"/>
+          </p:nvPr>
+        </p:nvSpPr>
+        <p:spPr>
+          <a:xfrm>
+            <a:off x="1251751" y="262671"/>
+            <a:ext cx="4230167" cy="538385"/>
+          </a:xfrm>
+        </p:spPr>
+        <p:txBody>
+          <a:bodyPr>
+            <a:noAutofit/>
+          </a:bodyPr>
+          <a:lstStyle/>
+          <a:p>
+            <a:r>
+              <a:rPr lang="en-US" sz="2800" b="1" dirty="0">
+                <a:solidFill>
+                  <a:schemeClr val="bg2">
+                    <a:lumMod val="25000"/>
+                  </a:schemeClr>
+                </a:solidFill>
+              </a:rPr>
+              <a:t>4. GIAO DIỆN WEBSITE</a:t>
+            </a:r>
+          </a:p>
+        </p:txBody>
+      </p:sp>
+      <p:sp>
+        <p:nvSpPr>
+          <p:cNvPr id="8" name="Slide Number Placeholder 7"/>
+          <p:cNvSpPr>
+            <a:spLocks noGrp="1"/>
+          </p:cNvSpPr>
+          <p:nvPr>
+            <p:ph type="sldNum" sz="quarter" idx="12"/>
+          </p:nvPr>
+        </p:nvSpPr>
+        <p:spPr>
+          <a:xfrm>
+            <a:off x="9503664" y="6575171"/>
+            <a:ext cx="2743200" cy="365125"/>
+          </a:xfrm>
+        </p:spPr>
+        <p:txBody>
+          <a:bodyPr/>
+          <a:lstStyle/>
+          <a:p>
+            <a:fld id="{4F36CA6A-1BC7-4082-8420-6830934E444A}" type="slidenum">
+              <a:rPr lang="en-US" smtClean="0"/>
+              <a:t>11</a:t>
+            </a:fld>
+            <a:endParaRPr lang="en-US"/>
+          </a:p>
+        </p:txBody>
+      </p:sp>
+      <p:grpSp>
+        <p:nvGrpSpPr>
+          <p:cNvPr id="12" name="Group 11">
+            <a:extLst>
+              <a:ext uri="{FF2B5EF4-FFF2-40B4-BE49-F238E27FC236}">
+                <a16:creationId xmlns:a16="http://schemas.microsoft.com/office/drawing/2014/main" id="{345FFF30-BA1A-40CC-98C8-582B37874F34}"/>
+              </a:ext>
+            </a:extLst>
+          </p:cNvPr>
+          <p:cNvGrpSpPr/>
+          <p:nvPr/>
+        </p:nvGrpSpPr>
+        <p:grpSpPr>
+          <a:xfrm>
+            <a:off x="0" y="0"/>
+            <a:ext cx="1251751" cy="6858000"/>
+            <a:chOff x="0" y="0"/>
+            <a:chExt cx="1251751" cy="6858000"/>
+          </a:xfrm>
+        </p:grpSpPr>
+        <p:sp>
+          <p:nvSpPr>
+            <p:cNvPr id="13" name="Rectangle 12">
+              <a:extLst>
+                <a:ext uri="{FF2B5EF4-FFF2-40B4-BE49-F238E27FC236}">
+                  <a16:creationId xmlns:a16="http://schemas.microsoft.com/office/drawing/2014/main" id="{CC3E82D8-4F54-4227-A8ED-1D7275B88F04}"/>
+                </a:ext>
+              </a:extLst>
+            </p:cNvPr>
+            <p:cNvSpPr/>
+            <p:nvPr/>
+          </p:nvSpPr>
+          <p:spPr>
+            <a:xfrm rot="10800000">
+              <a:off x="0" y="0"/>
+              <a:ext cx="1251751" cy="6858000"/>
+            </a:xfrm>
+            <a:prstGeom prst="rect">
+              <a:avLst/>
+            </a:prstGeom>
+            <a:gradFill flip="none" rotWithShape="1">
+              <a:gsLst>
+                <a:gs pos="0">
+                  <a:schemeClr val="accent1">
+                    <a:shade val="30000"/>
+                    <a:satMod val="115000"/>
+                  </a:schemeClr>
+                </a:gs>
+                <a:gs pos="50000">
+                  <a:schemeClr val="accent1">
+                    <a:shade val="67500"/>
+                    <a:satMod val="115000"/>
+                  </a:schemeClr>
+                </a:gs>
+                <a:gs pos="100000">
+                  <a:schemeClr val="accent1">
+                    <a:shade val="100000"/>
+                    <a:satMod val="115000"/>
+                  </a:schemeClr>
+                </a:gs>
+              </a:gsLst>
+              <a:lin ang="5400000" scaled="1"/>
+              <a:tileRect/>
+            </a:gradFill>
+            <a:ln>
+              <a:solidFill>
+                <a:schemeClr val="bg1"/>
+              </a:solidFill>
+            </a:ln>
+          </p:spPr>
+          <p:style>
+            <a:lnRef idx="2">
+              <a:schemeClr val="accent1">
+                <a:shade val="50000"/>
+              </a:schemeClr>
+            </a:lnRef>
+            <a:fillRef idx="1">
+              <a:schemeClr val="accent1"/>
+            </a:fillRef>
+            <a:effectRef idx="0">
+              <a:schemeClr val="accent1"/>
+            </a:effectRef>
+            <a:fontRef idx="minor">
+              <a:schemeClr val="lt1"/>
+            </a:fontRef>
+          </p:style>
+          <p:txBody>
+            <a:bodyPr rtlCol="0" anchor="ctr"/>
+            <a:lstStyle/>
+            <a:p>
+              <a:endParaRPr lang="en-US" dirty="0"/>
+            </a:p>
+          </p:txBody>
+        </p:sp>
+        <p:pic>
+          <p:nvPicPr>
+            <p:cNvPr id="14" name="Picture 6" descr="Tập tin:Logo Dai hoc Can Tho.svg – Wikipedia tiếng Việt">
+              <a:extLst>
+                <a:ext uri="{FF2B5EF4-FFF2-40B4-BE49-F238E27FC236}">
+                  <a16:creationId xmlns:a16="http://schemas.microsoft.com/office/drawing/2014/main" id="{66A9DC07-DBCB-4567-B4A9-4BC6B267BD27}"/>
+                </a:ext>
+              </a:extLst>
+            </p:cNvPr>
+            <p:cNvPicPr>
+              <a:picLocks noChangeAspect="1" noChangeArrowheads="1"/>
+            </p:cNvPicPr>
+            <p:nvPr/>
+          </p:nvPicPr>
+          <p:blipFill>
+            <a:blip r:embed="rId2" cstate="print">
+              <a:extLst>
+                <a:ext uri="{28A0092B-C50C-407E-A947-70E740481C1C}">
+                  <a14:useLocalDpi xmlns:a14="http://schemas.microsoft.com/office/drawing/2010/main" val="0"/>
+                </a:ext>
+              </a:extLst>
+            </a:blip>
+            <a:srcRect/>
+            <a:stretch>
+              <a:fillRect/>
+            </a:stretch>
+          </p:blipFill>
+          <p:spPr bwMode="auto">
+            <a:xfrm>
+              <a:off x="62571" y="135875"/>
+              <a:ext cx="1126608" cy="1126608"/>
+            </a:xfrm>
+            <a:prstGeom prst="rect">
+              <a:avLst/>
+            </a:prstGeom>
+            <a:noFill/>
+            <a:extLst>
+              <a:ext uri="{909E8E84-426E-40DD-AFC4-6F175D3DCCD1}">
+                <a14:hiddenFill xmlns:a14="http://schemas.microsoft.com/office/drawing/2010/main">
+                  <a:solidFill>
+                    <a:srgbClr val="FFFFFF"/>
+                  </a:solidFill>
+                </a14:hiddenFill>
+              </a:ext>
+            </a:extLst>
+          </p:spPr>
+        </p:pic>
+      </p:grpSp>
+      <p:sp>
+        <p:nvSpPr>
+          <p:cNvPr id="9" name="TextBox 8">
+            <a:extLst>
+              <a:ext uri="{FF2B5EF4-FFF2-40B4-BE49-F238E27FC236}">
+                <a16:creationId xmlns:a16="http://schemas.microsoft.com/office/drawing/2014/main" id="{D4F0DAB5-ACF0-424E-A159-071632E31E1A}"/>
+              </a:ext>
+            </a:extLst>
+          </p:cNvPr>
+          <p:cNvSpPr txBox="1"/>
+          <p:nvPr/>
+        </p:nvSpPr>
+        <p:spPr>
+          <a:xfrm>
+            <a:off x="5481918" y="5813652"/>
+            <a:ext cx="2485748" cy="400110"/>
+          </a:xfrm>
+          <a:prstGeom prst="rect">
+            <a:avLst/>
+          </a:prstGeom>
+          <a:noFill/>
+        </p:spPr>
+        <p:txBody>
+          <a:bodyPr wrap="square" rtlCol="0">
+            <a:spAutoFit/>
+          </a:bodyPr>
+          <a:lstStyle/>
+          <a:p>
+            <a:pPr algn="ctr"/>
+            <a:r>
+              <a:rPr lang="en-US" sz="2000" dirty="0"/>
+              <a:t>Trang ca </a:t>
+            </a:r>
+            <a:r>
+              <a:rPr lang="en-US" sz="2000" dirty="0" err="1"/>
+              <a:t>sĩ</a:t>
+            </a:r>
+            <a:endParaRPr lang="en-US" sz="2000" dirty="0"/>
+          </a:p>
+        </p:txBody>
+      </p:sp>
+      <p:pic>
+        <p:nvPicPr>
+          <p:cNvPr id="4" name="Picture 3">
+            <a:extLst>
+              <a:ext uri="{FF2B5EF4-FFF2-40B4-BE49-F238E27FC236}">
+                <a16:creationId xmlns:a16="http://schemas.microsoft.com/office/drawing/2014/main" id="{C3387603-C042-45F7-A731-66D842B798BF}"/>
+              </a:ext>
+            </a:extLst>
+          </p:cNvPr>
+          <p:cNvPicPr>
+            <a:picLocks noChangeAspect="1"/>
+          </p:cNvPicPr>
+          <p:nvPr/>
+        </p:nvPicPr>
+        <p:blipFill>
+          <a:blip r:embed="rId3"/>
+          <a:stretch>
+            <a:fillRect/>
+          </a:stretch>
+        </p:blipFill>
+        <p:spPr>
+          <a:xfrm>
+            <a:off x="1415466" y="801056"/>
+            <a:ext cx="10613595" cy="5012596"/>
+          </a:xfrm>
+          <a:prstGeom prst="rect">
+            <a:avLst/>
+          </a:prstGeom>
+        </p:spPr>
+      </p:pic>
+      <p:sp>
+        <p:nvSpPr>
+          <p:cNvPr id="11" name="Rectangle 10">
+            <a:extLst>
+              <a:ext uri="{FF2B5EF4-FFF2-40B4-BE49-F238E27FC236}">
+                <a16:creationId xmlns:a16="http://schemas.microsoft.com/office/drawing/2014/main" id="{2E1B2983-E400-461D-BEDF-5E0AF2D0A20D}"/>
+              </a:ext>
+            </a:extLst>
+          </p:cNvPr>
+          <p:cNvSpPr/>
+          <p:nvPr/>
+        </p:nvSpPr>
+        <p:spPr>
+          <a:xfrm>
+            <a:off x="6684452" y="2630644"/>
+            <a:ext cx="618556" cy="520987"/>
+          </a:xfrm>
+          <a:prstGeom prst="rect">
+            <a:avLst/>
+          </a:prstGeom>
+          <a:noFill/>
+          <a:ln w="19050">
+            <a:solidFill>
+              <a:srgbClr val="FF0000"/>
+            </a:solidFill>
+          </a:ln>
+        </p:spPr>
+        <p:style>
+          <a:lnRef idx="0">
+            <a:scrgbClr r="0" g="0" b="0"/>
+          </a:lnRef>
+          <a:fillRef idx="0">
+            <a:scrgbClr r="0" g="0" b="0"/>
+          </a:fillRef>
+          <a:effectRef idx="0">
+            <a:scrgbClr r="0" g="0" b="0"/>
+          </a:effectRef>
+          <a:fontRef idx="minor">
+            <a:schemeClr val="dk1"/>
+          </a:fontRef>
+        </p:style>
+        <p:txBody>
+          <a:bodyPr rtlCol="0" anchor="ctr"/>
+          <a:lstStyle/>
+          <a:p>
+            <a:pPr algn="ctr"/>
+            <a:endParaRPr lang="en-US"/>
+          </a:p>
+        </p:txBody>
+      </p:sp>
+      <p:sp>
+        <p:nvSpPr>
+          <p:cNvPr id="15" name="TextBox 14">
+            <a:extLst>
+              <a:ext uri="{FF2B5EF4-FFF2-40B4-BE49-F238E27FC236}">
+                <a16:creationId xmlns:a16="http://schemas.microsoft.com/office/drawing/2014/main" id="{78AC6E9B-6453-498D-9199-2CC3C5242D2B}"/>
+              </a:ext>
+            </a:extLst>
+          </p:cNvPr>
+          <p:cNvSpPr txBox="1"/>
+          <p:nvPr/>
+        </p:nvSpPr>
+        <p:spPr>
+          <a:xfrm>
+            <a:off x="7293445" y="2489525"/>
+            <a:ext cx="2372589" cy="646331"/>
+          </a:xfrm>
+          <a:prstGeom prst="rect">
+            <a:avLst/>
+          </a:prstGeom>
+          <a:noFill/>
+        </p:spPr>
+        <p:txBody>
+          <a:bodyPr wrap="square" rtlCol="0">
+            <a:spAutoFit/>
+          </a:bodyPr>
+          <a:lstStyle/>
+          <a:p>
+            <a:pPr algn="ctr"/>
+            <a:r>
+              <a:rPr lang="en-US" dirty="0" err="1">
+                <a:solidFill>
+                  <a:srgbClr val="FF0000"/>
+                </a:solidFill>
+              </a:rPr>
+              <a:t>Phát</a:t>
+            </a:r>
+            <a:r>
+              <a:rPr lang="en-US" dirty="0">
+                <a:solidFill>
+                  <a:srgbClr val="FF0000"/>
+                </a:solidFill>
+              </a:rPr>
+              <a:t> </a:t>
+            </a:r>
+            <a:r>
+              <a:rPr lang="en-US" dirty="0" err="1">
+                <a:solidFill>
+                  <a:srgbClr val="FF0000"/>
+                </a:solidFill>
+              </a:rPr>
+              <a:t>tất</a:t>
+            </a:r>
+            <a:r>
+              <a:rPr lang="en-US" dirty="0">
+                <a:solidFill>
+                  <a:srgbClr val="FF0000"/>
+                </a:solidFill>
+              </a:rPr>
+              <a:t> </a:t>
+            </a:r>
+            <a:r>
+              <a:rPr lang="en-US" dirty="0" err="1">
+                <a:solidFill>
+                  <a:srgbClr val="FF0000"/>
+                </a:solidFill>
+              </a:rPr>
+              <a:t>cả</a:t>
+            </a:r>
+            <a:r>
+              <a:rPr lang="en-US" dirty="0">
+                <a:solidFill>
+                  <a:srgbClr val="FF0000"/>
+                </a:solidFill>
+              </a:rPr>
+              <a:t> </a:t>
+            </a:r>
+            <a:r>
+              <a:rPr lang="en-US" dirty="0" err="1">
+                <a:solidFill>
+                  <a:srgbClr val="FF0000"/>
+                </a:solidFill>
+              </a:rPr>
+              <a:t>bài</a:t>
+            </a:r>
+            <a:r>
+              <a:rPr lang="en-US" dirty="0">
+                <a:solidFill>
+                  <a:srgbClr val="FF0000"/>
+                </a:solidFill>
+              </a:rPr>
+              <a:t> </a:t>
+            </a:r>
+            <a:r>
+              <a:rPr lang="en-US" dirty="0" err="1">
+                <a:solidFill>
+                  <a:srgbClr val="FF0000"/>
+                </a:solidFill>
+              </a:rPr>
+              <a:t>hát</a:t>
+            </a:r>
+            <a:r>
+              <a:rPr lang="en-US" dirty="0">
+                <a:solidFill>
+                  <a:srgbClr val="FF0000"/>
+                </a:solidFill>
+              </a:rPr>
+              <a:t> </a:t>
+            </a:r>
+            <a:r>
+              <a:rPr lang="en-US" dirty="0" err="1">
+                <a:solidFill>
+                  <a:srgbClr val="FF0000"/>
+                </a:solidFill>
+              </a:rPr>
+              <a:t>của</a:t>
+            </a:r>
+            <a:r>
+              <a:rPr lang="en-US" dirty="0">
+                <a:solidFill>
+                  <a:srgbClr val="FF0000"/>
+                </a:solidFill>
+              </a:rPr>
+              <a:t> ca </a:t>
+            </a:r>
+            <a:r>
+              <a:rPr lang="en-US" dirty="0" err="1">
+                <a:solidFill>
+                  <a:srgbClr val="FF0000"/>
+                </a:solidFill>
+              </a:rPr>
+              <a:t>sĩ</a:t>
+            </a:r>
+            <a:endParaRPr lang="en-US" dirty="0">
+              <a:solidFill>
+                <a:srgbClr val="FF0000"/>
+              </a:solidFill>
+            </a:endParaRPr>
+          </a:p>
+        </p:txBody>
+      </p:sp>
+      <p:cxnSp>
+        <p:nvCxnSpPr>
+          <p:cNvPr id="6" name="Straight Arrow Connector 5">
+            <a:extLst>
+              <a:ext uri="{FF2B5EF4-FFF2-40B4-BE49-F238E27FC236}">
+                <a16:creationId xmlns:a16="http://schemas.microsoft.com/office/drawing/2014/main" id="{D5C62AAD-61A1-4B8A-BF9A-0957532E48BE}"/>
+              </a:ext>
+            </a:extLst>
+          </p:cNvPr>
+          <p:cNvCxnSpPr/>
+          <p:nvPr/>
+        </p:nvCxnSpPr>
+        <p:spPr>
+          <a:xfrm>
+            <a:off x="7541443" y="3075418"/>
+            <a:ext cx="1706252" cy="770718"/>
+          </a:xfrm>
+          <a:prstGeom prst="straightConnector1">
+            <a:avLst/>
+          </a:prstGeom>
+          <a:ln w="19050">
+            <a:solidFill>
+              <a:srgbClr val="FF0000"/>
+            </a:solidFill>
+            <a:tailEnd type="triangle"/>
+          </a:ln>
+        </p:spPr>
+        <p:style>
+          <a:lnRef idx="1">
+            <a:schemeClr val="accent2"/>
+          </a:lnRef>
+          <a:fillRef idx="0">
+            <a:schemeClr val="accent2"/>
+          </a:fillRef>
+          <a:effectRef idx="0">
+            <a:schemeClr val="accent2"/>
+          </a:effectRef>
+          <a:fontRef idx="minor">
+            <a:schemeClr val="tx1"/>
+          </a:fontRef>
+        </p:style>
+      </p:cxnSp>
+      <p:sp>
+        <p:nvSpPr>
+          <p:cNvPr id="17" name="Rectangle 16">
+            <a:extLst>
+              <a:ext uri="{FF2B5EF4-FFF2-40B4-BE49-F238E27FC236}">
+                <a16:creationId xmlns:a16="http://schemas.microsoft.com/office/drawing/2014/main" id="{2BC35DC4-003A-4A8B-9F09-397448162C39}"/>
+              </a:ext>
+            </a:extLst>
+          </p:cNvPr>
+          <p:cNvSpPr/>
+          <p:nvPr/>
+        </p:nvSpPr>
+        <p:spPr>
+          <a:xfrm>
+            <a:off x="9356755" y="3562350"/>
+            <a:ext cx="2672305" cy="1493520"/>
+          </a:xfrm>
+          <a:prstGeom prst="rect">
+            <a:avLst/>
+          </a:prstGeom>
+          <a:noFill/>
+          <a:ln w="19050">
+            <a:solidFill>
+              <a:srgbClr val="FF0000"/>
+            </a:solidFill>
+          </a:ln>
+        </p:spPr>
+        <p:style>
+          <a:lnRef idx="0">
+            <a:scrgbClr r="0" g="0" b="0"/>
+          </a:lnRef>
+          <a:fillRef idx="0">
+            <a:scrgbClr r="0" g="0" b="0"/>
+          </a:fillRef>
+          <a:effectRef idx="0">
+            <a:scrgbClr r="0" g="0" b="0"/>
+          </a:effectRef>
+          <a:fontRef idx="minor">
+            <a:schemeClr val="dk1"/>
+          </a:fontRef>
+        </p:style>
+        <p:txBody>
+          <a:bodyPr rtlCol="0" anchor="ctr"/>
+          <a:lstStyle/>
+          <a:p>
+            <a:pPr algn="ctr"/>
+            <a:endParaRPr lang="en-US"/>
+          </a:p>
+        </p:txBody>
+      </p:sp>
+    </p:spTree>
+    <p:extLst>
+      <p:ext uri="{BB962C8B-B14F-4D97-AF65-F5344CB8AC3E}">
+        <p14:creationId xmlns:p14="http://schemas.microsoft.com/office/powerpoint/2010/main" val="4241397277"/>
+      </p:ext>
+    </p:extLst>
+  </p:cSld>
+  <p:clrMapOvr>
+    <a:masterClrMapping/>
+  </p:clrMapOvr>
+  <p:transition spd="slow">
+    <p:push dir="u"/>
+  </p:transition>
+  <p:timing>
+    <p:tnLst>
+      <p:par>
+        <p:cTn id="1" dur="indefinite" restart="never" nodeType="tmRoot">
+          <p:childTnLst>
+            <p:seq concurrent="1" nextAc="seek">
+              <p:cTn id="2" dur="indefinite" nodeType="mainSeq">
+                <p:childTnLst>
+                  <p:par>
+                    <p:cTn id="3" fill="hold">
+                      <p:stCondLst>
+                        <p:cond delay="indefinite"/>
+                      </p:stCondLst>
+                      <p:childTnLst>
+                        <p:par>
+                          <p:cTn id="4" fill="hold">
+                            <p:stCondLst>
+                              <p:cond delay="0"/>
+                            </p:stCondLst>
+                            <p:childTnLst>
+                              <p:par>
+                                <p:cTn id="5" presetID="21" presetClass="entr" presetSubtype="1" fill="hold" grpId="0" nodeType="clickEffect">
+                                  <p:stCondLst>
+                                    <p:cond delay="0"/>
+                                  </p:stCondLst>
+                                  <p:childTnLst>
+                                    <p:set>
+                                      <p:cBhvr>
+                                        <p:cTn id="6" dur="1" fill="hold">
+                                          <p:stCondLst>
+                                            <p:cond delay="0"/>
+                                          </p:stCondLst>
+                                        </p:cTn>
+                                        <p:tgtEl>
+                                          <p:spTgt spid="11"/>
+                                        </p:tgtEl>
+                                        <p:attrNameLst>
+                                          <p:attrName>style.visibility</p:attrName>
+                                        </p:attrNameLst>
+                                      </p:cBhvr>
+                                      <p:to>
+                                        <p:strVal val="visible"/>
+                                      </p:to>
+                                    </p:set>
+                                    <p:animEffect transition="in" filter="wheel(1)">
+                                      <p:cBhvr>
+                                        <p:cTn id="7" dur="1000"/>
+                                        <p:tgtEl>
+                                          <p:spTgt spid="11"/>
+                                        </p:tgtEl>
+                                      </p:cBhvr>
+                                    </p:animEffect>
+                                  </p:childTnLst>
+                                </p:cTn>
+                              </p:par>
+                            </p:childTnLst>
+                          </p:cTn>
+                        </p:par>
+                        <p:par>
+                          <p:cTn id="8" fill="hold">
+                            <p:stCondLst>
+                              <p:cond delay="1000"/>
+                            </p:stCondLst>
+                            <p:childTnLst>
+                              <p:par>
+                                <p:cTn id="9" presetID="22" presetClass="entr" presetSubtype="4" fill="hold" grpId="0" nodeType="afterEffect">
+                                  <p:stCondLst>
+                                    <p:cond delay="0"/>
+                                  </p:stCondLst>
+                                  <p:childTnLst>
+                                    <p:set>
+                                      <p:cBhvr>
+                                        <p:cTn id="10" dur="1" fill="hold">
+                                          <p:stCondLst>
+                                            <p:cond delay="0"/>
+                                          </p:stCondLst>
+                                        </p:cTn>
+                                        <p:tgtEl>
+                                          <p:spTgt spid="15"/>
+                                        </p:tgtEl>
+                                        <p:attrNameLst>
+                                          <p:attrName>style.visibility</p:attrName>
+                                        </p:attrNameLst>
+                                      </p:cBhvr>
+                                      <p:to>
+                                        <p:strVal val="visible"/>
+                                      </p:to>
+                                    </p:set>
+                                    <p:animEffect transition="in" filter="wipe(down)">
+                                      <p:cBhvr>
+                                        <p:cTn id="11" dur="500"/>
+                                        <p:tgtEl>
+                                          <p:spTgt spid="15"/>
+                                        </p:tgtEl>
+                                      </p:cBhvr>
+                                    </p:animEffect>
+                                  </p:childTnLst>
+                                </p:cTn>
+                              </p:par>
+                            </p:childTnLst>
+                          </p:cTn>
+                        </p:par>
+                        <p:par>
+                          <p:cTn id="12" fill="hold">
+                            <p:stCondLst>
+                              <p:cond delay="1500"/>
+                            </p:stCondLst>
+                            <p:childTnLst>
+                              <p:par>
+                                <p:cTn id="13" presetID="16" presetClass="entr" presetSubtype="21" fill="hold" nodeType="afterEffect">
+                                  <p:stCondLst>
+                                    <p:cond delay="0"/>
+                                  </p:stCondLst>
+                                  <p:childTnLst>
+                                    <p:set>
+                                      <p:cBhvr>
+                                        <p:cTn id="14" dur="1" fill="hold">
+                                          <p:stCondLst>
+                                            <p:cond delay="0"/>
+                                          </p:stCondLst>
+                                        </p:cTn>
+                                        <p:tgtEl>
+                                          <p:spTgt spid="6"/>
+                                        </p:tgtEl>
+                                        <p:attrNameLst>
+                                          <p:attrName>style.visibility</p:attrName>
+                                        </p:attrNameLst>
+                                      </p:cBhvr>
+                                      <p:to>
+                                        <p:strVal val="visible"/>
+                                      </p:to>
+                                    </p:set>
+                                    <p:animEffect transition="in" filter="barn(inVertical)">
+                                      <p:cBhvr>
+                                        <p:cTn id="15" dur="500"/>
+                                        <p:tgtEl>
+                                          <p:spTgt spid="6"/>
+                                        </p:tgtEl>
+                                      </p:cBhvr>
+                                    </p:animEffect>
+                                  </p:childTnLst>
+                                </p:cTn>
+                              </p:par>
+                            </p:childTnLst>
+                          </p:cTn>
+                        </p:par>
+                        <p:par>
+                          <p:cTn id="16" fill="hold">
+                            <p:stCondLst>
+                              <p:cond delay="2000"/>
+                            </p:stCondLst>
+                            <p:childTnLst>
+                              <p:par>
+                                <p:cTn id="17" presetID="21" presetClass="entr" presetSubtype="1" fill="hold" grpId="0" nodeType="afterEffect">
+                                  <p:stCondLst>
+                                    <p:cond delay="0"/>
+                                  </p:stCondLst>
+                                  <p:childTnLst>
+                                    <p:set>
+                                      <p:cBhvr>
+                                        <p:cTn id="18" dur="1" fill="hold">
+                                          <p:stCondLst>
+                                            <p:cond delay="0"/>
+                                          </p:stCondLst>
+                                        </p:cTn>
+                                        <p:tgtEl>
+                                          <p:spTgt spid="17"/>
+                                        </p:tgtEl>
+                                        <p:attrNameLst>
+                                          <p:attrName>style.visibility</p:attrName>
+                                        </p:attrNameLst>
+                                      </p:cBhvr>
+                                      <p:to>
+                                        <p:strVal val="visible"/>
+                                      </p:to>
+                                    </p:set>
+                                    <p:animEffect transition="in" filter="wheel(1)">
+                                      <p:cBhvr>
+                                        <p:cTn id="19" dur="1000"/>
+                                        <p:tgtEl>
+                                          <p:spTgt spid="17"/>
+                                        </p:tgtEl>
+                                      </p:cBhvr>
+                                    </p:animEffect>
+                                  </p:childTnLst>
+                                </p:cTn>
+                              </p:par>
+                            </p:childTnLst>
+                          </p:cTn>
+                        </p:par>
+                      </p:childTnLst>
+                    </p:cTn>
+                  </p:par>
+                </p:childTnLst>
+              </p:cTn>
+              <p:prevCondLst>
+                <p:cond evt="onPrev" delay="0">
+                  <p:tgtEl>
+                    <p:sldTgt/>
+                  </p:tgtEl>
+                </p:cond>
+              </p:prevCondLst>
+              <p:nextCondLst>
+                <p:cond evt="onNext" delay="0">
+                  <p:tgtEl>
+                    <p:sldTgt/>
+                  </p:tgtEl>
+                </p:cond>
+              </p:nextCondLst>
+            </p:seq>
+          </p:childTnLst>
+        </p:cTn>
+      </p:par>
+    </p:tnLst>
+    <p:bldLst>
+      <p:bldP spid="11" grpId="0" animBg="1"/>
+      <p:bldP spid="15" grpId="0"/>
+      <p:bldP spid="17" grpId="0" animBg="1"/>
+    </p:bldLst>
+  </p:timing>
+</p:sld>
+</file>
+
+<file path=ppt/slides/slide12.xml><?xml version="1.0" encoding="utf-8"?>
+<p:sld xmlns:a="http://schemas.openxmlformats.org/drawingml/2006/main" xmlns:r="http://schemas.openxmlformats.org/officeDocument/2006/relationships" xmlns:p="http://schemas.openxmlformats.org/presentationml/2006/main">
+  <p:cSld>
+    <p:spTree>
+      <p:nvGrpSpPr>
+        <p:cNvPr id="1" name=""/>
+        <p:cNvGrpSpPr/>
+        <p:nvPr/>
+      </p:nvGrpSpPr>
+      <p:grpSpPr>
+        <a:xfrm>
+          <a:off x="0" y="0"/>
+          <a:ext cx="0" cy="0"/>
+          <a:chOff x="0" y="0"/>
+          <a:chExt cx="0" cy="0"/>
+        </a:xfrm>
+      </p:grpSpPr>
+      <p:sp>
+        <p:nvSpPr>
+          <p:cNvPr id="3" name="Subtitle 2"/>
+          <p:cNvSpPr>
+            <a:spLocks noGrp="1"/>
+          </p:cNvSpPr>
+          <p:nvPr>
+            <p:ph type="subTitle" idx="1"/>
+          </p:nvPr>
+        </p:nvSpPr>
+        <p:spPr>
+          <a:xfrm>
+            <a:off x="1251751" y="262671"/>
+            <a:ext cx="4230167" cy="538385"/>
+          </a:xfrm>
+        </p:spPr>
+        <p:txBody>
+          <a:bodyPr>
+            <a:noAutofit/>
+          </a:bodyPr>
+          <a:lstStyle/>
+          <a:p>
+            <a:r>
+              <a:rPr lang="en-US" sz="2800" b="1" dirty="0">
+                <a:solidFill>
+                  <a:schemeClr val="bg2">
+                    <a:lumMod val="25000"/>
+                  </a:schemeClr>
+                </a:solidFill>
+              </a:rPr>
+              <a:t>4. GIAO DIỆN WEBSITE</a:t>
+            </a:r>
+          </a:p>
+        </p:txBody>
+      </p:sp>
+      <p:sp>
+        <p:nvSpPr>
+          <p:cNvPr id="8" name="Slide Number Placeholder 7"/>
+          <p:cNvSpPr>
+            <a:spLocks noGrp="1"/>
+          </p:cNvSpPr>
+          <p:nvPr>
+            <p:ph type="sldNum" sz="quarter" idx="12"/>
+          </p:nvPr>
+        </p:nvSpPr>
+        <p:spPr>
+          <a:xfrm>
+            <a:off x="9503664" y="6575171"/>
+            <a:ext cx="2743200" cy="365125"/>
+          </a:xfrm>
+        </p:spPr>
+        <p:txBody>
+          <a:bodyPr/>
+          <a:lstStyle/>
+          <a:p>
+            <a:fld id="{4F36CA6A-1BC7-4082-8420-6830934E444A}" type="slidenum">
+              <a:rPr lang="en-US" smtClean="0"/>
+              <a:t>12</a:t>
+            </a:fld>
+            <a:endParaRPr lang="en-US"/>
+          </a:p>
+        </p:txBody>
+      </p:sp>
+      <p:grpSp>
+        <p:nvGrpSpPr>
+          <p:cNvPr id="12" name="Group 11">
+            <a:extLst>
+              <a:ext uri="{FF2B5EF4-FFF2-40B4-BE49-F238E27FC236}">
+                <a16:creationId xmlns:a16="http://schemas.microsoft.com/office/drawing/2014/main" id="{345FFF30-BA1A-40CC-98C8-582B37874F34}"/>
+              </a:ext>
+            </a:extLst>
+          </p:cNvPr>
+          <p:cNvGrpSpPr/>
+          <p:nvPr/>
+        </p:nvGrpSpPr>
+        <p:grpSpPr>
+          <a:xfrm>
+            <a:off x="0" y="0"/>
+            <a:ext cx="1251751" cy="6858000"/>
+            <a:chOff x="0" y="0"/>
+            <a:chExt cx="1251751" cy="6858000"/>
+          </a:xfrm>
+        </p:grpSpPr>
+        <p:sp>
+          <p:nvSpPr>
+            <p:cNvPr id="13" name="Rectangle 12">
+              <a:extLst>
+                <a:ext uri="{FF2B5EF4-FFF2-40B4-BE49-F238E27FC236}">
+                  <a16:creationId xmlns:a16="http://schemas.microsoft.com/office/drawing/2014/main" id="{CC3E82D8-4F54-4227-A8ED-1D7275B88F04}"/>
+                </a:ext>
+              </a:extLst>
+            </p:cNvPr>
+            <p:cNvSpPr/>
+            <p:nvPr/>
+          </p:nvSpPr>
+          <p:spPr>
+            <a:xfrm rot="10800000">
+              <a:off x="0" y="0"/>
+              <a:ext cx="1251751" cy="6858000"/>
+            </a:xfrm>
+            <a:prstGeom prst="rect">
+              <a:avLst/>
+            </a:prstGeom>
+            <a:gradFill flip="none" rotWithShape="1">
+              <a:gsLst>
+                <a:gs pos="0">
+                  <a:schemeClr val="accent1">
+                    <a:shade val="30000"/>
+                    <a:satMod val="115000"/>
+                  </a:schemeClr>
+                </a:gs>
+                <a:gs pos="50000">
+                  <a:schemeClr val="accent1">
+                    <a:shade val="67500"/>
+                    <a:satMod val="115000"/>
+                  </a:schemeClr>
+                </a:gs>
+                <a:gs pos="100000">
+                  <a:schemeClr val="accent1">
+                    <a:shade val="100000"/>
+                    <a:satMod val="115000"/>
+                  </a:schemeClr>
+                </a:gs>
+              </a:gsLst>
+              <a:lin ang="5400000" scaled="1"/>
+              <a:tileRect/>
+            </a:gradFill>
+            <a:ln>
+              <a:solidFill>
+                <a:schemeClr val="bg1"/>
+              </a:solidFill>
+            </a:ln>
+          </p:spPr>
+          <p:style>
+            <a:lnRef idx="2">
+              <a:schemeClr val="accent1">
+                <a:shade val="50000"/>
+              </a:schemeClr>
+            </a:lnRef>
+            <a:fillRef idx="1">
+              <a:schemeClr val="accent1"/>
+            </a:fillRef>
+            <a:effectRef idx="0">
+              <a:schemeClr val="accent1"/>
+            </a:effectRef>
+            <a:fontRef idx="minor">
+              <a:schemeClr val="lt1"/>
+            </a:fontRef>
+          </p:style>
+          <p:txBody>
+            <a:bodyPr rtlCol="0" anchor="ctr"/>
+            <a:lstStyle/>
+            <a:p>
+              <a:endParaRPr lang="en-US" dirty="0"/>
+            </a:p>
+          </p:txBody>
+        </p:sp>
+        <p:pic>
+          <p:nvPicPr>
+            <p:cNvPr id="14" name="Picture 6" descr="Tập tin:Logo Dai hoc Can Tho.svg – Wikipedia tiếng Việt">
+              <a:extLst>
+                <a:ext uri="{FF2B5EF4-FFF2-40B4-BE49-F238E27FC236}">
+                  <a16:creationId xmlns:a16="http://schemas.microsoft.com/office/drawing/2014/main" id="{66A9DC07-DBCB-4567-B4A9-4BC6B267BD27}"/>
+                </a:ext>
+              </a:extLst>
+            </p:cNvPr>
+            <p:cNvPicPr>
+              <a:picLocks noChangeAspect="1" noChangeArrowheads="1"/>
+            </p:cNvPicPr>
+            <p:nvPr/>
+          </p:nvPicPr>
+          <p:blipFill>
+            <a:blip r:embed="rId2" cstate="print">
+              <a:extLst>
+                <a:ext uri="{28A0092B-C50C-407E-A947-70E740481C1C}">
+                  <a14:useLocalDpi xmlns:a14="http://schemas.microsoft.com/office/drawing/2010/main" val="0"/>
+                </a:ext>
+              </a:extLst>
+            </a:blip>
+            <a:srcRect/>
+            <a:stretch>
+              <a:fillRect/>
+            </a:stretch>
+          </p:blipFill>
+          <p:spPr bwMode="auto">
+            <a:xfrm>
+              <a:off x="62571" y="135875"/>
+              <a:ext cx="1126608" cy="1126608"/>
+            </a:xfrm>
+            <a:prstGeom prst="rect">
+              <a:avLst/>
+            </a:prstGeom>
+            <a:noFill/>
+            <a:extLst>
+              <a:ext uri="{909E8E84-426E-40DD-AFC4-6F175D3DCCD1}">
+                <a14:hiddenFill xmlns:a14="http://schemas.microsoft.com/office/drawing/2010/main">
+                  <a:solidFill>
+                    <a:srgbClr val="FFFFFF"/>
+                  </a:solidFill>
+                </a14:hiddenFill>
+              </a:ext>
+            </a:extLst>
+          </p:spPr>
+        </p:pic>
+      </p:grpSp>
+      <p:sp>
+        <p:nvSpPr>
+          <p:cNvPr id="9" name="TextBox 8">
+            <a:extLst>
+              <a:ext uri="{FF2B5EF4-FFF2-40B4-BE49-F238E27FC236}">
                 <a16:creationId xmlns:a16="http://schemas.microsoft.com/office/drawing/2014/main" id="{714389E8-AF3D-4E4D-8DBD-DE1795C05A13}"/>
               </a:ext>
             </a:extLst>
@@ -4664,7 +6861,7 @@
 </p:sld>
 </file>
 
-<file path=ppt/slides/slide11.xml><?xml version="1.0" encoding="utf-8"?>
+<file path=ppt/slides/slide13.xml><?xml version="1.0" encoding="utf-8"?>
 <p:sld xmlns:a="http://schemas.openxmlformats.org/drawingml/2006/main" xmlns:r="http://schemas.openxmlformats.org/officeDocument/2006/relationships" xmlns:p="http://schemas.openxmlformats.org/presentationml/2006/main">
   <p:cSld>
     <p:spTree>
@@ -4738,7 +6935,7 @@
           <a:p>
             <a:fld id="{4F36CA6A-1BC7-4082-8420-6830934E444A}" type="slidenum">
               <a:rPr lang="en-US" smtClean="0"/>
-              <a:t>11</a:t>
+              <a:t>13</a:t>
             </a:fld>
             <a:endParaRPr lang="en-US"/>
           </a:p>
@@ -6101,7 +8298,7 @@
 </p:sld>
 </file>
 
-<file path=ppt/slides/slide12.xml><?xml version="1.0" encoding="utf-8"?>
+<file path=ppt/slides/slide14.xml><?xml version="1.0" encoding="utf-8"?>
 <p:sld xmlns:a="http://schemas.openxmlformats.org/drawingml/2006/main" xmlns:r="http://schemas.openxmlformats.org/officeDocument/2006/relationships" xmlns:p="http://schemas.openxmlformats.org/presentationml/2006/main">
   <p:cSld>
     <p:spTree>
@@ -6205,7 +8402,7 @@
           <a:p>
             <a:fld id="{4F36CA6A-1BC7-4082-8420-6830934E444A}" type="slidenum">
               <a:rPr lang="en-US" smtClean="0"/>
-              <a:t>12</a:t>
+              <a:t>14</a:t>
             </a:fld>
             <a:endParaRPr lang="en-US"/>
           </a:p>
@@ -7027,7 +9224,7 @@
 </p:sld>
 </file>
 
-<file path=ppt/slides/slide13.xml><?xml version="1.0" encoding="utf-8"?>
+<file path=ppt/slides/slide15.xml><?xml version="1.0" encoding="utf-8"?>
 <p:sld xmlns:a="http://schemas.openxmlformats.org/drawingml/2006/main" xmlns:r="http://schemas.openxmlformats.org/officeDocument/2006/relationships" xmlns:p="http://schemas.openxmlformats.org/presentationml/2006/main">
   <p:cSld>
     <p:spTree>
@@ -7101,7 +9298,7 @@
           <a:p>
             <a:fld id="{4F36CA6A-1BC7-4082-8420-6830934E444A}" type="slidenum">
               <a:rPr lang="en-US" smtClean="0"/>
-              <a:t>13</a:t>
+              <a:t>15</a:t>
             </a:fld>
             <a:endParaRPr lang="en-US"/>
           </a:p>
@@ -7856,7 +10053,7 @@
 </p:sld>
 </file>
 
-<file path=ppt/slides/slide14.xml><?xml version="1.0" encoding="utf-8"?>
+<file path=ppt/slides/slide16.xml><?xml version="1.0" encoding="utf-8"?>
 <p:sld xmlns:a="http://schemas.openxmlformats.org/drawingml/2006/main" xmlns:r="http://schemas.openxmlformats.org/officeDocument/2006/relationships" xmlns:p="http://schemas.openxmlformats.org/presentationml/2006/main">
   <p:cSld>
     <p:spTree>
@@ -7930,7 +10127,7 @@
           <a:p>
             <a:fld id="{4F36CA6A-1BC7-4082-8420-6830934E444A}" type="slidenum">
               <a:rPr lang="en-US" smtClean="0"/>
-              <a:t>14</a:t>
+              <a:t>16</a:t>
             </a:fld>
             <a:endParaRPr lang="en-US"/>
           </a:p>
@@ -8304,142 +10501,6 @@
           </a:p>
         </p:txBody>
       </p:sp>
-      <p:pic>
-        <p:nvPicPr>
-          <p:cNvPr id="7" name="Picture 6">
-            <a:extLst>
-              <a:ext uri="{FF2B5EF4-FFF2-40B4-BE49-F238E27FC236}">
-                <a16:creationId xmlns:a16="http://schemas.microsoft.com/office/drawing/2014/main" id="{EA484033-A279-4971-AC26-EFB271E2C4A5}"/>
-              </a:ext>
-            </a:extLst>
-          </p:cNvPr>
-          <p:cNvPicPr>
-            <a:picLocks noChangeAspect="1"/>
-          </p:cNvPicPr>
-          <p:nvPr/>
-        </p:nvPicPr>
-        <p:blipFill>
-          <a:blip r:embed="rId4"/>
-          <a:stretch>
-            <a:fillRect/>
-          </a:stretch>
-        </p:blipFill>
-        <p:spPr>
-          <a:xfrm>
-            <a:off x="1615240" y="783924"/>
-            <a:ext cx="4994554" cy="5046860"/>
-          </a:xfrm>
-          <a:prstGeom prst="rect">
-            <a:avLst/>
-          </a:prstGeom>
-        </p:spPr>
-      </p:pic>
-      <p:sp>
-        <p:nvSpPr>
-          <p:cNvPr id="18" name="TextBox 17">
-            <a:extLst>
-              <a:ext uri="{FF2B5EF4-FFF2-40B4-BE49-F238E27FC236}">
-                <a16:creationId xmlns:a16="http://schemas.microsoft.com/office/drawing/2014/main" id="{1075B742-AA32-4B85-BCF1-B579B40B7B97}"/>
-              </a:ext>
-            </a:extLst>
-          </p:cNvPr>
-          <p:cNvSpPr txBox="1"/>
-          <p:nvPr/>
-        </p:nvSpPr>
-        <p:spPr>
-          <a:xfrm>
-            <a:off x="2787423" y="5928582"/>
-            <a:ext cx="2485748" cy="400110"/>
-          </a:xfrm>
-          <a:prstGeom prst="rect">
-            <a:avLst/>
-          </a:prstGeom>
-          <a:noFill/>
-        </p:spPr>
-        <p:txBody>
-          <a:bodyPr wrap="square" rtlCol="0">
-            <a:spAutoFit/>
-          </a:bodyPr>
-          <a:lstStyle/>
-          <a:p>
-            <a:pPr algn="ctr"/>
-            <a:r>
-              <a:rPr lang="en-US" sz="2000" dirty="0" err="1"/>
-              <a:t>Thêm</a:t>
-            </a:r>
-            <a:r>
-              <a:rPr lang="en-US" sz="2000" dirty="0"/>
-              <a:t> </a:t>
-            </a:r>
-            <a:r>
-              <a:rPr lang="en-US" sz="2000" dirty="0" err="1"/>
-              <a:t>bài</a:t>
-            </a:r>
-            <a:r>
-              <a:rPr lang="en-US" sz="2000" dirty="0"/>
-              <a:t> </a:t>
-            </a:r>
-            <a:r>
-              <a:rPr lang="en-US" sz="2000" dirty="0" err="1"/>
-              <a:t>hát</a:t>
-            </a:r>
-            <a:endParaRPr lang="en-US" sz="2000" dirty="0"/>
-          </a:p>
-        </p:txBody>
-      </p:sp>
-      <p:sp>
-        <p:nvSpPr>
-          <p:cNvPr id="19" name="TextBox 18">
-            <a:extLst>
-              <a:ext uri="{FF2B5EF4-FFF2-40B4-BE49-F238E27FC236}">
-                <a16:creationId xmlns:a16="http://schemas.microsoft.com/office/drawing/2014/main" id="{803CDF56-727D-4B76-B6C8-9C4851BC7230}"/>
-              </a:ext>
-            </a:extLst>
-          </p:cNvPr>
-          <p:cNvSpPr txBox="1"/>
-          <p:nvPr/>
-        </p:nvSpPr>
-        <p:spPr>
-          <a:xfrm>
-            <a:off x="8383600" y="5928582"/>
-            <a:ext cx="2485748" cy="400110"/>
-          </a:xfrm>
-          <a:prstGeom prst="rect">
-            <a:avLst/>
-          </a:prstGeom>
-          <a:noFill/>
-        </p:spPr>
-        <p:txBody>
-          <a:bodyPr wrap="square" rtlCol="0">
-            <a:spAutoFit/>
-          </a:bodyPr>
-          <a:lstStyle/>
-          <a:p>
-            <a:pPr algn="ctr"/>
-            <a:r>
-              <a:rPr lang="en-US" sz="2000" dirty="0" err="1"/>
-              <a:t>Sửa</a:t>
-            </a:r>
-            <a:r>
-              <a:rPr lang="en-US" sz="2000" dirty="0"/>
-              <a:t> </a:t>
-            </a:r>
-            <a:r>
-              <a:rPr lang="en-US" sz="2000" dirty="0" err="1"/>
-              <a:t>bài</a:t>
-            </a:r>
-            <a:r>
-              <a:rPr lang="en-US" sz="2000" dirty="0"/>
-              <a:t> </a:t>
-            </a:r>
-            <a:r>
-              <a:rPr lang="en-US" sz="2000" dirty="0" err="1"/>
-              <a:t>hát</a:t>
-            </a:r>
-            <a:endParaRPr lang="en-US" sz="2000" dirty="0"/>
-          </a:p>
-        </p:txBody>
-      </p:sp>
       <p:sp>
         <p:nvSpPr>
           <p:cNvPr id="20" name="Rectangle 19">
@@ -8694,36 +10755,6 @@
           </a:p>
         </p:txBody>
       </p:sp>
-      <p:pic>
-        <p:nvPicPr>
-          <p:cNvPr id="11" name="Picture 10">
-            <a:extLst>
-              <a:ext uri="{FF2B5EF4-FFF2-40B4-BE49-F238E27FC236}">
-                <a16:creationId xmlns:a16="http://schemas.microsoft.com/office/drawing/2014/main" id="{1966AD40-C278-4525-9064-B9D38E868520}"/>
-              </a:ext>
-            </a:extLst>
-          </p:cNvPr>
-          <p:cNvPicPr>
-            <a:picLocks noChangeAspect="1"/>
-          </p:cNvPicPr>
-          <p:nvPr/>
-        </p:nvPicPr>
-        <p:blipFill>
-          <a:blip r:embed="rId5"/>
-          <a:stretch>
-            <a:fillRect/>
-          </a:stretch>
-        </p:blipFill>
-        <p:spPr>
-          <a:xfrm>
-            <a:off x="7085409" y="783925"/>
-            <a:ext cx="4745231" cy="5046859"/>
-          </a:xfrm>
-          <a:prstGeom prst="rect">
-            <a:avLst/>
-          </a:prstGeom>
-        </p:spPr>
-      </p:pic>
     </p:spTree>
     <p:extLst>
       <p:ext uri="{BB962C8B-B14F-4D97-AF65-F5344CB8AC3E}">
@@ -9036,515 +11067,469 @@
                       </p:childTnLst>
                     </p:cTn>
                   </p:par>
+                </p:childTnLst>
+              </p:cTn>
+              <p:prevCondLst>
+                <p:cond evt="onPrev" delay="0">
+                  <p:tgtEl>
+                    <p:sldTgt/>
+                  </p:tgtEl>
+                </p:cond>
+              </p:prevCondLst>
+              <p:nextCondLst>
+                <p:cond evt="onNext" delay="0">
+                  <p:tgtEl>
+                    <p:sldTgt/>
+                  </p:tgtEl>
+                </p:cond>
+              </p:nextCondLst>
+            </p:seq>
+          </p:childTnLst>
+        </p:cTn>
+      </p:par>
+    </p:tnLst>
+    <p:bldLst>
+      <p:bldP spid="15" grpId="0" animBg="1"/>
+      <p:bldP spid="17" grpId="0"/>
+      <p:bldP spid="20" grpId="0" animBg="1"/>
+      <p:bldP spid="21" grpId="0"/>
+      <p:bldP spid="22" grpId="0" animBg="1"/>
+      <p:bldP spid="23" grpId="0"/>
+    </p:bldLst>
+  </p:timing>
+</p:sld>
+</file>
+
+<file path=ppt/slides/slide17.xml><?xml version="1.0" encoding="utf-8"?>
+<p:sld xmlns:a="http://schemas.openxmlformats.org/drawingml/2006/main" xmlns:r="http://schemas.openxmlformats.org/officeDocument/2006/relationships" xmlns:p="http://schemas.openxmlformats.org/presentationml/2006/main">
+  <p:cSld>
+    <p:spTree>
+      <p:nvGrpSpPr>
+        <p:cNvPr id="1" name=""/>
+        <p:cNvGrpSpPr/>
+        <p:nvPr/>
+      </p:nvGrpSpPr>
+      <p:grpSpPr>
+        <a:xfrm>
+          <a:off x="0" y="0"/>
+          <a:ext cx="0" cy="0"/>
+          <a:chOff x="0" y="0"/>
+          <a:chExt cx="0" cy="0"/>
+        </a:xfrm>
+      </p:grpSpPr>
+      <p:sp>
+        <p:nvSpPr>
+          <p:cNvPr id="3" name="Subtitle 2"/>
+          <p:cNvSpPr>
+            <a:spLocks noGrp="1"/>
+          </p:cNvSpPr>
+          <p:nvPr>
+            <p:ph type="subTitle" idx="1"/>
+          </p:nvPr>
+        </p:nvSpPr>
+        <p:spPr>
+          <a:xfrm>
+            <a:off x="1251751" y="262671"/>
+            <a:ext cx="4230167" cy="538385"/>
+          </a:xfrm>
+        </p:spPr>
+        <p:txBody>
+          <a:bodyPr>
+            <a:noAutofit/>
+          </a:bodyPr>
+          <a:lstStyle/>
+          <a:p>
+            <a:r>
+              <a:rPr lang="en-US" sz="2800" b="1" dirty="0">
+                <a:solidFill>
+                  <a:schemeClr val="bg2">
+                    <a:lumMod val="25000"/>
+                  </a:schemeClr>
+                </a:solidFill>
+              </a:rPr>
+              <a:t>4. GIAO DIỆN WEBSITE</a:t>
+            </a:r>
+          </a:p>
+        </p:txBody>
+      </p:sp>
+      <p:sp>
+        <p:nvSpPr>
+          <p:cNvPr id="8" name="Slide Number Placeholder 7"/>
+          <p:cNvSpPr>
+            <a:spLocks noGrp="1"/>
+          </p:cNvSpPr>
+          <p:nvPr>
+            <p:ph type="sldNum" sz="quarter" idx="12"/>
+          </p:nvPr>
+        </p:nvSpPr>
+        <p:spPr>
+          <a:xfrm>
+            <a:off x="9503664" y="6575171"/>
+            <a:ext cx="2743200" cy="365125"/>
+          </a:xfrm>
+        </p:spPr>
+        <p:txBody>
+          <a:bodyPr/>
+          <a:lstStyle/>
+          <a:p>
+            <a:fld id="{4F36CA6A-1BC7-4082-8420-6830934E444A}" type="slidenum">
+              <a:rPr lang="en-US" smtClean="0"/>
+              <a:t>17</a:t>
+            </a:fld>
+            <a:endParaRPr lang="en-US"/>
+          </a:p>
+        </p:txBody>
+      </p:sp>
+      <p:grpSp>
+        <p:nvGrpSpPr>
+          <p:cNvPr id="12" name="Group 11">
+            <a:extLst>
+              <a:ext uri="{FF2B5EF4-FFF2-40B4-BE49-F238E27FC236}">
+                <a16:creationId xmlns:a16="http://schemas.microsoft.com/office/drawing/2014/main" id="{345FFF30-BA1A-40CC-98C8-582B37874F34}"/>
+              </a:ext>
+            </a:extLst>
+          </p:cNvPr>
+          <p:cNvGrpSpPr/>
+          <p:nvPr/>
+        </p:nvGrpSpPr>
+        <p:grpSpPr>
+          <a:xfrm>
+            <a:off x="0" y="0"/>
+            <a:ext cx="1251751" cy="6858000"/>
+            <a:chOff x="0" y="0"/>
+            <a:chExt cx="1251751" cy="6858000"/>
+          </a:xfrm>
+        </p:grpSpPr>
+        <p:sp>
+          <p:nvSpPr>
+            <p:cNvPr id="13" name="Rectangle 12">
+              <a:extLst>
+                <a:ext uri="{FF2B5EF4-FFF2-40B4-BE49-F238E27FC236}">
+                  <a16:creationId xmlns:a16="http://schemas.microsoft.com/office/drawing/2014/main" id="{CC3E82D8-4F54-4227-A8ED-1D7275B88F04}"/>
+                </a:ext>
+              </a:extLst>
+            </p:cNvPr>
+            <p:cNvSpPr/>
+            <p:nvPr/>
+          </p:nvSpPr>
+          <p:spPr>
+            <a:xfrm rot="10800000">
+              <a:off x="0" y="0"/>
+              <a:ext cx="1251751" cy="6858000"/>
+            </a:xfrm>
+            <a:prstGeom prst="rect">
+              <a:avLst/>
+            </a:prstGeom>
+            <a:gradFill flip="none" rotWithShape="1">
+              <a:gsLst>
+                <a:gs pos="0">
+                  <a:schemeClr val="accent1">
+                    <a:shade val="30000"/>
+                    <a:satMod val="115000"/>
+                  </a:schemeClr>
+                </a:gs>
+                <a:gs pos="50000">
+                  <a:schemeClr val="accent1">
+                    <a:shade val="67500"/>
+                    <a:satMod val="115000"/>
+                  </a:schemeClr>
+                </a:gs>
+                <a:gs pos="100000">
+                  <a:schemeClr val="accent1">
+                    <a:shade val="100000"/>
+                    <a:satMod val="115000"/>
+                  </a:schemeClr>
+                </a:gs>
+              </a:gsLst>
+              <a:lin ang="5400000" scaled="1"/>
+              <a:tileRect/>
+            </a:gradFill>
+            <a:ln>
+              <a:solidFill>
+                <a:schemeClr val="bg1"/>
+              </a:solidFill>
+            </a:ln>
+          </p:spPr>
+          <p:style>
+            <a:lnRef idx="2">
+              <a:schemeClr val="accent1">
+                <a:shade val="50000"/>
+              </a:schemeClr>
+            </a:lnRef>
+            <a:fillRef idx="1">
+              <a:schemeClr val="accent1"/>
+            </a:fillRef>
+            <a:effectRef idx="0">
+              <a:schemeClr val="accent1"/>
+            </a:effectRef>
+            <a:fontRef idx="minor">
+              <a:schemeClr val="lt1"/>
+            </a:fontRef>
+          </p:style>
+          <p:txBody>
+            <a:bodyPr rtlCol="0" anchor="ctr"/>
+            <a:lstStyle/>
+            <a:p>
+              <a:endParaRPr lang="en-US" dirty="0"/>
+            </a:p>
+          </p:txBody>
+        </p:sp>
+        <p:pic>
+          <p:nvPicPr>
+            <p:cNvPr id="14" name="Picture 6" descr="Tập tin:Logo Dai hoc Can Tho.svg – Wikipedia tiếng Việt">
+              <a:extLst>
+                <a:ext uri="{FF2B5EF4-FFF2-40B4-BE49-F238E27FC236}">
+                  <a16:creationId xmlns:a16="http://schemas.microsoft.com/office/drawing/2014/main" id="{66A9DC07-DBCB-4567-B4A9-4BC6B267BD27}"/>
+                </a:ext>
+              </a:extLst>
+            </p:cNvPr>
+            <p:cNvPicPr>
+              <a:picLocks noChangeAspect="1" noChangeArrowheads="1"/>
+            </p:cNvPicPr>
+            <p:nvPr/>
+          </p:nvPicPr>
+          <p:blipFill>
+            <a:blip r:embed="rId2" cstate="print">
+              <a:extLst>
+                <a:ext uri="{28A0092B-C50C-407E-A947-70E740481C1C}">
+                  <a14:useLocalDpi xmlns:a14="http://schemas.microsoft.com/office/drawing/2010/main" val="0"/>
+                </a:ext>
+              </a:extLst>
+            </a:blip>
+            <a:srcRect/>
+            <a:stretch>
+              <a:fillRect/>
+            </a:stretch>
+          </p:blipFill>
+          <p:spPr bwMode="auto">
+            <a:xfrm>
+              <a:off x="62571" y="135875"/>
+              <a:ext cx="1126608" cy="1126608"/>
+            </a:xfrm>
+            <a:prstGeom prst="rect">
+              <a:avLst/>
+            </a:prstGeom>
+            <a:noFill/>
+            <a:extLst>
+              <a:ext uri="{909E8E84-426E-40DD-AFC4-6F175D3DCCD1}">
+                <a14:hiddenFill xmlns:a14="http://schemas.microsoft.com/office/drawing/2010/main">
+                  <a:solidFill>
+                    <a:srgbClr val="FFFFFF"/>
+                  </a:solidFill>
+                </a14:hiddenFill>
+              </a:ext>
+            </a:extLst>
+          </p:spPr>
+        </p:pic>
+      </p:grpSp>
+      <p:pic>
+        <p:nvPicPr>
+          <p:cNvPr id="7" name="Picture 6">
+            <a:extLst>
+              <a:ext uri="{FF2B5EF4-FFF2-40B4-BE49-F238E27FC236}">
+                <a16:creationId xmlns:a16="http://schemas.microsoft.com/office/drawing/2014/main" id="{EA484033-A279-4971-AC26-EFB271E2C4A5}"/>
+              </a:ext>
+            </a:extLst>
+          </p:cNvPr>
+          <p:cNvPicPr>
+            <a:picLocks noChangeAspect="1"/>
+          </p:cNvPicPr>
+          <p:nvPr/>
+        </p:nvPicPr>
+        <p:blipFill>
+          <a:blip r:embed="rId3"/>
+          <a:stretch>
+            <a:fillRect/>
+          </a:stretch>
+        </p:blipFill>
+        <p:spPr>
+          <a:xfrm>
+            <a:off x="1416110" y="758482"/>
+            <a:ext cx="4994554" cy="5046860"/>
+          </a:xfrm>
+          <a:prstGeom prst="rect">
+            <a:avLst/>
+          </a:prstGeom>
+        </p:spPr>
+      </p:pic>
+      <p:sp>
+        <p:nvSpPr>
+          <p:cNvPr id="18" name="TextBox 17">
+            <a:extLst>
+              <a:ext uri="{FF2B5EF4-FFF2-40B4-BE49-F238E27FC236}">
+                <a16:creationId xmlns:a16="http://schemas.microsoft.com/office/drawing/2014/main" id="{1075B742-AA32-4B85-BCF1-B579B40B7B97}"/>
+              </a:ext>
+            </a:extLst>
+          </p:cNvPr>
+          <p:cNvSpPr txBox="1"/>
+          <p:nvPr/>
+        </p:nvSpPr>
+        <p:spPr>
+          <a:xfrm>
+            <a:off x="2670513" y="5899463"/>
+            <a:ext cx="2485748" cy="400110"/>
+          </a:xfrm>
+          <a:prstGeom prst="rect">
+            <a:avLst/>
+          </a:prstGeom>
+          <a:noFill/>
+        </p:spPr>
+        <p:txBody>
+          <a:bodyPr wrap="square" rtlCol="0">
+            <a:spAutoFit/>
+          </a:bodyPr>
+          <a:lstStyle/>
+          <a:p>
+            <a:pPr algn="ctr"/>
+            <a:r>
+              <a:rPr lang="en-US" sz="2000" dirty="0" err="1"/>
+              <a:t>Thêm</a:t>
+            </a:r>
+            <a:r>
+              <a:rPr lang="en-US" sz="2000" dirty="0"/>
+              <a:t> </a:t>
+            </a:r>
+            <a:r>
+              <a:rPr lang="en-US" sz="2000" dirty="0" err="1"/>
+              <a:t>bài</a:t>
+            </a:r>
+            <a:r>
+              <a:rPr lang="en-US" sz="2000" dirty="0"/>
+              <a:t> </a:t>
+            </a:r>
+            <a:r>
+              <a:rPr lang="en-US" sz="2000" dirty="0" err="1"/>
+              <a:t>hát</a:t>
+            </a:r>
+            <a:endParaRPr lang="en-US" sz="2000" dirty="0"/>
+          </a:p>
+        </p:txBody>
+      </p:sp>
+      <p:sp>
+        <p:nvSpPr>
+          <p:cNvPr id="19" name="TextBox 18">
+            <a:extLst>
+              <a:ext uri="{FF2B5EF4-FFF2-40B4-BE49-F238E27FC236}">
+                <a16:creationId xmlns:a16="http://schemas.microsoft.com/office/drawing/2014/main" id="{803CDF56-727D-4B76-B6C8-9C4851BC7230}"/>
+              </a:ext>
+            </a:extLst>
+          </p:cNvPr>
+          <p:cNvSpPr txBox="1"/>
+          <p:nvPr/>
+        </p:nvSpPr>
+        <p:spPr>
+          <a:xfrm>
+            <a:off x="8389516" y="5899462"/>
+            <a:ext cx="2485748" cy="400110"/>
+          </a:xfrm>
+          <a:prstGeom prst="rect">
+            <a:avLst/>
+          </a:prstGeom>
+          <a:noFill/>
+        </p:spPr>
+        <p:txBody>
+          <a:bodyPr wrap="square" rtlCol="0">
+            <a:spAutoFit/>
+          </a:bodyPr>
+          <a:lstStyle/>
+          <a:p>
+            <a:pPr algn="ctr"/>
+            <a:r>
+              <a:rPr lang="en-US" sz="2000" dirty="0" err="1"/>
+              <a:t>Sửa</a:t>
+            </a:r>
+            <a:r>
+              <a:rPr lang="en-US" sz="2000" dirty="0"/>
+              <a:t> </a:t>
+            </a:r>
+            <a:r>
+              <a:rPr lang="en-US" sz="2000" dirty="0" err="1"/>
+              <a:t>bài</a:t>
+            </a:r>
+            <a:r>
+              <a:rPr lang="en-US" sz="2000" dirty="0"/>
+              <a:t> </a:t>
+            </a:r>
+            <a:r>
+              <a:rPr lang="en-US" sz="2000" dirty="0" err="1"/>
+              <a:t>hát</a:t>
+            </a:r>
+            <a:endParaRPr lang="en-US" sz="2000" dirty="0"/>
+          </a:p>
+        </p:txBody>
+      </p:sp>
+      <p:pic>
+        <p:nvPicPr>
+          <p:cNvPr id="11" name="Picture 10">
+            <a:extLst>
+              <a:ext uri="{FF2B5EF4-FFF2-40B4-BE49-F238E27FC236}">
+                <a16:creationId xmlns:a16="http://schemas.microsoft.com/office/drawing/2014/main" id="{1966AD40-C278-4525-9064-B9D38E868520}"/>
+              </a:ext>
+            </a:extLst>
+          </p:cNvPr>
+          <p:cNvPicPr>
+            <a:picLocks noChangeAspect="1"/>
+          </p:cNvPicPr>
+          <p:nvPr/>
+        </p:nvPicPr>
+        <p:blipFill>
+          <a:blip r:embed="rId4"/>
+          <a:stretch>
+            <a:fillRect/>
+          </a:stretch>
+        </p:blipFill>
+        <p:spPr>
+          <a:xfrm>
+            <a:off x="7131048" y="758483"/>
+            <a:ext cx="4745231" cy="5046859"/>
+          </a:xfrm>
+          <a:prstGeom prst="rect">
+            <a:avLst/>
+          </a:prstGeom>
+        </p:spPr>
+      </p:pic>
+    </p:spTree>
+    <p:extLst>
+      <p:ext uri="{BB962C8B-B14F-4D97-AF65-F5344CB8AC3E}">
+        <p14:creationId xmlns:p14="http://schemas.microsoft.com/office/powerpoint/2010/main" val="2242615017"/>
+      </p:ext>
+    </p:extLst>
+  </p:cSld>
+  <p:clrMapOvr>
+    <a:masterClrMapping/>
+  </p:clrMapOvr>
+  <p:transition spd="slow">
+    <p:push dir="u"/>
+  </p:transition>
+  <p:timing>
+    <p:tnLst>
+      <p:par>
+        <p:cTn id="1" dur="indefinite" restart="never" nodeType="tmRoot">
+          <p:childTnLst>
+            <p:seq concurrent="1" nextAc="seek">
+              <p:cTn id="2" dur="indefinite" nodeType="mainSeq">
+                <p:childTnLst>
                   <p:par>
-                    <p:cTn id="30" fill="hold">
+                    <p:cTn id="3" fill="hold">
                       <p:stCondLst>
                         <p:cond delay="indefinite"/>
                       </p:stCondLst>
                       <p:childTnLst>
                         <p:par>
-                          <p:cTn id="31" fill="hold">
+                          <p:cTn id="4" fill="hold">
                             <p:stCondLst>
                               <p:cond delay="0"/>
                             </p:stCondLst>
                             <p:childTnLst>
                               <p:par>
-                                <p:cTn id="32" presetID="16" presetClass="exit" presetSubtype="21" fill="hold" grpId="1" nodeType="clickEffect">
-                                  <p:stCondLst>
-                                    <p:cond delay="0"/>
-                                  </p:stCondLst>
-                                  <p:childTnLst>
-                                    <p:animEffect transition="out" filter="barn(inVertical)">
-                                      <p:cBhvr>
-                                        <p:cTn id="33" dur="500"/>
-                                        <p:tgtEl>
-                                          <p:spTgt spid="15"/>
-                                        </p:tgtEl>
-                                      </p:cBhvr>
-                                    </p:animEffect>
-                                    <p:set>
-                                      <p:cBhvr>
-                                        <p:cTn id="34" dur="1" fill="hold">
-                                          <p:stCondLst>
-                                            <p:cond delay="499"/>
-                                          </p:stCondLst>
-                                        </p:cTn>
-                                        <p:tgtEl>
-                                          <p:spTgt spid="15"/>
-                                        </p:tgtEl>
-                                        <p:attrNameLst>
-                                          <p:attrName>style.visibility</p:attrName>
-                                        </p:attrNameLst>
-                                      </p:cBhvr>
-                                      <p:to>
-                                        <p:strVal val="hidden"/>
-                                      </p:to>
-                                    </p:set>
-                                  </p:childTnLst>
-                                </p:cTn>
-                              </p:par>
-                              <p:par>
-                                <p:cTn id="35" presetID="16" presetClass="exit" presetSubtype="21" fill="hold" grpId="1" nodeType="withEffect">
-                                  <p:stCondLst>
-                                    <p:cond delay="0"/>
-                                  </p:stCondLst>
-                                  <p:childTnLst>
-                                    <p:animEffect transition="out" filter="barn(inVertical)">
-                                      <p:cBhvr>
-                                        <p:cTn id="36" dur="500"/>
-                                        <p:tgtEl>
-                                          <p:spTgt spid="17"/>
-                                        </p:tgtEl>
-                                      </p:cBhvr>
-                                    </p:animEffect>
-                                    <p:set>
-                                      <p:cBhvr>
-                                        <p:cTn id="37" dur="1" fill="hold">
-                                          <p:stCondLst>
-                                            <p:cond delay="499"/>
-                                          </p:stCondLst>
-                                        </p:cTn>
-                                        <p:tgtEl>
-                                          <p:spTgt spid="17"/>
-                                        </p:tgtEl>
-                                        <p:attrNameLst>
-                                          <p:attrName>style.visibility</p:attrName>
-                                        </p:attrNameLst>
-                                      </p:cBhvr>
-                                      <p:to>
-                                        <p:strVal val="hidden"/>
-                                      </p:to>
-                                    </p:set>
-                                  </p:childTnLst>
-                                </p:cTn>
-                              </p:par>
-                              <p:par>
-                                <p:cTn id="38" presetID="16" presetClass="exit" presetSubtype="21" fill="hold" nodeType="withEffect">
-                                  <p:stCondLst>
-                                    <p:cond delay="0"/>
-                                  </p:stCondLst>
-                                  <p:childTnLst>
-                                    <p:animEffect transition="out" filter="barn(inVertical)">
-                                      <p:cBhvr>
-                                        <p:cTn id="39" dur="500"/>
-                                        <p:tgtEl>
-                                          <p:spTgt spid="4"/>
-                                        </p:tgtEl>
-                                      </p:cBhvr>
-                                    </p:animEffect>
-                                    <p:set>
-                                      <p:cBhvr>
-                                        <p:cTn id="40" dur="1" fill="hold">
-                                          <p:stCondLst>
-                                            <p:cond delay="499"/>
-                                          </p:stCondLst>
-                                        </p:cTn>
-                                        <p:tgtEl>
-                                          <p:spTgt spid="4"/>
-                                        </p:tgtEl>
-                                        <p:attrNameLst>
-                                          <p:attrName>style.visibility</p:attrName>
-                                        </p:attrNameLst>
-                                      </p:cBhvr>
-                                      <p:to>
-                                        <p:strVal val="hidden"/>
-                                      </p:to>
-                                    </p:set>
-                                  </p:childTnLst>
-                                </p:cTn>
-                              </p:par>
-                              <p:par>
-                                <p:cTn id="41" presetID="2" presetClass="exit" presetSubtype="4" fill="hold" grpId="0" nodeType="withEffect">
-                                  <p:stCondLst>
-                                    <p:cond delay="0"/>
-                                  </p:stCondLst>
-                                  <p:childTnLst>
-                                    <p:anim calcmode="lin" valueType="num">
-                                      <p:cBhvr additive="base">
-                                        <p:cTn id="42" dur="500"/>
-                                        <p:tgtEl>
-                                          <p:spTgt spid="9"/>
-                                        </p:tgtEl>
-                                        <p:attrNameLst>
-                                          <p:attrName>ppt_x</p:attrName>
-                                        </p:attrNameLst>
-                                      </p:cBhvr>
-                                      <p:tavLst>
-                                        <p:tav tm="0">
-                                          <p:val>
-                                            <p:strVal val="ppt_x"/>
-                                          </p:val>
-                                        </p:tav>
-                                        <p:tav tm="100000">
-                                          <p:val>
-                                            <p:strVal val="ppt_x"/>
-                                          </p:val>
-                                        </p:tav>
-                                      </p:tavLst>
-                                    </p:anim>
-                                    <p:anim calcmode="lin" valueType="num">
-                                      <p:cBhvr additive="base">
-                                        <p:cTn id="43" dur="500"/>
-                                        <p:tgtEl>
-                                          <p:spTgt spid="9"/>
-                                        </p:tgtEl>
-                                        <p:attrNameLst>
-                                          <p:attrName>ppt_y</p:attrName>
-                                        </p:attrNameLst>
-                                      </p:cBhvr>
-                                      <p:tavLst>
-                                        <p:tav tm="0">
-                                          <p:val>
-                                            <p:strVal val="ppt_y"/>
-                                          </p:val>
-                                        </p:tav>
-                                        <p:tav tm="100000">
-                                          <p:val>
-                                            <p:strVal val="1+ppt_h/2"/>
-                                          </p:val>
-                                        </p:tav>
-                                      </p:tavLst>
-                                    </p:anim>
-                                    <p:set>
-                                      <p:cBhvr>
-                                        <p:cTn id="44" dur="1" fill="hold">
-                                          <p:stCondLst>
-                                            <p:cond delay="499"/>
-                                          </p:stCondLst>
-                                        </p:cTn>
-                                        <p:tgtEl>
-                                          <p:spTgt spid="9"/>
-                                        </p:tgtEl>
-                                        <p:attrNameLst>
-                                          <p:attrName>style.visibility</p:attrName>
-                                        </p:attrNameLst>
-                                      </p:cBhvr>
-                                      <p:to>
-                                        <p:strVal val="hidden"/>
-                                      </p:to>
-                                    </p:set>
-                                  </p:childTnLst>
-                                </p:cTn>
-                              </p:par>
-                              <p:par>
-                                <p:cTn id="45" presetID="2" presetClass="exit" presetSubtype="4" fill="hold" grpId="1" nodeType="withEffect">
-                                  <p:stCondLst>
-                                    <p:cond delay="0"/>
-                                  </p:stCondLst>
-                                  <p:childTnLst>
-                                    <p:anim calcmode="lin" valueType="num">
-                                      <p:cBhvr additive="base">
-                                        <p:cTn id="46" dur="500"/>
-                                        <p:tgtEl>
-                                          <p:spTgt spid="22"/>
-                                        </p:tgtEl>
-                                        <p:attrNameLst>
-                                          <p:attrName>ppt_x</p:attrName>
-                                        </p:attrNameLst>
-                                      </p:cBhvr>
-                                      <p:tavLst>
-                                        <p:tav tm="0">
-                                          <p:val>
-                                            <p:strVal val="ppt_x"/>
-                                          </p:val>
-                                        </p:tav>
-                                        <p:tav tm="100000">
-                                          <p:val>
-                                            <p:strVal val="ppt_x"/>
-                                          </p:val>
-                                        </p:tav>
-                                      </p:tavLst>
-                                    </p:anim>
-                                    <p:anim calcmode="lin" valueType="num">
-                                      <p:cBhvr additive="base">
-                                        <p:cTn id="47" dur="500"/>
-                                        <p:tgtEl>
-                                          <p:spTgt spid="22"/>
-                                        </p:tgtEl>
-                                        <p:attrNameLst>
-                                          <p:attrName>ppt_y</p:attrName>
-                                        </p:attrNameLst>
-                                      </p:cBhvr>
-                                      <p:tavLst>
-                                        <p:tav tm="0">
-                                          <p:val>
-                                            <p:strVal val="ppt_y"/>
-                                          </p:val>
-                                        </p:tav>
-                                        <p:tav tm="100000">
-                                          <p:val>
-                                            <p:strVal val="1+ppt_h/2"/>
-                                          </p:val>
-                                        </p:tav>
-                                      </p:tavLst>
-                                    </p:anim>
-                                    <p:set>
-                                      <p:cBhvr>
-                                        <p:cTn id="48" dur="1" fill="hold">
-                                          <p:stCondLst>
-                                            <p:cond delay="499"/>
-                                          </p:stCondLst>
-                                        </p:cTn>
-                                        <p:tgtEl>
-                                          <p:spTgt spid="22"/>
-                                        </p:tgtEl>
-                                        <p:attrNameLst>
-                                          <p:attrName>style.visibility</p:attrName>
-                                        </p:attrNameLst>
-                                      </p:cBhvr>
-                                      <p:to>
-                                        <p:strVal val="hidden"/>
-                                      </p:to>
-                                    </p:set>
-                                  </p:childTnLst>
-                                </p:cTn>
-                              </p:par>
-                              <p:par>
-                                <p:cTn id="49" presetID="2" presetClass="exit" presetSubtype="4" fill="hold" grpId="1" nodeType="withEffect">
-                                  <p:stCondLst>
-                                    <p:cond delay="0"/>
-                                  </p:stCondLst>
-                                  <p:childTnLst>
-                                    <p:anim calcmode="lin" valueType="num">
-                                      <p:cBhvr additive="base">
-                                        <p:cTn id="50" dur="500"/>
-                                        <p:tgtEl>
-                                          <p:spTgt spid="23"/>
-                                        </p:tgtEl>
-                                        <p:attrNameLst>
-                                          <p:attrName>ppt_x</p:attrName>
-                                        </p:attrNameLst>
-                                      </p:cBhvr>
-                                      <p:tavLst>
-                                        <p:tav tm="0">
-                                          <p:val>
-                                            <p:strVal val="ppt_x"/>
-                                          </p:val>
-                                        </p:tav>
-                                        <p:tav tm="100000">
-                                          <p:val>
-                                            <p:strVal val="ppt_x"/>
-                                          </p:val>
-                                        </p:tav>
-                                      </p:tavLst>
-                                    </p:anim>
-                                    <p:anim calcmode="lin" valueType="num">
-                                      <p:cBhvr additive="base">
-                                        <p:cTn id="51" dur="500"/>
-                                        <p:tgtEl>
-                                          <p:spTgt spid="23"/>
-                                        </p:tgtEl>
-                                        <p:attrNameLst>
-                                          <p:attrName>ppt_y</p:attrName>
-                                        </p:attrNameLst>
-                                      </p:cBhvr>
-                                      <p:tavLst>
-                                        <p:tav tm="0">
-                                          <p:val>
-                                            <p:strVal val="ppt_y"/>
-                                          </p:val>
-                                        </p:tav>
-                                        <p:tav tm="100000">
-                                          <p:val>
-                                            <p:strVal val="1+ppt_h/2"/>
-                                          </p:val>
-                                        </p:tav>
-                                      </p:tavLst>
-                                    </p:anim>
-                                    <p:set>
-                                      <p:cBhvr>
-                                        <p:cTn id="52" dur="1" fill="hold">
-                                          <p:stCondLst>
-                                            <p:cond delay="499"/>
-                                          </p:stCondLst>
-                                        </p:cTn>
-                                        <p:tgtEl>
-                                          <p:spTgt spid="23"/>
-                                        </p:tgtEl>
-                                        <p:attrNameLst>
-                                          <p:attrName>style.visibility</p:attrName>
-                                        </p:attrNameLst>
-                                      </p:cBhvr>
-                                      <p:to>
-                                        <p:strVal val="hidden"/>
-                                      </p:to>
-                                    </p:set>
-                                  </p:childTnLst>
-                                </p:cTn>
-                              </p:par>
-                              <p:par>
-                                <p:cTn id="53" presetID="2" presetClass="exit" presetSubtype="4" fill="hold" grpId="1" nodeType="withEffect">
-                                  <p:stCondLst>
-                                    <p:cond delay="0"/>
-                                  </p:stCondLst>
-                                  <p:childTnLst>
-                                    <p:anim calcmode="lin" valueType="num">
-                                      <p:cBhvr additive="base">
-                                        <p:cTn id="54" dur="500"/>
-                                        <p:tgtEl>
-                                          <p:spTgt spid="20"/>
-                                        </p:tgtEl>
-                                        <p:attrNameLst>
-                                          <p:attrName>ppt_x</p:attrName>
-                                        </p:attrNameLst>
-                                      </p:cBhvr>
-                                      <p:tavLst>
-                                        <p:tav tm="0">
-                                          <p:val>
-                                            <p:strVal val="ppt_x"/>
-                                          </p:val>
-                                        </p:tav>
-                                        <p:tav tm="100000">
-                                          <p:val>
-                                            <p:strVal val="ppt_x"/>
-                                          </p:val>
-                                        </p:tav>
-                                      </p:tavLst>
-                                    </p:anim>
-                                    <p:anim calcmode="lin" valueType="num">
-                                      <p:cBhvr additive="base">
-                                        <p:cTn id="55" dur="500"/>
-                                        <p:tgtEl>
-                                          <p:spTgt spid="20"/>
-                                        </p:tgtEl>
-                                        <p:attrNameLst>
-                                          <p:attrName>ppt_y</p:attrName>
-                                        </p:attrNameLst>
-                                      </p:cBhvr>
-                                      <p:tavLst>
-                                        <p:tav tm="0">
-                                          <p:val>
-                                            <p:strVal val="ppt_y"/>
-                                          </p:val>
-                                        </p:tav>
-                                        <p:tav tm="100000">
-                                          <p:val>
-                                            <p:strVal val="1+ppt_h/2"/>
-                                          </p:val>
-                                        </p:tav>
-                                      </p:tavLst>
-                                    </p:anim>
-                                    <p:set>
-                                      <p:cBhvr>
-                                        <p:cTn id="56" dur="1" fill="hold">
-                                          <p:stCondLst>
-                                            <p:cond delay="499"/>
-                                          </p:stCondLst>
-                                        </p:cTn>
-                                        <p:tgtEl>
-                                          <p:spTgt spid="20"/>
-                                        </p:tgtEl>
-                                        <p:attrNameLst>
-                                          <p:attrName>style.visibility</p:attrName>
-                                        </p:attrNameLst>
-                                      </p:cBhvr>
-                                      <p:to>
-                                        <p:strVal val="hidden"/>
-                                      </p:to>
-                                    </p:set>
-                                  </p:childTnLst>
-                                </p:cTn>
-                              </p:par>
-                              <p:par>
-                                <p:cTn id="57" presetID="2" presetClass="exit" presetSubtype="4" fill="hold" grpId="1" nodeType="withEffect">
-                                  <p:stCondLst>
-                                    <p:cond delay="0"/>
-                                  </p:stCondLst>
-                                  <p:childTnLst>
-                                    <p:anim calcmode="lin" valueType="num">
-                                      <p:cBhvr additive="base">
-                                        <p:cTn id="58" dur="500"/>
-                                        <p:tgtEl>
-                                          <p:spTgt spid="21"/>
-                                        </p:tgtEl>
-                                        <p:attrNameLst>
-                                          <p:attrName>ppt_x</p:attrName>
-                                        </p:attrNameLst>
-                                      </p:cBhvr>
-                                      <p:tavLst>
-                                        <p:tav tm="0">
-                                          <p:val>
-                                            <p:strVal val="ppt_x"/>
-                                          </p:val>
-                                        </p:tav>
-                                        <p:tav tm="100000">
-                                          <p:val>
-                                            <p:strVal val="ppt_x"/>
-                                          </p:val>
-                                        </p:tav>
-                                      </p:tavLst>
-                                    </p:anim>
-                                    <p:anim calcmode="lin" valueType="num">
-                                      <p:cBhvr additive="base">
-                                        <p:cTn id="59" dur="500"/>
-                                        <p:tgtEl>
-                                          <p:spTgt spid="21"/>
-                                        </p:tgtEl>
-                                        <p:attrNameLst>
-                                          <p:attrName>ppt_y</p:attrName>
-                                        </p:attrNameLst>
-                                      </p:cBhvr>
-                                      <p:tavLst>
-                                        <p:tav tm="0">
-                                          <p:val>
-                                            <p:strVal val="ppt_y"/>
-                                          </p:val>
-                                        </p:tav>
-                                        <p:tav tm="100000">
-                                          <p:val>
-                                            <p:strVal val="1+ppt_h/2"/>
-                                          </p:val>
-                                        </p:tav>
-                                      </p:tavLst>
-                                    </p:anim>
-                                    <p:set>
-                                      <p:cBhvr>
-                                        <p:cTn id="60" dur="1" fill="hold">
-                                          <p:stCondLst>
-                                            <p:cond delay="499"/>
-                                          </p:stCondLst>
-                                        </p:cTn>
-                                        <p:tgtEl>
-                                          <p:spTgt spid="21"/>
-                                        </p:tgtEl>
-                                        <p:attrNameLst>
-                                          <p:attrName>style.visibility</p:attrName>
-                                        </p:attrNameLst>
-                                      </p:cBhvr>
-                                      <p:to>
-                                        <p:strVal val="hidden"/>
-                                      </p:to>
-                                    </p:set>
-                                  </p:childTnLst>
-                                </p:cTn>
-                              </p:par>
-                            </p:childTnLst>
-                          </p:cTn>
-                        </p:par>
-                      </p:childTnLst>
-                    </p:cTn>
-                  </p:par>
-                  <p:par>
-                    <p:cTn id="61" fill="hold">
-                      <p:stCondLst>
-                        <p:cond delay="indefinite"/>
-                      </p:stCondLst>
-                      <p:childTnLst>
-                        <p:par>
-                          <p:cTn id="62" fill="hold">
-                            <p:stCondLst>
-                              <p:cond delay="0"/>
-                            </p:stCondLst>
-                            <p:childTnLst>
-                              <p:par>
-                                <p:cTn id="63" presetID="2" presetClass="entr" presetSubtype="4" fill="hold" nodeType="clickEffect">
+                                <p:cTn id="5" presetID="2" presetClass="entr" presetSubtype="4" fill="hold" nodeType="clickEffect">
                                   <p:stCondLst>
                                     <p:cond delay="0"/>
                                   </p:stCondLst>
                                   <p:childTnLst>
                                     <p:set>
                                       <p:cBhvr>
-                                        <p:cTn id="64" dur="1" fill="hold">
+                                        <p:cTn id="6" dur="1" fill="hold">
                                           <p:stCondLst>
                                             <p:cond delay="0"/>
                                           </p:stCondLst>
@@ -9562,7 +11547,7 @@
                                     </p:set>
                                     <p:anim calcmode="lin" valueType="num">
                                       <p:cBhvr additive="base">
-                                        <p:cTn id="65" dur="500" fill="hold"/>
+                                        <p:cTn id="7" dur="500" fill="hold"/>
                                         <p:tgtEl>
                                           <p:spTgt spid="7"/>
                                         </p:tgtEl>
@@ -9585,7 +11570,7 @@
                                     </p:anim>
                                     <p:anim calcmode="lin" valueType="num">
                                       <p:cBhvr additive="base">
-                                        <p:cTn id="66" dur="500" fill="hold"/>
+                                        <p:cTn id="8" dur="500" fill="hold"/>
                                         <p:tgtEl>
                                           <p:spTgt spid="7"/>
                                         </p:tgtEl>
@@ -9610,14 +11595,14 @@
                                 </p:cTn>
                               </p:par>
                               <p:par>
-                                <p:cTn id="67" presetID="2" presetClass="entr" presetSubtype="4" fill="hold" grpId="0" nodeType="withEffect">
+                                <p:cTn id="9" presetID="2" presetClass="entr" presetSubtype="4" fill="hold" grpId="0" nodeType="withEffect">
                                   <p:stCondLst>
                                     <p:cond delay="0"/>
                                   </p:stCondLst>
                                   <p:childTnLst>
                                     <p:set>
                                       <p:cBhvr>
-                                        <p:cTn id="68" dur="1" fill="hold">
+                                        <p:cTn id="10" dur="1" fill="hold">
                                           <p:stCondLst>
                                             <p:cond delay="0"/>
                                           </p:stCondLst>
@@ -9635,7 +11620,7 @@
                                     </p:set>
                                     <p:anim calcmode="lin" valueType="num">
                                       <p:cBhvr additive="base">
-                                        <p:cTn id="69" dur="500" fill="hold"/>
+                                        <p:cTn id="11" dur="500" fill="hold"/>
                                         <p:tgtEl>
                                           <p:spTgt spid="18"/>
                                         </p:tgtEl>
@@ -9658,7 +11643,7 @@
                                     </p:anim>
                                     <p:anim calcmode="lin" valueType="num">
                                       <p:cBhvr additive="base">
-                                        <p:cTn id="70" dur="500" fill="hold"/>
+                                        <p:cTn id="12" dur="500" fill="hold"/>
                                         <p:tgtEl>
                                           <p:spTgt spid="18"/>
                                         </p:tgtEl>
@@ -9683,14 +11668,14 @@
                                 </p:cTn>
                               </p:par>
                               <p:par>
-                                <p:cTn id="71" presetID="2" presetClass="entr" presetSubtype="4" fill="hold" nodeType="withEffect">
+                                <p:cTn id="13" presetID="2" presetClass="entr" presetSubtype="4" fill="hold" nodeType="withEffect">
                                   <p:stCondLst>
                                     <p:cond delay="0"/>
                                   </p:stCondLst>
                                   <p:childTnLst>
                                     <p:set>
                                       <p:cBhvr>
-                                        <p:cTn id="72" dur="1" fill="hold">
+                                        <p:cTn id="14" dur="1" fill="hold">
                                           <p:stCondLst>
                                             <p:cond delay="0"/>
                                           </p:stCondLst>
@@ -9708,7 +11693,7 @@
                                     </p:set>
                                     <p:anim calcmode="lin" valueType="num">
                                       <p:cBhvr additive="base">
-                                        <p:cTn id="73" dur="500" fill="hold"/>
+                                        <p:cTn id="15" dur="500" fill="hold"/>
                                         <p:tgtEl>
                                           <p:spTgt spid="11"/>
                                         </p:tgtEl>
@@ -9731,7 +11716,7 @@
                                     </p:anim>
                                     <p:anim calcmode="lin" valueType="num">
                                       <p:cBhvr additive="base">
-                                        <p:cTn id="74" dur="500" fill="hold"/>
+                                        <p:cTn id="16" dur="500" fill="hold"/>
                                         <p:tgtEl>
                                           <p:spTgt spid="11"/>
                                         </p:tgtEl>
@@ -9756,14 +11741,14 @@
                                 </p:cTn>
                               </p:par>
                               <p:par>
-                                <p:cTn id="75" presetID="2" presetClass="entr" presetSubtype="4" fill="hold" grpId="0" nodeType="withEffect">
+                                <p:cTn id="17" presetID="2" presetClass="entr" presetSubtype="4" fill="hold" grpId="0" nodeType="withEffect">
                                   <p:stCondLst>
                                     <p:cond delay="0"/>
                                   </p:stCondLst>
                                   <p:childTnLst>
                                     <p:set>
                                       <p:cBhvr>
-                                        <p:cTn id="76" dur="1" fill="hold">
+                                        <p:cTn id="18" dur="1" fill="hold">
                                           <p:stCondLst>
                                             <p:cond delay="0"/>
                                           </p:stCondLst>
@@ -9781,7 +11766,7 @@
                                     </p:set>
                                     <p:anim calcmode="lin" valueType="num">
                                       <p:cBhvr additive="base">
-                                        <p:cTn id="77" dur="500" fill="hold"/>
+                                        <p:cTn id="19" dur="500" fill="hold"/>
                                         <p:tgtEl>
                                           <p:spTgt spid="19"/>
                                         </p:tgtEl>
@@ -9804,7 +11789,7 @@
                                     </p:anim>
                                     <p:anim calcmode="lin" valueType="num">
                                       <p:cBhvr additive="base">
-                                        <p:cTn id="78" dur="500" fill="hold"/>
+                                        <p:cTn id="20" dur="500" fill="hold"/>
                                         <p:tgtEl>
                                           <p:spTgt spid="19"/>
                                         </p:tgtEl>
@@ -9856,27 +11841,14 @@
       </p:par>
     </p:tnLst>
     <p:bldLst>
-      <p:bldP spid="9" grpId="0"/>
-      <p:bldP spid="15" grpId="0" animBg="1"/>
-      <p:bldP spid="15" grpId="1" animBg="1"/>
-      <p:bldP spid="17" grpId="0"/>
-      <p:bldP spid="17" grpId="1"/>
       <p:bldP spid="18" grpId="0"/>
       <p:bldP spid="19" grpId="0"/>
-      <p:bldP spid="20" grpId="0" animBg="1"/>
-      <p:bldP spid="20" grpId="1" animBg="1"/>
-      <p:bldP spid="21" grpId="0"/>
-      <p:bldP spid="21" grpId="1"/>
-      <p:bldP spid="22" grpId="0" animBg="1"/>
-      <p:bldP spid="22" grpId="1" animBg="1"/>
-      <p:bldP spid="23" grpId="0"/>
-      <p:bldP spid="23" grpId="1"/>
     </p:bldLst>
   </p:timing>
 </p:sld>
 </file>
 
-<file path=ppt/slides/slide15.xml><?xml version="1.0" encoding="utf-8"?>
+<file path=ppt/slides/slide18.xml><?xml version="1.0" encoding="utf-8"?>
 <p:sld xmlns:a="http://schemas.openxmlformats.org/drawingml/2006/main" xmlns:r="http://schemas.openxmlformats.org/officeDocument/2006/relationships" xmlns:p="http://schemas.openxmlformats.org/presentationml/2006/main">
   <p:cSld>
     <p:spTree>
@@ -9950,7 +11922,7 @@
           <a:p>
             <a:fld id="{4F36CA6A-1BC7-4082-8420-6830934E444A}" type="slidenum">
               <a:rPr lang="en-US" smtClean="0"/>
-              <a:t>15</a:t>
+              <a:t>18</a:t>
             </a:fld>
             <a:endParaRPr lang="en-US"/>
           </a:p>
@@ -10551,180 +12523,6 @@
                 <a:srgbClr val="FF0000"/>
               </a:solidFill>
             </a:endParaRPr>
-          </a:p>
-        </p:txBody>
-      </p:sp>
-      <p:pic>
-        <p:nvPicPr>
-          <p:cNvPr id="6" name="Picture 5">
-            <a:extLst>
-              <a:ext uri="{FF2B5EF4-FFF2-40B4-BE49-F238E27FC236}">
-                <a16:creationId xmlns:a16="http://schemas.microsoft.com/office/drawing/2014/main" id="{68575EC0-40A1-4D7B-B77F-411B321CDC3A}"/>
-              </a:ext>
-            </a:extLst>
-          </p:cNvPr>
-          <p:cNvPicPr>
-            <a:picLocks noChangeAspect="1"/>
-          </p:cNvPicPr>
-          <p:nvPr/>
-        </p:nvPicPr>
-        <p:blipFill>
-          <a:blip r:embed="rId4"/>
-          <a:stretch>
-            <a:fillRect/>
-          </a:stretch>
-        </p:blipFill>
-        <p:spPr>
-          <a:xfrm>
-            <a:off x="1813191" y="699179"/>
-            <a:ext cx="4911600" cy="5658444"/>
-          </a:xfrm>
-          <a:prstGeom prst="rect">
-            <a:avLst/>
-          </a:prstGeom>
-        </p:spPr>
-      </p:pic>
-      <p:pic>
-        <p:nvPicPr>
-          <p:cNvPr id="10" name="Picture 9">
-            <a:extLst>
-              <a:ext uri="{FF2B5EF4-FFF2-40B4-BE49-F238E27FC236}">
-                <a16:creationId xmlns:a16="http://schemas.microsoft.com/office/drawing/2014/main" id="{8DF7CCD6-470E-4FC1-AAC2-714D0ABF6CE6}"/>
-              </a:ext>
-            </a:extLst>
-          </p:cNvPr>
-          <p:cNvPicPr>
-            <a:picLocks noChangeAspect="1"/>
-          </p:cNvPicPr>
-          <p:nvPr/>
-        </p:nvPicPr>
-        <p:blipFill>
-          <a:blip r:embed="rId5"/>
-          <a:stretch>
-            <a:fillRect/>
-          </a:stretch>
-        </p:blipFill>
-        <p:spPr>
-          <a:xfrm>
-            <a:off x="6985319" y="699179"/>
-            <a:ext cx="5036689" cy="5658444"/>
-          </a:xfrm>
-          <a:prstGeom prst="rect">
-            <a:avLst/>
-          </a:prstGeom>
-        </p:spPr>
-      </p:pic>
-      <p:sp>
-        <p:nvSpPr>
-          <p:cNvPr id="21" name="TextBox 20">
-            <a:extLst>
-              <a:ext uri="{FF2B5EF4-FFF2-40B4-BE49-F238E27FC236}">
-                <a16:creationId xmlns:a16="http://schemas.microsoft.com/office/drawing/2014/main" id="{B826F320-1F5D-4CEE-BC03-D27B11220C57}"/>
-              </a:ext>
-            </a:extLst>
-          </p:cNvPr>
-          <p:cNvSpPr txBox="1"/>
-          <p:nvPr/>
-        </p:nvSpPr>
-        <p:spPr>
-          <a:xfrm>
-            <a:off x="2837240" y="6395977"/>
-            <a:ext cx="2485748" cy="400110"/>
-          </a:xfrm>
-          <a:prstGeom prst="rect">
-            <a:avLst/>
-          </a:prstGeom>
-          <a:noFill/>
-        </p:spPr>
-        <p:txBody>
-          <a:bodyPr wrap="square" rtlCol="0">
-            <a:spAutoFit/>
-          </a:bodyPr>
-          <a:lstStyle/>
-          <a:p>
-            <a:pPr algn="ctr"/>
-            <a:r>
-              <a:rPr lang="en-US" sz="2000" dirty="0" err="1"/>
-              <a:t>Thêm</a:t>
-            </a:r>
-            <a:r>
-              <a:rPr lang="en-US" sz="2000" dirty="0"/>
-              <a:t> </a:t>
-            </a:r>
-            <a:r>
-              <a:rPr lang="en-US" sz="2000" dirty="0" err="1"/>
-              <a:t>bài</a:t>
-            </a:r>
-            <a:r>
-              <a:rPr lang="en-US" sz="2000" dirty="0"/>
-              <a:t> </a:t>
-            </a:r>
-            <a:r>
-              <a:rPr lang="en-US" sz="2000" dirty="0" err="1"/>
-              <a:t>hát</a:t>
-            </a:r>
-            <a:endParaRPr lang="en-US" sz="2000" dirty="0"/>
-          </a:p>
-        </p:txBody>
-      </p:sp>
-      <p:sp>
-        <p:nvSpPr>
-          <p:cNvPr id="22" name="TextBox 21">
-            <a:extLst>
-              <a:ext uri="{FF2B5EF4-FFF2-40B4-BE49-F238E27FC236}">
-                <a16:creationId xmlns:a16="http://schemas.microsoft.com/office/drawing/2014/main" id="{8B831C8D-7EFD-4C93-8FCF-4EFF803D09F0}"/>
-              </a:ext>
-            </a:extLst>
-          </p:cNvPr>
-          <p:cNvSpPr txBox="1"/>
-          <p:nvPr/>
-        </p:nvSpPr>
-        <p:spPr>
-          <a:xfrm>
-            <a:off x="8073084" y="6361263"/>
-            <a:ext cx="2485748" cy="400110"/>
-          </a:xfrm>
-          <a:prstGeom prst="rect">
-            <a:avLst/>
-          </a:prstGeom>
-          <a:noFill/>
-        </p:spPr>
-        <p:txBody>
-          <a:bodyPr wrap="square" rtlCol="0">
-            <a:spAutoFit/>
-          </a:bodyPr>
-          <a:lstStyle/>
-          <a:p>
-            <a:pPr algn="ctr"/>
-            <a:r>
-              <a:rPr lang="en-US" sz="2000" dirty="0" err="1"/>
-              <a:t>Chỉnh</a:t>
-            </a:r>
-            <a:r>
-              <a:rPr lang="en-US" sz="2000" dirty="0"/>
-              <a:t> </a:t>
-            </a:r>
-            <a:r>
-              <a:rPr lang="en-US" sz="2000" dirty="0" err="1"/>
-              <a:t>sửa</a:t>
-            </a:r>
-            <a:r>
-              <a:rPr lang="en-US" sz="2000" dirty="0"/>
-              <a:t> </a:t>
-            </a:r>
-            <a:r>
-              <a:rPr lang="en-US" sz="2000" dirty="0" err="1"/>
-              <a:t>bài</a:t>
-            </a:r>
-            <a:r>
-              <a:rPr lang="en-US" sz="2000" dirty="0"/>
-              <a:t> </a:t>
-            </a:r>
-            <a:r>
-              <a:rPr lang="en-US" sz="2000" dirty="0" err="1"/>
-              <a:t>hát</a:t>
-            </a:r>
-            <a:endParaRPr lang="en-US" sz="2000" dirty="0"/>
           </a:p>
         </p:txBody>
       </p:sp>
@@ -11040,556 +12838,527 @@
                       </p:childTnLst>
                     </p:cTn>
                   </p:par>
+                </p:childTnLst>
+              </p:cTn>
+              <p:prevCondLst>
+                <p:cond evt="onPrev" delay="0">
+                  <p:tgtEl>
+                    <p:sldTgt/>
+                  </p:tgtEl>
+                </p:cond>
+              </p:prevCondLst>
+              <p:nextCondLst>
+                <p:cond evt="onNext" delay="0">
+                  <p:tgtEl>
+                    <p:sldTgt/>
+                  </p:tgtEl>
+                </p:cond>
+              </p:nextCondLst>
+            </p:seq>
+          </p:childTnLst>
+        </p:cTn>
+      </p:par>
+    </p:tnLst>
+    <p:bldLst>
+      <p:bldP spid="11" grpId="0" animBg="1"/>
+      <p:bldP spid="15" grpId="0"/>
+      <p:bldP spid="17" grpId="0" animBg="1"/>
+      <p:bldP spid="18" grpId="0"/>
+      <p:bldP spid="19" grpId="0" animBg="1"/>
+      <p:bldP spid="20" grpId="0"/>
+    </p:bldLst>
+  </p:timing>
+</p:sld>
+</file>
+
+<file path=ppt/slides/slide19.xml><?xml version="1.0" encoding="utf-8"?>
+<p:sld xmlns:a="http://schemas.openxmlformats.org/drawingml/2006/main" xmlns:r="http://schemas.openxmlformats.org/officeDocument/2006/relationships" xmlns:p="http://schemas.openxmlformats.org/presentationml/2006/main">
+  <p:cSld>
+    <p:spTree>
+      <p:nvGrpSpPr>
+        <p:cNvPr id="1" name=""/>
+        <p:cNvGrpSpPr/>
+        <p:nvPr/>
+      </p:nvGrpSpPr>
+      <p:grpSpPr>
+        <a:xfrm>
+          <a:off x="0" y="0"/>
+          <a:ext cx="0" cy="0"/>
+          <a:chOff x="0" y="0"/>
+          <a:chExt cx="0" cy="0"/>
+        </a:xfrm>
+      </p:grpSpPr>
+      <p:sp>
+        <p:nvSpPr>
+          <p:cNvPr id="3" name="Subtitle 2"/>
+          <p:cNvSpPr>
+            <a:spLocks noGrp="1"/>
+          </p:cNvSpPr>
+          <p:nvPr>
+            <p:ph type="subTitle" idx="1"/>
+          </p:nvPr>
+        </p:nvSpPr>
+        <p:spPr>
+          <a:xfrm>
+            <a:off x="1251751" y="262671"/>
+            <a:ext cx="4230167" cy="538385"/>
+          </a:xfrm>
+        </p:spPr>
+        <p:txBody>
+          <a:bodyPr>
+            <a:noAutofit/>
+          </a:bodyPr>
+          <a:lstStyle/>
+          <a:p>
+            <a:r>
+              <a:rPr lang="en-US" sz="2800" b="1" dirty="0">
+                <a:solidFill>
+                  <a:schemeClr val="bg2">
+                    <a:lumMod val="25000"/>
+                  </a:schemeClr>
+                </a:solidFill>
+              </a:rPr>
+              <a:t>4. GIAO DIỆN WEBSITE</a:t>
+            </a:r>
+          </a:p>
+        </p:txBody>
+      </p:sp>
+      <p:sp>
+        <p:nvSpPr>
+          <p:cNvPr id="8" name="Slide Number Placeholder 7"/>
+          <p:cNvSpPr>
+            <a:spLocks noGrp="1"/>
+          </p:cNvSpPr>
+          <p:nvPr>
+            <p:ph type="sldNum" sz="quarter" idx="12"/>
+          </p:nvPr>
+        </p:nvSpPr>
+        <p:spPr>
+          <a:xfrm>
+            <a:off x="9503664" y="6575171"/>
+            <a:ext cx="2743200" cy="365125"/>
+          </a:xfrm>
+        </p:spPr>
+        <p:txBody>
+          <a:bodyPr/>
+          <a:lstStyle/>
+          <a:p>
+            <a:fld id="{4F36CA6A-1BC7-4082-8420-6830934E444A}" type="slidenum">
+              <a:rPr lang="en-US" smtClean="0"/>
+              <a:t>19</a:t>
+            </a:fld>
+            <a:endParaRPr lang="en-US"/>
+          </a:p>
+        </p:txBody>
+      </p:sp>
+      <p:grpSp>
+        <p:nvGrpSpPr>
+          <p:cNvPr id="12" name="Group 11">
+            <a:extLst>
+              <a:ext uri="{FF2B5EF4-FFF2-40B4-BE49-F238E27FC236}">
+                <a16:creationId xmlns:a16="http://schemas.microsoft.com/office/drawing/2014/main" id="{345FFF30-BA1A-40CC-98C8-582B37874F34}"/>
+              </a:ext>
+            </a:extLst>
+          </p:cNvPr>
+          <p:cNvGrpSpPr/>
+          <p:nvPr/>
+        </p:nvGrpSpPr>
+        <p:grpSpPr>
+          <a:xfrm>
+            <a:off x="0" y="0"/>
+            <a:ext cx="1251751" cy="6858000"/>
+            <a:chOff x="0" y="0"/>
+            <a:chExt cx="1251751" cy="6858000"/>
+          </a:xfrm>
+        </p:grpSpPr>
+        <p:sp>
+          <p:nvSpPr>
+            <p:cNvPr id="13" name="Rectangle 12">
+              <a:extLst>
+                <a:ext uri="{FF2B5EF4-FFF2-40B4-BE49-F238E27FC236}">
+                  <a16:creationId xmlns:a16="http://schemas.microsoft.com/office/drawing/2014/main" id="{CC3E82D8-4F54-4227-A8ED-1D7275B88F04}"/>
+                </a:ext>
+              </a:extLst>
+            </p:cNvPr>
+            <p:cNvSpPr/>
+            <p:nvPr/>
+          </p:nvSpPr>
+          <p:spPr>
+            <a:xfrm rot="10800000">
+              <a:off x="0" y="0"/>
+              <a:ext cx="1251751" cy="6858000"/>
+            </a:xfrm>
+            <a:prstGeom prst="rect">
+              <a:avLst/>
+            </a:prstGeom>
+            <a:gradFill flip="none" rotWithShape="1">
+              <a:gsLst>
+                <a:gs pos="0">
+                  <a:schemeClr val="accent1">
+                    <a:shade val="30000"/>
+                    <a:satMod val="115000"/>
+                  </a:schemeClr>
+                </a:gs>
+                <a:gs pos="50000">
+                  <a:schemeClr val="accent1">
+                    <a:shade val="67500"/>
+                    <a:satMod val="115000"/>
+                  </a:schemeClr>
+                </a:gs>
+                <a:gs pos="100000">
+                  <a:schemeClr val="accent1">
+                    <a:shade val="100000"/>
+                    <a:satMod val="115000"/>
+                  </a:schemeClr>
+                </a:gs>
+              </a:gsLst>
+              <a:lin ang="5400000" scaled="1"/>
+              <a:tileRect/>
+            </a:gradFill>
+            <a:ln>
+              <a:solidFill>
+                <a:schemeClr val="bg1"/>
+              </a:solidFill>
+            </a:ln>
+          </p:spPr>
+          <p:style>
+            <a:lnRef idx="2">
+              <a:schemeClr val="accent1">
+                <a:shade val="50000"/>
+              </a:schemeClr>
+            </a:lnRef>
+            <a:fillRef idx="1">
+              <a:schemeClr val="accent1"/>
+            </a:fillRef>
+            <a:effectRef idx="0">
+              <a:schemeClr val="accent1"/>
+            </a:effectRef>
+            <a:fontRef idx="minor">
+              <a:schemeClr val="lt1"/>
+            </a:fontRef>
+          </p:style>
+          <p:txBody>
+            <a:bodyPr rtlCol="0" anchor="ctr"/>
+            <a:lstStyle/>
+            <a:p>
+              <a:endParaRPr lang="en-US" dirty="0"/>
+            </a:p>
+          </p:txBody>
+        </p:sp>
+        <p:pic>
+          <p:nvPicPr>
+            <p:cNvPr id="14" name="Picture 6" descr="Tập tin:Logo Dai hoc Can Tho.svg – Wikipedia tiếng Việt">
+              <a:extLst>
+                <a:ext uri="{FF2B5EF4-FFF2-40B4-BE49-F238E27FC236}">
+                  <a16:creationId xmlns:a16="http://schemas.microsoft.com/office/drawing/2014/main" id="{66A9DC07-DBCB-4567-B4A9-4BC6B267BD27}"/>
+                </a:ext>
+              </a:extLst>
+            </p:cNvPr>
+            <p:cNvPicPr>
+              <a:picLocks noChangeAspect="1" noChangeArrowheads="1"/>
+            </p:cNvPicPr>
+            <p:nvPr/>
+          </p:nvPicPr>
+          <p:blipFill>
+            <a:blip r:embed="rId2" cstate="print">
+              <a:extLst>
+                <a:ext uri="{28A0092B-C50C-407E-A947-70E740481C1C}">
+                  <a14:useLocalDpi xmlns:a14="http://schemas.microsoft.com/office/drawing/2010/main" val="0"/>
+                </a:ext>
+              </a:extLst>
+            </a:blip>
+            <a:srcRect/>
+            <a:stretch>
+              <a:fillRect/>
+            </a:stretch>
+          </p:blipFill>
+          <p:spPr bwMode="auto">
+            <a:xfrm>
+              <a:off x="62571" y="135875"/>
+              <a:ext cx="1126608" cy="1126608"/>
+            </a:xfrm>
+            <a:prstGeom prst="rect">
+              <a:avLst/>
+            </a:prstGeom>
+            <a:noFill/>
+            <a:extLst>
+              <a:ext uri="{909E8E84-426E-40DD-AFC4-6F175D3DCCD1}">
+                <a14:hiddenFill xmlns:a14="http://schemas.microsoft.com/office/drawing/2010/main">
+                  <a:solidFill>
+                    <a:srgbClr val="FFFFFF"/>
+                  </a:solidFill>
+                </a14:hiddenFill>
+              </a:ext>
+            </a:extLst>
+          </p:spPr>
+        </p:pic>
+      </p:grpSp>
+      <p:sp>
+        <p:nvSpPr>
+          <p:cNvPr id="19" name="Rectangle 18">
+            <a:extLst>
+              <a:ext uri="{FF2B5EF4-FFF2-40B4-BE49-F238E27FC236}">
+                <a16:creationId xmlns:a16="http://schemas.microsoft.com/office/drawing/2014/main" id="{08127BE1-61D9-4BE5-92F7-AB7B2C42D741}"/>
+              </a:ext>
+            </a:extLst>
+          </p:cNvPr>
+          <p:cNvSpPr/>
+          <p:nvPr/>
+        </p:nvSpPr>
+        <p:spPr>
+          <a:xfrm>
+            <a:off x="11010506" y="2556763"/>
+            <a:ext cx="744719" cy="338554"/>
+          </a:xfrm>
+          <a:prstGeom prst="rect">
+            <a:avLst/>
+          </a:prstGeom>
+          <a:noFill/>
+          <a:ln w="19050">
+            <a:solidFill>
+              <a:srgbClr val="FF0000"/>
+            </a:solidFill>
+          </a:ln>
+        </p:spPr>
+        <p:style>
+          <a:lnRef idx="0">
+            <a:scrgbClr r="0" g="0" b="0"/>
+          </a:lnRef>
+          <a:fillRef idx="0">
+            <a:scrgbClr r="0" g="0" b="0"/>
+          </a:fillRef>
+          <a:effectRef idx="0">
+            <a:scrgbClr r="0" g="0" b="0"/>
+          </a:effectRef>
+          <a:fontRef idx="minor">
+            <a:schemeClr val="dk1"/>
+          </a:fontRef>
+        </p:style>
+        <p:txBody>
+          <a:bodyPr rtlCol="0" anchor="ctr"/>
+          <a:lstStyle/>
+          <a:p>
+            <a:pPr algn="ctr"/>
+            <a:endParaRPr lang="en-US"/>
+          </a:p>
+        </p:txBody>
+      </p:sp>
+      <p:pic>
+        <p:nvPicPr>
+          <p:cNvPr id="6" name="Picture 5">
+            <a:extLst>
+              <a:ext uri="{FF2B5EF4-FFF2-40B4-BE49-F238E27FC236}">
+                <a16:creationId xmlns:a16="http://schemas.microsoft.com/office/drawing/2014/main" id="{68575EC0-40A1-4D7B-B77F-411B321CDC3A}"/>
+              </a:ext>
+            </a:extLst>
+          </p:cNvPr>
+          <p:cNvPicPr>
+            <a:picLocks noChangeAspect="1"/>
+          </p:cNvPicPr>
+          <p:nvPr/>
+        </p:nvPicPr>
+        <p:blipFill>
+          <a:blip r:embed="rId3"/>
+          <a:stretch>
+            <a:fillRect/>
+          </a:stretch>
+        </p:blipFill>
+        <p:spPr>
+          <a:xfrm>
+            <a:off x="1662735" y="699179"/>
+            <a:ext cx="4911600" cy="5658444"/>
+          </a:xfrm>
+          <a:prstGeom prst="rect">
+            <a:avLst/>
+          </a:prstGeom>
+        </p:spPr>
+      </p:pic>
+      <p:pic>
+        <p:nvPicPr>
+          <p:cNvPr id="10" name="Picture 9">
+            <a:extLst>
+              <a:ext uri="{FF2B5EF4-FFF2-40B4-BE49-F238E27FC236}">
+                <a16:creationId xmlns:a16="http://schemas.microsoft.com/office/drawing/2014/main" id="{8DF7CCD6-470E-4FC1-AAC2-714D0ABF6CE6}"/>
+              </a:ext>
+            </a:extLst>
+          </p:cNvPr>
+          <p:cNvPicPr>
+            <a:picLocks noChangeAspect="1"/>
+          </p:cNvPicPr>
+          <p:nvPr/>
+        </p:nvPicPr>
+        <p:blipFill>
+          <a:blip r:embed="rId4"/>
+          <a:stretch>
+            <a:fillRect/>
+          </a:stretch>
+        </p:blipFill>
+        <p:spPr>
+          <a:xfrm>
+            <a:off x="7092740" y="699179"/>
+            <a:ext cx="5036689" cy="5658444"/>
+          </a:xfrm>
+          <a:prstGeom prst="rect">
+            <a:avLst/>
+          </a:prstGeom>
+        </p:spPr>
+      </p:pic>
+      <p:sp>
+        <p:nvSpPr>
+          <p:cNvPr id="21" name="TextBox 20">
+            <a:extLst>
+              <a:ext uri="{FF2B5EF4-FFF2-40B4-BE49-F238E27FC236}">
+                <a16:creationId xmlns:a16="http://schemas.microsoft.com/office/drawing/2014/main" id="{B826F320-1F5D-4CEE-BC03-D27B11220C57}"/>
+              </a:ext>
+            </a:extLst>
+          </p:cNvPr>
+          <p:cNvSpPr txBox="1"/>
+          <p:nvPr/>
+        </p:nvSpPr>
+        <p:spPr>
+          <a:xfrm>
+            <a:off x="2875661" y="6394021"/>
+            <a:ext cx="2485748" cy="400110"/>
+          </a:xfrm>
+          <a:prstGeom prst="rect">
+            <a:avLst/>
+          </a:prstGeom>
+          <a:noFill/>
+        </p:spPr>
+        <p:txBody>
+          <a:bodyPr wrap="square" rtlCol="0">
+            <a:spAutoFit/>
+          </a:bodyPr>
+          <a:lstStyle/>
+          <a:p>
+            <a:pPr algn="ctr"/>
+            <a:r>
+              <a:rPr lang="en-US" sz="2000" dirty="0" err="1"/>
+              <a:t>Thêm</a:t>
+            </a:r>
+            <a:r>
+              <a:rPr lang="en-US" sz="2000" dirty="0"/>
+              <a:t> </a:t>
+            </a:r>
+            <a:r>
+              <a:rPr lang="en-US" sz="2000" dirty="0" err="1"/>
+              <a:t>bài</a:t>
+            </a:r>
+            <a:r>
+              <a:rPr lang="en-US" sz="2000" dirty="0"/>
+              <a:t> </a:t>
+            </a:r>
+            <a:r>
+              <a:rPr lang="en-US" sz="2000" dirty="0" err="1"/>
+              <a:t>hát</a:t>
+            </a:r>
+            <a:endParaRPr lang="en-US" sz="2000" dirty="0"/>
+          </a:p>
+        </p:txBody>
+      </p:sp>
+      <p:sp>
+        <p:nvSpPr>
+          <p:cNvPr id="22" name="TextBox 21">
+            <a:extLst>
+              <a:ext uri="{FF2B5EF4-FFF2-40B4-BE49-F238E27FC236}">
+                <a16:creationId xmlns:a16="http://schemas.microsoft.com/office/drawing/2014/main" id="{8B831C8D-7EFD-4C93-8FCF-4EFF803D09F0}"/>
+              </a:ext>
+            </a:extLst>
+          </p:cNvPr>
+          <p:cNvSpPr txBox="1"/>
+          <p:nvPr/>
+        </p:nvSpPr>
+        <p:spPr>
+          <a:xfrm>
+            <a:off x="8260790" y="6394021"/>
+            <a:ext cx="2485748" cy="400110"/>
+          </a:xfrm>
+          <a:prstGeom prst="rect">
+            <a:avLst/>
+          </a:prstGeom>
+          <a:noFill/>
+        </p:spPr>
+        <p:txBody>
+          <a:bodyPr wrap="square" rtlCol="0">
+            <a:spAutoFit/>
+          </a:bodyPr>
+          <a:lstStyle/>
+          <a:p>
+            <a:pPr algn="ctr"/>
+            <a:r>
+              <a:rPr lang="en-US" sz="2000" dirty="0" err="1"/>
+              <a:t>Chỉnh</a:t>
+            </a:r>
+            <a:r>
+              <a:rPr lang="en-US" sz="2000" dirty="0"/>
+              <a:t> </a:t>
+            </a:r>
+            <a:r>
+              <a:rPr lang="en-US" sz="2000" dirty="0" err="1"/>
+              <a:t>sửa</a:t>
+            </a:r>
+            <a:r>
+              <a:rPr lang="en-US" sz="2000" dirty="0"/>
+              <a:t> </a:t>
+            </a:r>
+            <a:r>
+              <a:rPr lang="en-US" sz="2000" dirty="0" err="1"/>
+              <a:t>bài</a:t>
+            </a:r>
+            <a:r>
+              <a:rPr lang="en-US" sz="2000" dirty="0"/>
+              <a:t> </a:t>
+            </a:r>
+            <a:r>
+              <a:rPr lang="en-US" sz="2000" dirty="0" err="1"/>
+              <a:t>hát</a:t>
+            </a:r>
+            <a:endParaRPr lang="en-US" sz="2000" dirty="0"/>
+          </a:p>
+        </p:txBody>
+      </p:sp>
+    </p:spTree>
+    <p:extLst>
+      <p:ext uri="{BB962C8B-B14F-4D97-AF65-F5344CB8AC3E}">
+        <p14:creationId xmlns:p14="http://schemas.microsoft.com/office/powerpoint/2010/main" val="931164564"/>
+      </p:ext>
+    </p:extLst>
+  </p:cSld>
+  <p:clrMapOvr>
+    <a:masterClrMapping/>
+  </p:clrMapOvr>
+  <p:transition spd="slow">
+    <p:push dir="u"/>
+  </p:transition>
+  <p:timing>
+    <p:tnLst>
+      <p:par>
+        <p:cTn id="1" dur="indefinite" restart="never" nodeType="tmRoot">
+          <p:childTnLst>
+            <p:seq concurrent="1" nextAc="seek">
+              <p:cTn id="2" dur="indefinite" nodeType="mainSeq">
+                <p:childTnLst>
                   <p:par>
-                    <p:cTn id="30" fill="hold">
+                    <p:cTn id="3" fill="hold">
                       <p:stCondLst>
                         <p:cond delay="indefinite"/>
                       </p:stCondLst>
                       <p:childTnLst>
                         <p:par>
-                          <p:cTn id="31" fill="hold">
+                          <p:cTn id="4" fill="hold">
                             <p:stCondLst>
                               <p:cond delay="0"/>
                             </p:stCondLst>
                             <p:childTnLst>
                               <p:par>
-                                <p:cTn id="32" presetID="2" presetClass="exit" presetSubtype="4" fill="hold" grpId="1" nodeType="clickEffect">
-                                  <p:stCondLst>
-                                    <p:cond delay="0"/>
-                                  </p:stCondLst>
-                                  <p:childTnLst>
-                                    <p:anim calcmode="lin" valueType="num">
-                                      <p:cBhvr additive="base">
-                                        <p:cTn id="33" dur="500"/>
-                                        <p:tgtEl>
-                                          <p:spTgt spid="11"/>
-                                        </p:tgtEl>
-                                        <p:attrNameLst>
-                                          <p:attrName>ppt_x</p:attrName>
-                                        </p:attrNameLst>
-                                      </p:cBhvr>
-                                      <p:tavLst>
-                                        <p:tav tm="0">
-                                          <p:val>
-                                            <p:strVal val="ppt_x"/>
-                                          </p:val>
-                                        </p:tav>
-                                        <p:tav tm="100000">
-                                          <p:val>
-                                            <p:strVal val="ppt_x"/>
-                                          </p:val>
-                                        </p:tav>
-                                      </p:tavLst>
-                                    </p:anim>
-                                    <p:anim calcmode="lin" valueType="num">
-                                      <p:cBhvr additive="base">
-                                        <p:cTn id="34" dur="500"/>
-                                        <p:tgtEl>
-                                          <p:spTgt spid="11"/>
-                                        </p:tgtEl>
-                                        <p:attrNameLst>
-                                          <p:attrName>ppt_y</p:attrName>
-                                        </p:attrNameLst>
-                                      </p:cBhvr>
-                                      <p:tavLst>
-                                        <p:tav tm="0">
-                                          <p:val>
-                                            <p:strVal val="ppt_y"/>
-                                          </p:val>
-                                        </p:tav>
-                                        <p:tav tm="100000">
-                                          <p:val>
-                                            <p:strVal val="1+ppt_h/2"/>
-                                          </p:val>
-                                        </p:tav>
-                                      </p:tavLst>
-                                    </p:anim>
-                                    <p:set>
-                                      <p:cBhvr>
-                                        <p:cTn id="35" dur="1" fill="hold">
-                                          <p:stCondLst>
-                                            <p:cond delay="499"/>
-                                          </p:stCondLst>
-                                        </p:cTn>
-                                        <p:tgtEl>
-                                          <p:spTgt spid="11"/>
-                                        </p:tgtEl>
-                                        <p:attrNameLst>
-                                          <p:attrName>style.visibility</p:attrName>
-                                        </p:attrNameLst>
-                                      </p:cBhvr>
-                                      <p:to>
-                                        <p:strVal val="hidden"/>
-                                      </p:to>
-                                    </p:set>
-                                  </p:childTnLst>
-                                </p:cTn>
-                              </p:par>
-                              <p:par>
-                                <p:cTn id="36" presetID="2" presetClass="exit" presetSubtype="4" fill="hold" grpId="1" nodeType="withEffect">
-                                  <p:stCondLst>
-                                    <p:cond delay="0"/>
-                                  </p:stCondLst>
-                                  <p:childTnLst>
-                                    <p:anim calcmode="lin" valueType="num">
-                                      <p:cBhvr additive="base">
-                                        <p:cTn id="37" dur="500"/>
-                                        <p:tgtEl>
-                                          <p:spTgt spid="15"/>
-                                        </p:tgtEl>
-                                        <p:attrNameLst>
-                                          <p:attrName>ppt_x</p:attrName>
-                                        </p:attrNameLst>
-                                      </p:cBhvr>
-                                      <p:tavLst>
-                                        <p:tav tm="0">
-                                          <p:val>
-                                            <p:strVal val="ppt_x"/>
-                                          </p:val>
-                                        </p:tav>
-                                        <p:tav tm="100000">
-                                          <p:val>
-                                            <p:strVal val="ppt_x"/>
-                                          </p:val>
-                                        </p:tav>
-                                      </p:tavLst>
-                                    </p:anim>
-                                    <p:anim calcmode="lin" valueType="num">
-                                      <p:cBhvr additive="base">
-                                        <p:cTn id="38" dur="500"/>
-                                        <p:tgtEl>
-                                          <p:spTgt spid="15"/>
-                                        </p:tgtEl>
-                                        <p:attrNameLst>
-                                          <p:attrName>ppt_y</p:attrName>
-                                        </p:attrNameLst>
-                                      </p:cBhvr>
-                                      <p:tavLst>
-                                        <p:tav tm="0">
-                                          <p:val>
-                                            <p:strVal val="ppt_y"/>
-                                          </p:val>
-                                        </p:tav>
-                                        <p:tav tm="100000">
-                                          <p:val>
-                                            <p:strVal val="1+ppt_h/2"/>
-                                          </p:val>
-                                        </p:tav>
-                                      </p:tavLst>
-                                    </p:anim>
-                                    <p:set>
-                                      <p:cBhvr>
-                                        <p:cTn id="39" dur="1" fill="hold">
-                                          <p:stCondLst>
-                                            <p:cond delay="499"/>
-                                          </p:stCondLst>
-                                        </p:cTn>
-                                        <p:tgtEl>
-                                          <p:spTgt spid="15"/>
-                                        </p:tgtEl>
-                                        <p:attrNameLst>
-                                          <p:attrName>style.visibility</p:attrName>
-                                        </p:attrNameLst>
-                                      </p:cBhvr>
-                                      <p:to>
-                                        <p:strVal val="hidden"/>
-                                      </p:to>
-                                    </p:set>
-                                  </p:childTnLst>
-                                </p:cTn>
-                              </p:par>
-                              <p:par>
-                                <p:cTn id="40" presetID="2" presetClass="exit" presetSubtype="4" fill="hold" grpId="1" nodeType="withEffect">
-                                  <p:stCondLst>
-                                    <p:cond delay="0"/>
-                                  </p:stCondLst>
-                                  <p:childTnLst>
-                                    <p:anim calcmode="lin" valueType="num">
-                                      <p:cBhvr additive="base">
-                                        <p:cTn id="41" dur="500"/>
-                                        <p:tgtEl>
-                                          <p:spTgt spid="17"/>
-                                        </p:tgtEl>
-                                        <p:attrNameLst>
-                                          <p:attrName>ppt_x</p:attrName>
-                                        </p:attrNameLst>
-                                      </p:cBhvr>
-                                      <p:tavLst>
-                                        <p:tav tm="0">
-                                          <p:val>
-                                            <p:strVal val="ppt_x"/>
-                                          </p:val>
-                                        </p:tav>
-                                        <p:tav tm="100000">
-                                          <p:val>
-                                            <p:strVal val="ppt_x"/>
-                                          </p:val>
-                                        </p:tav>
-                                      </p:tavLst>
-                                    </p:anim>
-                                    <p:anim calcmode="lin" valueType="num">
-                                      <p:cBhvr additive="base">
-                                        <p:cTn id="42" dur="500"/>
-                                        <p:tgtEl>
-                                          <p:spTgt spid="17"/>
-                                        </p:tgtEl>
-                                        <p:attrNameLst>
-                                          <p:attrName>ppt_y</p:attrName>
-                                        </p:attrNameLst>
-                                      </p:cBhvr>
-                                      <p:tavLst>
-                                        <p:tav tm="0">
-                                          <p:val>
-                                            <p:strVal val="ppt_y"/>
-                                          </p:val>
-                                        </p:tav>
-                                        <p:tav tm="100000">
-                                          <p:val>
-                                            <p:strVal val="1+ppt_h/2"/>
-                                          </p:val>
-                                        </p:tav>
-                                      </p:tavLst>
-                                    </p:anim>
-                                    <p:set>
-                                      <p:cBhvr>
-                                        <p:cTn id="43" dur="1" fill="hold">
-                                          <p:stCondLst>
-                                            <p:cond delay="499"/>
-                                          </p:stCondLst>
-                                        </p:cTn>
-                                        <p:tgtEl>
-                                          <p:spTgt spid="17"/>
-                                        </p:tgtEl>
-                                        <p:attrNameLst>
-                                          <p:attrName>style.visibility</p:attrName>
-                                        </p:attrNameLst>
-                                      </p:cBhvr>
-                                      <p:to>
-                                        <p:strVal val="hidden"/>
-                                      </p:to>
-                                    </p:set>
-                                  </p:childTnLst>
-                                </p:cTn>
-                              </p:par>
-                              <p:par>
-                                <p:cTn id="44" presetID="2" presetClass="exit" presetSubtype="4" fill="hold" grpId="1" nodeType="withEffect">
-                                  <p:stCondLst>
-                                    <p:cond delay="0"/>
-                                  </p:stCondLst>
-                                  <p:childTnLst>
-                                    <p:anim calcmode="lin" valueType="num">
-                                      <p:cBhvr additive="base">
-                                        <p:cTn id="45" dur="500"/>
-                                        <p:tgtEl>
-                                          <p:spTgt spid="18"/>
-                                        </p:tgtEl>
-                                        <p:attrNameLst>
-                                          <p:attrName>ppt_x</p:attrName>
-                                        </p:attrNameLst>
-                                      </p:cBhvr>
-                                      <p:tavLst>
-                                        <p:tav tm="0">
-                                          <p:val>
-                                            <p:strVal val="ppt_x"/>
-                                          </p:val>
-                                        </p:tav>
-                                        <p:tav tm="100000">
-                                          <p:val>
-                                            <p:strVal val="ppt_x"/>
-                                          </p:val>
-                                        </p:tav>
-                                      </p:tavLst>
-                                    </p:anim>
-                                    <p:anim calcmode="lin" valueType="num">
-                                      <p:cBhvr additive="base">
-                                        <p:cTn id="46" dur="500"/>
-                                        <p:tgtEl>
-                                          <p:spTgt spid="18"/>
-                                        </p:tgtEl>
-                                        <p:attrNameLst>
-                                          <p:attrName>ppt_y</p:attrName>
-                                        </p:attrNameLst>
-                                      </p:cBhvr>
-                                      <p:tavLst>
-                                        <p:tav tm="0">
-                                          <p:val>
-                                            <p:strVal val="ppt_y"/>
-                                          </p:val>
-                                        </p:tav>
-                                        <p:tav tm="100000">
-                                          <p:val>
-                                            <p:strVal val="1+ppt_h/2"/>
-                                          </p:val>
-                                        </p:tav>
-                                      </p:tavLst>
-                                    </p:anim>
-                                    <p:set>
-                                      <p:cBhvr>
-                                        <p:cTn id="47" dur="1" fill="hold">
-                                          <p:stCondLst>
-                                            <p:cond delay="499"/>
-                                          </p:stCondLst>
-                                        </p:cTn>
-                                        <p:tgtEl>
-                                          <p:spTgt spid="18"/>
-                                        </p:tgtEl>
-                                        <p:attrNameLst>
-                                          <p:attrName>style.visibility</p:attrName>
-                                        </p:attrNameLst>
-                                      </p:cBhvr>
-                                      <p:to>
-                                        <p:strVal val="hidden"/>
-                                      </p:to>
-                                    </p:set>
-                                  </p:childTnLst>
-                                </p:cTn>
-                              </p:par>
-                              <p:par>
-                                <p:cTn id="48" presetID="2" presetClass="exit" presetSubtype="4" fill="hold" grpId="1" nodeType="withEffect">
-                                  <p:stCondLst>
-                                    <p:cond delay="0"/>
-                                  </p:stCondLst>
-                                  <p:childTnLst>
-                                    <p:anim calcmode="lin" valueType="num">
-                                      <p:cBhvr additive="base">
-                                        <p:cTn id="49" dur="500"/>
-                                        <p:tgtEl>
-                                          <p:spTgt spid="19"/>
-                                        </p:tgtEl>
-                                        <p:attrNameLst>
-                                          <p:attrName>ppt_x</p:attrName>
-                                        </p:attrNameLst>
-                                      </p:cBhvr>
-                                      <p:tavLst>
-                                        <p:tav tm="0">
-                                          <p:val>
-                                            <p:strVal val="ppt_x"/>
-                                          </p:val>
-                                        </p:tav>
-                                        <p:tav tm="100000">
-                                          <p:val>
-                                            <p:strVal val="ppt_x"/>
-                                          </p:val>
-                                        </p:tav>
-                                      </p:tavLst>
-                                    </p:anim>
-                                    <p:anim calcmode="lin" valueType="num">
-                                      <p:cBhvr additive="base">
-                                        <p:cTn id="50" dur="500"/>
-                                        <p:tgtEl>
-                                          <p:spTgt spid="19"/>
-                                        </p:tgtEl>
-                                        <p:attrNameLst>
-                                          <p:attrName>ppt_y</p:attrName>
-                                        </p:attrNameLst>
-                                      </p:cBhvr>
-                                      <p:tavLst>
-                                        <p:tav tm="0">
-                                          <p:val>
-                                            <p:strVal val="ppt_y"/>
-                                          </p:val>
-                                        </p:tav>
-                                        <p:tav tm="100000">
-                                          <p:val>
-                                            <p:strVal val="1+ppt_h/2"/>
-                                          </p:val>
-                                        </p:tav>
-                                      </p:tavLst>
-                                    </p:anim>
-                                    <p:set>
-                                      <p:cBhvr>
-                                        <p:cTn id="51" dur="1" fill="hold">
-                                          <p:stCondLst>
-                                            <p:cond delay="499"/>
-                                          </p:stCondLst>
-                                        </p:cTn>
-                                        <p:tgtEl>
-                                          <p:spTgt spid="19"/>
-                                        </p:tgtEl>
-                                        <p:attrNameLst>
-                                          <p:attrName>style.visibility</p:attrName>
-                                        </p:attrNameLst>
-                                      </p:cBhvr>
-                                      <p:to>
-                                        <p:strVal val="hidden"/>
-                                      </p:to>
-                                    </p:set>
-                                  </p:childTnLst>
-                                </p:cTn>
-                              </p:par>
-                              <p:par>
-                                <p:cTn id="52" presetID="2" presetClass="exit" presetSubtype="4" fill="hold" grpId="1" nodeType="withEffect">
-                                  <p:stCondLst>
-                                    <p:cond delay="0"/>
-                                  </p:stCondLst>
-                                  <p:childTnLst>
-                                    <p:anim calcmode="lin" valueType="num">
-                                      <p:cBhvr additive="base">
-                                        <p:cTn id="53" dur="500"/>
-                                        <p:tgtEl>
-                                          <p:spTgt spid="20"/>
-                                        </p:tgtEl>
-                                        <p:attrNameLst>
-                                          <p:attrName>ppt_x</p:attrName>
-                                        </p:attrNameLst>
-                                      </p:cBhvr>
-                                      <p:tavLst>
-                                        <p:tav tm="0">
-                                          <p:val>
-                                            <p:strVal val="ppt_x"/>
-                                          </p:val>
-                                        </p:tav>
-                                        <p:tav tm="100000">
-                                          <p:val>
-                                            <p:strVal val="ppt_x"/>
-                                          </p:val>
-                                        </p:tav>
-                                      </p:tavLst>
-                                    </p:anim>
-                                    <p:anim calcmode="lin" valueType="num">
-                                      <p:cBhvr additive="base">
-                                        <p:cTn id="54" dur="500"/>
-                                        <p:tgtEl>
-                                          <p:spTgt spid="20"/>
-                                        </p:tgtEl>
-                                        <p:attrNameLst>
-                                          <p:attrName>ppt_y</p:attrName>
-                                        </p:attrNameLst>
-                                      </p:cBhvr>
-                                      <p:tavLst>
-                                        <p:tav tm="0">
-                                          <p:val>
-                                            <p:strVal val="ppt_y"/>
-                                          </p:val>
-                                        </p:tav>
-                                        <p:tav tm="100000">
-                                          <p:val>
-                                            <p:strVal val="1+ppt_h/2"/>
-                                          </p:val>
-                                        </p:tav>
-                                      </p:tavLst>
-                                    </p:anim>
-                                    <p:set>
-                                      <p:cBhvr>
-                                        <p:cTn id="55" dur="1" fill="hold">
-                                          <p:stCondLst>
-                                            <p:cond delay="499"/>
-                                          </p:stCondLst>
-                                        </p:cTn>
-                                        <p:tgtEl>
-                                          <p:spTgt spid="20"/>
-                                        </p:tgtEl>
-                                        <p:attrNameLst>
-                                          <p:attrName>style.visibility</p:attrName>
-                                        </p:attrNameLst>
-                                      </p:cBhvr>
-                                      <p:to>
-                                        <p:strVal val="hidden"/>
-                                      </p:to>
-                                    </p:set>
-                                  </p:childTnLst>
-                                </p:cTn>
-                              </p:par>
-                              <p:par>
-                                <p:cTn id="56" presetID="2" presetClass="exit" presetSubtype="4" fill="hold" nodeType="withEffect">
-                                  <p:stCondLst>
-                                    <p:cond delay="0"/>
-                                  </p:stCondLst>
-                                  <p:childTnLst>
-                                    <p:anim calcmode="lin" valueType="num">
-                                      <p:cBhvr additive="base">
-                                        <p:cTn id="57" dur="500"/>
-                                        <p:tgtEl>
-                                          <p:spTgt spid="4"/>
-                                        </p:tgtEl>
-                                        <p:attrNameLst>
-                                          <p:attrName>ppt_x</p:attrName>
-                                        </p:attrNameLst>
-                                      </p:cBhvr>
-                                      <p:tavLst>
-                                        <p:tav tm="0">
-                                          <p:val>
-                                            <p:strVal val="ppt_x"/>
-                                          </p:val>
-                                        </p:tav>
-                                        <p:tav tm="100000">
-                                          <p:val>
-                                            <p:strVal val="ppt_x"/>
-                                          </p:val>
-                                        </p:tav>
-                                      </p:tavLst>
-                                    </p:anim>
-                                    <p:anim calcmode="lin" valueType="num">
-                                      <p:cBhvr additive="base">
-                                        <p:cTn id="58" dur="500"/>
-                                        <p:tgtEl>
-                                          <p:spTgt spid="4"/>
-                                        </p:tgtEl>
-                                        <p:attrNameLst>
-                                          <p:attrName>ppt_y</p:attrName>
-                                        </p:attrNameLst>
-                                      </p:cBhvr>
-                                      <p:tavLst>
-                                        <p:tav tm="0">
-                                          <p:val>
-                                            <p:strVal val="ppt_y"/>
-                                          </p:val>
-                                        </p:tav>
-                                        <p:tav tm="100000">
-                                          <p:val>
-                                            <p:strVal val="1+ppt_h/2"/>
-                                          </p:val>
-                                        </p:tav>
-                                      </p:tavLst>
-                                    </p:anim>
-                                    <p:set>
-                                      <p:cBhvr>
-                                        <p:cTn id="59" dur="1" fill="hold">
-                                          <p:stCondLst>
-                                            <p:cond delay="499"/>
-                                          </p:stCondLst>
-                                        </p:cTn>
-                                        <p:tgtEl>
-                                          <p:spTgt spid="4"/>
-                                        </p:tgtEl>
-                                        <p:attrNameLst>
-                                          <p:attrName>style.visibility</p:attrName>
-                                        </p:attrNameLst>
-                                      </p:cBhvr>
-                                      <p:to>
-                                        <p:strVal val="hidden"/>
-                                      </p:to>
-                                    </p:set>
-                                  </p:childTnLst>
-                                </p:cTn>
-                              </p:par>
-                            </p:childTnLst>
-                          </p:cTn>
-                        </p:par>
-                      </p:childTnLst>
-                    </p:cTn>
-                  </p:par>
-                  <p:par>
-                    <p:cTn id="60" fill="hold">
-                      <p:stCondLst>
-                        <p:cond delay="indefinite"/>
-                      </p:stCondLst>
-                      <p:childTnLst>
-                        <p:par>
-                          <p:cTn id="61" fill="hold">
-                            <p:stCondLst>
-                              <p:cond delay="0"/>
-                            </p:stCondLst>
-                            <p:childTnLst>
-                              <p:par>
-                                <p:cTn id="62" presetID="2" presetClass="entr" presetSubtype="4" fill="hold" nodeType="clickEffect">
+                                <p:cTn id="5" presetID="2" presetClass="entr" presetSubtype="4" fill="hold" nodeType="clickEffect">
                                   <p:stCondLst>
                                     <p:cond delay="0"/>
                                   </p:stCondLst>
                                   <p:childTnLst>
                                     <p:set>
                                       <p:cBhvr>
-                                        <p:cTn id="63" dur="1" fill="hold">
+                                        <p:cTn id="6" dur="1" fill="hold">
                                           <p:stCondLst>
                                             <p:cond delay="0"/>
                                           </p:stCondLst>
@@ -11607,7 +13376,7 @@
                                     </p:set>
                                     <p:anim calcmode="lin" valueType="num">
                                       <p:cBhvr additive="base">
-                                        <p:cTn id="64" dur="500" fill="hold"/>
+                                        <p:cTn id="7" dur="500" fill="hold"/>
                                         <p:tgtEl>
                                           <p:spTgt spid="6"/>
                                         </p:tgtEl>
@@ -11630,7 +13399,7 @@
                                     </p:anim>
                                     <p:anim calcmode="lin" valueType="num">
                                       <p:cBhvr additive="base">
-                                        <p:cTn id="65" dur="500" fill="hold"/>
+                                        <p:cTn id="8" dur="500" fill="hold"/>
                                         <p:tgtEl>
                                           <p:spTgt spid="6"/>
                                         </p:tgtEl>
@@ -11655,14 +13424,14 @@
                                 </p:cTn>
                               </p:par>
                               <p:par>
-                                <p:cTn id="66" presetID="2" presetClass="entr" presetSubtype="4" fill="hold" grpId="0" nodeType="withEffect">
+                                <p:cTn id="9" presetID="2" presetClass="entr" presetSubtype="4" fill="hold" grpId="0" nodeType="withEffect">
                                   <p:stCondLst>
                                     <p:cond delay="0"/>
                                   </p:stCondLst>
                                   <p:childTnLst>
                                     <p:set>
                                       <p:cBhvr>
-                                        <p:cTn id="67" dur="1" fill="hold">
+                                        <p:cTn id="10" dur="1" fill="hold">
                                           <p:stCondLst>
                                             <p:cond delay="0"/>
                                           </p:stCondLst>
@@ -11680,7 +13449,7 @@
                                     </p:set>
                                     <p:anim calcmode="lin" valueType="num">
                                       <p:cBhvr additive="base">
-                                        <p:cTn id="68" dur="500" fill="hold"/>
+                                        <p:cTn id="11" dur="500" fill="hold"/>
                                         <p:tgtEl>
                                           <p:spTgt spid="21"/>
                                         </p:tgtEl>
@@ -11703,7 +13472,7 @@
                                     </p:anim>
                                     <p:anim calcmode="lin" valueType="num">
                                       <p:cBhvr additive="base">
-                                        <p:cTn id="69" dur="500" fill="hold"/>
+                                        <p:cTn id="12" dur="500" fill="hold"/>
                                         <p:tgtEl>
                                           <p:spTgt spid="21"/>
                                         </p:tgtEl>
@@ -11728,14 +13497,14 @@
                                 </p:cTn>
                               </p:par>
                               <p:par>
-                                <p:cTn id="70" presetID="2" presetClass="entr" presetSubtype="4" fill="hold" nodeType="withEffect">
+                                <p:cTn id="13" presetID="2" presetClass="entr" presetSubtype="4" fill="hold" nodeType="withEffect">
                                   <p:stCondLst>
                                     <p:cond delay="0"/>
                                   </p:stCondLst>
                                   <p:childTnLst>
                                     <p:set>
                                       <p:cBhvr>
-                                        <p:cTn id="71" dur="1" fill="hold">
+                                        <p:cTn id="14" dur="1" fill="hold">
                                           <p:stCondLst>
                                             <p:cond delay="0"/>
                                           </p:stCondLst>
@@ -11753,7 +13522,7 @@
                                     </p:set>
                                     <p:anim calcmode="lin" valueType="num">
                                       <p:cBhvr additive="base">
-                                        <p:cTn id="72" dur="500" fill="hold"/>
+                                        <p:cTn id="15" dur="500" fill="hold"/>
                                         <p:tgtEl>
                                           <p:spTgt spid="10"/>
                                         </p:tgtEl>
@@ -11776,7 +13545,7 @@
                                     </p:anim>
                                     <p:anim calcmode="lin" valueType="num">
                                       <p:cBhvr additive="base">
-                                        <p:cTn id="73" dur="500" fill="hold"/>
+                                        <p:cTn id="16" dur="500" fill="hold"/>
                                         <p:tgtEl>
                                           <p:spTgt spid="10"/>
                                         </p:tgtEl>
@@ -11801,14 +13570,14 @@
                                 </p:cTn>
                               </p:par>
                               <p:par>
-                                <p:cTn id="74" presetID="2" presetClass="entr" presetSubtype="4" fill="hold" grpId="0" nodeType="withEffect">
+                                <p:cTn id="17" presetID="2" presetClass="entr" presetSubtype="4" fill="hold" grpId="0" nodeType="withEffect">
                                   <p:stCondLst>
                                     <p:cond delay="0"/>
                                   </p:stCondLst>
                                   <p:childTnLst>
                                     <p:set>
                                       <p:cBhvr>
-                                        <p:cTn id="75" dur="1" fill="hold">
+                                        <p:cTn id="18" dur="1" fill="hold">
                                           <p:stCondLst>
                                             <p:cond delay="0"/>
                                           </p:stCondLst>
@@ -11826,7 +13595,7 @@
                                     </p:set>
                                     <p:anim calcmode="lin" valueType="num">
                                       <p:cBhvr additive="base">
-                                        <p:cTn id="76" dur="500" fill="hold"/>
+                                        <p:cTn id="19" dur="500" fill="hold"/>
                                         <p:tgtEl>
                                           <p:spTgt spid="22"/>
                                         </p:tgtEl>
@@ -11849,7 +13618,7 @@
                                     </p:anim>
                                     <p:anim calcmode="lin" valueType="num">
                                       <p:cBhvr additive="base">
-                                        <p:cTn id="77" dur="500" fill="hold"/>
+                                        <p:cTn id="20" dur="500" fill="hold"/>
                                         <p:tgtEl>
                                           <p:spTgt spid="22"/>
                                         </p:tgtEl>
@@ -11901,18 +13670,6 @@
       </p:par>
     </p:tnLst>
     <p:bldLst>
-      <p:bldP spid="11" grpId="0" animBg="1"/>
-      <p:bldP spid="11" grpId="1" animBg="1"/>
-      <p:bldP spid="15" grpId="0"/>
-      <p:bldP spid="15" grpId="1"/>
-      <p:bldP spid="17" grpId="0" animBg="1"/>
-      <p:bldP spid="17" grpId="1" animBg="1"/>
-      <p:bldP spid="18" grpId="0"/>
-      <p:bldP spid="18" grpId="1"/>
-      <p:bldP spid="19" grpId="0" animBg="1"/>
-      <p:bldP spid="19" grpId="1" animBg="1"/>
-      <p:bldP spid="20" grpId="0"/>
-      <p:bldP spid="20" grpId="1"/>
       <p:bldP spid="21" grpId="0"/>
       <p:bldP spid="22" grpId="0"/>
     </p:bldLst>
@@ -11920,7 +13677,350 @@
 </p:sld>
 </file>
 
-<file path=ppt/slides/slide16.xml><?xml version="1.0" encoding="utf-8"?>
+<file path=ppt/slides/slide2.xml><?xml version="1.0" encoding="utf-8"?>
+<p:sld xmlns:a="http://schemas.openxmlformats.org/drawingml/2006/main" xmlns:r="http://schemas.openxmlformats.org/officeDocument/2006/relationships" xmlns:p="http://schemas.openxmlformats.org/presentationml/2006/main">
+  <p:cSld>
+    <p:spTree>
+      <p:nvGrpSpPr>
+        <p:cNvPr id="1" name=""/>
+        <p:cNvGrpSpPr/>
+        <p:nvPr/>
+      </p:nvGrpSpPr>
+      <p:grpSpPr>
+        <a:xfrm>
+          <a:off x="0" y="0"/>
+          <a:ext cx="0" cy="0"/>
+          <a:chOff x="0" y="0"/>
+          <a:chExt cx="0" cy="0"/>
+        </a:xfrm>
+      </p:grpSpPr>
+      <p:sp>
+        <p:nvSpPr>
+          <p:cNvPr id="3" name="Subtitle 2"/>
+          <p:cNvSpPr>
+            <a:spLocks noGrp="1"/>
+          </p:cNvSpPr>
+          <p:nvPr>
+            <p:ph type="subTitle" idx="1"/>
+          </p:nvPr>
+        </p:nvSpPr>
+        <p:spPr>
+          <a:xfrm>
+            <a:off x="2086252" y="859290"/>
+            <a:ext cx="4751460" cy="538385"/>
+          </a:xfrm>
+        </p:spPr>
+        <p:txBody>
+          <a:bodyPr>
+            <a:noAutofit/>
+          </a:bodyPr>
+          <a:lstStyle/>
+          <a:p>
+            <a:pPr algn="l"/>
+            <a:r>
+              <a:rPr lang="en-US" sz="3600" b="1">
+                <a:solidFill>
+                  <a:schemeClr val="bg2">
+                    <a:lumMod val="25000"/>
+                  </a:schemeClr>
+                </a:solidFill>
+              </a:rPr>
+              <a:t>OUTLINE</a:t>
+            </a:r>
+            <a:endParaRPr lang="en-US" sz="3600" b="1" dirty="0">
+              <a:solidFill>
+                <a:schemeClr val="bg2">
+                  <a:lumMod val="25000"/>
+                </a:schemeClr>
+              </a:solidFill>
+            </a:endParaRPr>
+          </a:p>
+        </p:txBody>
+      </p:sp>
+      <p:grpSp>
+        <p:nvGrpSpPr>
+          <p:cNvPr id="9" name="Group 8">
+            <a:extLst>
+              <a:ext uri="{FF2B5EF4-FFF2-40B4-BE49-F238E27FC236}">
+                <a16:creationId xmlns:a16="http://schemas.microsoft.com/office/drawing/2014/main" id="{FFE9AAB4-CBC7-4DCA-B281-BFF983589C83}"/>
+              </a:ext>
+            </a:extLst>
+          </p:cNvPr>
+          <p:cNvGrpSpPr/>
+          <p:nvPr/>
+        </p:nvGrpSpPr>
+        <p:grpSpPr>
+          <a:xfrm>
+            <a:off x="0" y="0"/>
+            <a:ext cx="1251751" cy="6858000"/>
+            <a:chOff x="0" y="0"/>
+            <a:chExt cx="1251751" cy="6858000"/>
+          </a:xfrm>
+        </p:grpSpPr>
+        <p:sp>
+          <p:nvSpPr>
+            <p:cNvPr id="10" name="Rectangle 9"/>
+            <p:cNvSpPr/>
+            <p:nvPr/>
+          </p:nvSpPr>
+          <p:spPr>
+            <a:xfrm rot="10800000">
+              <a:off x="0" y="0"/>
+              <a:ext cx="1251751" cy="6858000"/>
+            </a:xfrm>
+            <a:prstGeom prst="rect">
+              <a:avLst/>
+            </a:prstGeom>
+            <a:gradFill flip="none" rotWithShape="1">
+              <a:gsLst>
+                <a:gs pos="0">
+                  <a:schemeClr val="accent1">
+                    <a:shade val="30000"/>
+                    <a:satMod val="115000"/>
+                  </a:schemeClr>
+                </a:gs>
+                <a:gs pos="50000">
+                  <a:schemeClr val="accent1">
+                    <a:shade val="67500"/>
+                    <a:satMod val="115000"/>
+                  </a:schemeClr>
+                </a:gs>
+                <a:gs pos="100000">
+                  <a:schemeClr val="accent1">
+                    <a:shade val="100000"/>
+                    <a:satMod val="115000"/>
+                  </a:schemeClr>
+                </a:gs>
+              </a:gsLst>
+              <a:lin ang="5400000" scaled="1"/>
+              <a:tileRect/>
+            </a:gradFill>
+            <a:ln>
+              <a:solidFill>
+                <a:schemeClr val="bg1"/>
+              </a:solidFill>
+            </a:ln>
+          </p:spPr>
+          <p:style>
+            <a:lnRef idx="2">
+              <a:schemeClr val="accent1">
+                <a:shade val="50000"/>
+              </a:schemeClr>
+            </a:lnRef>
+            <a:fillRef idx="1">
+              <a:schemeClr val="accent1"/>
+            </a:fillRef>
+            <a:effectRef idx="0">
+              <a:schemeClr val="accent1"/>
+            </a:effectRef>
+            <a:fontRef idx="minor">
+              <a:schemeClr val="lt1"/>
+            </a:fontRef>
+          </p:style>
+          <p:txBody>
+            <a:bodyPr rtlCol="0" anchor="ctr"/>
+            <a:lstStyle/>
+            <a:p>
+              <a:endParaRPr lang="en-US" dirty="0"/>
+            </a:p>
+          </p:txBody>
+        </p:sp>
+        <p:pic>
+          <p:nvPicPr>
+            <p:cNvPr id="1030" name="Picture 6" descr="Tập tin:Logo Dai hoc Can Tho.svg – Wikipedia tiếng Việt"/>
+            <p:cNvPicPr>
+              <a:picLocks noChangeAspect="1" noChangeArrowheads="1"/>
+            </p:cNvPicPr>
+            <p:nvPr/>
+          </p:nvPicPr>
+          <p:blipFill>
+            <a:blip r:embed="rId2" cstate="print">
+              <a:extLst>
+                <a:ext uri="{28A0092B-C50C-407E-A947-70E740481C1C}">
+                  <a14:useLocalDpi xmlns:a14="http://schemas.microsoft.com/office/drawing/2010/main" val="0"/>
+                </a:ext>
+              </a:extLst>
+            </a:blip>
+            <a:srcRect/>
+            <a:stretch>
+              <a:fillRect/>
+            </a:stretch>
+          </p:blipFill>
+          <p:spPr bwMode="auto">
+            <a:xfrm>
+              <a:off x="62571" y="135875"/>
+              <a:ext cx="1126608" cy="1126608"/>
+            </a:xfrm>
+            <a:prstGeom prst="rect">
+              <a:avLst/>
+            </a:prstGeom>
+            <a:noFill/>
+            <a:extLst>
+              <a:ext uri="{909E8E84-426E-40DD-AFC4-6F175D3DCCD1}">
+                <a14:hiddenFill xmlns:a14="http://schemas.microsoft.com/office/drawing/2010/main">
+                  <a:solidFill>
+                    <a:srgbClr val="FFFFFF"/>
+                  </a:solidFill>
+                </a14:hiddenFill>
+              </a:ext>
+            </a:extLst>
+          </p:spPr>
+        </p:pic>
+      </p:grpSp>
+      <p:sp>
+        <p:nvSpPr>
+          <p:cNvPr id="4" name="Slide Number Placeholder 3"/>
+          <p:cNvSpPr>
+            <a:spLocks noGrp="1"/>
+          </p:cNvSpPr>
+          <p:nvPr>
+            <p:ph type="sldNum" sz="quarter" idx="12"/>
+          </p:nvPr>
+        </p:nvSpPr>
+        <p:spPr>
+          <a:xfrm>
+            <a:off x="9503664" y="6575171"/>
+            <a:ext cx="2743200" cy="365125"/>
+          </a:xfrm>
+        </p:spPr>
+        <p:txBody>
+          <a:bodyPr/>
+          <a:lstStyle/>
+          <a:p>
+            <a:fld id="{4F36CA6A-1BC7-4082-8420-6830934E444A}" type="slidenum">
+              <a:rPr lang="en-US" smtClean="0"/>
+              <a:t>2</a:t>
+            </a:fld>
+            <a:endParaRPr lang="en-US" dirty="0"/>
+          </a:p>
+        </p:txBody>
+      </p:sp>
+      <p:sp>
+        <p:nvSpPr>
+          <p:cNvPr id="6" name="TextBox 5">
+            <a:extLst>
+              <a:ext uri="{FF2B5EF4-FFF2-40B4-BE49-F238E27FC236}">
+                <a16:creationId xmlns:a16="http://schemas.microsoft.com/office/drawing/2014/main" id="{C38E3589-E725-4832-ADD2-2B59A3EB25A2}"/>
+              </a:ext>
+            </a:extLst>
+          </p:cNvPr>
+          <p:cNvSpPr txBox="1"/>
+          <p:nvPr/>
+        </p:nvSpPr>
+        <p:spPr>
+          <a:xfrm>
+            <a:off x="2580442" y="1397675"/>
+            <a:ext cx="7031115" cy="4131580"/>
+          </a:xfrm>
+          <a:prstGeom prst="rect">
+            <a:avLst/>
+          </a:prstGeom>
+          <a:noFill/>
+        </p:spPr>
+        <p:txBody>
+          <a:bodyPr wrap="square" rtlCol="0">
+            <a:spAutoFit/>
+          </a:bodyPr>
+          <a:lstStyle/>
+          <a:p>
+            <a:pPr marL="457200" indent="-457200">
+              <a:lnSpc>
+                <a:spcPct val="200000"/>
+              </a:lnSpc>
+              <a:buFont typeface="Wingdings" panose="05000000000000000000" pitchFamily="2" charset="2"/>
+              <a:buChar char="§"/>
+            </a:pPr>
+            <a:r>
+              <a:rPr lang="en-US" sz="3400">
+                <a:solidFill>
+                  <a:schemeClr val="tx2">
+                    <a:lumMod val="60000"/>
+                    <a:lumOff val="40000"/>
+                  </a:schemeClr>
+                </a:solidFill>
+              </a:rPr>
+              <a:t>Sơ đồ chức năng</a:t>
+            </a:r>
+          </a:p>
+          <a:p>
+            <a:pPr marL="457200" indent="-457200">
+              <a:lnSpc>
+                <a:spcPct val="200000"/>
+              </a:lnSpc>
+              <a:buFont typeface="Wingdings" panose="05000000000000000000" pitchFamily="2" charset="2"/>
+              <a:buChar char="§"/>
+            </a:pPr>
+            <a:r>
+              <a:rPr lang="en-US" sz="3400">
+                <a:solidFill>
+                  <a:schemeClr val="tx2">
+                    <a:lumMod val="60000"/>
+                    <a:lumOff val="40000"/>
+                  </a:schemeClr>
+                </a:solidFill>
+              </a:rPr>
+              <a:t>Bảng mô tả chức năng</a:t>
+            </a:r>
+          </a:p>
+          <a:p>
+            <a:pPr marL="457200" indent="-457200">
+              <a:lnSpc>
+                <a:spcPct val="200000"/>
+              </a:lnSpc>
+              <a:buFont typeface="Wingdings" panose="05000000000000000000" pitchFamily="2" charset="2"/>
+              <a:buChar char="§"/>
+            </a:pPr>
+            <a:r>
+              <a:rPr lang="en-US" sz="3400">
+                <a:solidFill>
+                  <a:schemeClr val="tx2">
+                    <a:lumMod val="60000"/>
+                    <a:lumOff val="40000"/>
+                  </a:schemeClr>
+                </a:solidFill>
+              </a:rPr>
+              <a:t>Cấu trúc cơ sở dữ liệu</a:t>
+            </a:r>
+          </a:p>
+          <a:p>
+            <a:pPr marL="457200" indent="-457200">
+              <a:lnSpc>
+                <a:spcPct val="200000"/>
+              </a:lnSpc>
+              <a:buFont typeface="Wingdings" panose="05000000000000000000" pitchFamily="2" charset="2"/>
+              <a:buChar char="§"/>
+            </a:pPr>
+            <a:r>
+              <a:rPr lang="en-US" sz="3400">
+                <a:solidFill>
+                  <a:schemeClr val="tx2">
+                    <a:lumMod val="60000"/>
+                    <a:lumOff val="40000"/>
+                  </a:schemeClr>
+                </a:solidFill>
+              </a:rPr>
+              <a:t>Giao diện BlogBook</a:t>
+            </a:r>
+          </a:p>
+        </p:txBody>
+      </p:sp>
+    </p:spTree>
+    <p:extLst>
+      <p:ext uri="{BB962C8B-B14F-4D97-AF65-F5344CB8AC3E}">
+        <p14:creationId xmlns:p14="http://schemas.microsoft.com/office/powerpoint/2010/main" val="4001109498"/>
+      </p:ext>
+    </p:extLst>
+  </p:cSld>
+  <p:clrMapOvr>
+    <a:masterClrMapping/>
+  </p:clrMapOvr>
+  <p:transition spd="slow">
+    <p:push dir="u"/>
+  </p:transition>
+</p:sld>
+</file>
+
+<file path=ppt/slides/slide20.xml><?xml version="1.0" encoding="utf-8"?>
 <p:sld xmlns:a="http://schemas.openxmlformats.org/drawingml/2006/main" xmlns:r="http://schemas.openxmlformats.org/officeDocument/2006/relationships" xmlns:p="http://schemas.openxmlformats.org/presentationml/2006/main">
   <p:cSld>
     <p:spTree>
@@ -12495,7 +14595,7 @@
           <a:p>
             <a:fld id="{4F36CA6A-1BC7-4082-8420-6830934E444A}" type="slidenum">
               <a:rPr lang="en-US" smtClean="0"/>
-              <a:t>16</a:t>
+              <a:t>20</a:t>
             </a:fld>
             <a:endParaRPr lang="en-US" dirty="0"/>
           </a:p>
@@ -12503,10 +14603,10 @@
       </p:sp>
       <p:grpSp>
         <p:nvGrpSpPr>
-          <p:cNvPr id="7" name="Group 6">
+          <p:cNvPr id="14" name="Group 13">
             <a:extLst>
               <a:ext uri="{FF2B5EF4-FFF2-40B4-BE49-F238E27FC236}">
-                <a16:creationId xmlns:a16="http://schemas.microsoft.com/office/drawing/2014/main" id="{5935DE1F-792E-447C-8996-FC82B380AA2D}"/>
+                <a16:creationId xmlns:a16="http://schemas.microsoft.com/office/drawing/2014/main" id="{179349BA-E5E8-44E4-BDD5-F2B7859FDCC2}"/>
               </a:ext>
             </a:extLst>
           </p:cNvPr>
@@ -12515,22 +14615,215 @@
         </p:nvGrpSpPr>
         <p:grpSpPr>
           <a:xfrm>
-            <a:off x="391778" y="4936933"/>
-            <a:ext cx="3700828" cy="1512656"/>
-            <a:chOff x="391778" y="4936933"/>
-            <a:chExt cx="3700828" cy="1512656"/>
+            <a:off x="351138" y="5245440"/>
+            <a:ext cx="3855805" cy="1204879"/>
+            <a:chOff x="351138" y="5245440"/>
+            <a:chExt cx="3855805" cy="1204879"/>
           </a:xfrm>
         </p:grpSpPr>
+        <p:grpSp>
+          <p:nvGrpSpPr>
+            <p:cNvPr id="7" name="Group 6">
+              <a:extLst>
+                <a:ext uri="{FF2B5EF4-FFF2-40B4-BE49-F238E27FC236}">
+                  <a16:creationId xmlns:a16="http://schemas.microsoft.com/office/drawing/2014/main" id="{5935DE1F-792E-447C-8996-FC82B380AA2D}"/>
+                </a:ext>
+              </a:extLst>
+            </p:cNvPr>
+            <p:cNvGrpSpPr/>
+            <p:nvPr/>
+          </p:nvGrpSpPr>
+          <p:grpSpPr>
+            <a:xfrm>
+              <a:off x="351138" y="5245440"/>
+              <a:ext cx="3700828" cy="1204879"/>
+              <a:chOff x="391778" y="5244710"/>
+              <a:chExt cx="3700828" cy="1204879"/>
+            </a:xfrm>
+          </p:grpSpPr>
+          <p:sp>
+            <p:nvSpPr>
+              <p:cNvPr id="4" name="TextBox 3"/>
+              <p:cNvSpPr txBox="1"/>
+              <p:nvPr/>
+            </p:nvSpPr>
+            <p:spPr>
+              <a:xfrm>
+                <a:off x="710214" y="5540104"/>
+                <a:ext cx="3382392" cy="307777"/>
+              </a:xfrm>
+              <a:prstGeom prst="rect">
+                <a:avLst/>
+              </a:prstGeom>
+              <a:noFill/>
+            </p:spPr>
+            <p:txBody>
+              <a:bodyPr wrap="square" rtlCol="0">
+                <a:spAutoFit/>
+              </a:bodyPr>
+              <a:lstStyle/>
+              <a:p>
+                <a:endParaRPr lang="en-US" sz="1400" dirty="0"/>
+              </a:p>
+            </p:txBody>
+          </p:sp>
+          <p:pic>
+            <p:nvPicPr>
+              <p:cNvPr id="2052" name="Picture 4" descr="GitHub Logos and Usage · GitHub"/>
+              <p:cNvPicPr>
+                <a:picLocks noChangeAspect="1" noChangeArrowheads="1"/>
+              </p:cNvPicPr>
+              <p:nvPr/>
+            </p:nvPicPr>
+            <p:blipFill>
+              <a:blip r:embed="rId3" cstate="print">
+                <a:extLst>
+                  <a:ext uri="{28A0092B-C50C-407E-A947-70E740481C1C}">
+                    <a14:useLocalDpi xmlns:a14="http://schemas.microsoft.com/office/drawing/2010/main" val="0"/>
+                  </a:ext>
+                </a:extLst>
+              </a:blip>
+              <a:srcRect/>
+              <a:stretch>
+                <a:fillRect/>
+              </a:stretch>
+            </p:blipFill>
+            <p:spPr bwMode="auto">
+              <a:xfrm>
+                <a:off x="481540" y="5533023"/>
+                <a:ext cx="328528" cy="328528"/>
+              </a:xfrm>
+              <a:prstGeom prst="rect">
+                <a:avLst/>
+              </a:prstGeom>
+              <a:noFill/>
+              <a:extLst>
+                <a:ext uri="{909E8E84-426E-40DD-AFC4-6F175D3DCCD1}">
+                  <a14:hiddenFill xmlns:a14="http://schemas.microsoft.com/office/drawing/2010/main">
+                    <a:solidFill>
+                      <a:srgbClr val="FFFFFF"/>
+                    </a:solidFill>
+                  </a14:hiddenFill>
+                </a:ext>
+              </a:extLst>
+            </p:spPr>
+          </p:pic>
+          <p:sp>
+            <p:nvSpPr>
+              <p:cNvPr id="5" name="TextBox 4"/>
+              <p:cNvSpPr txBox="1"/>
+              <p:nvPr/>
+            </p:nvSpPr>
+            <p:spPr>
+              <a:xfrm>
+                <a:off x="391778" y="5244710"/>
+                <a:ext cx="1721975" cy="307777"/>
+              </a:xfrm>
+              <a:prstGeom prst="rect">
+                <a:avLst/>
+              </a:prstGeom>
+              <a:noFill/>
+            </p:spPr>
+            <p:txBody>
+              <a:bodyPr wrap="square" rtlCol="0">
+                <a:spAutoFit/>
+              </a:bodyPr>
+              <a:lstStyle/>
+              <a:p>
+                <a:r>
+                  <a:rPr lang="en-US" sz="1400" dirty="0"/>
+                  <a:t>Source Code:</a:t>
+                </a:r>
+              </a:p>
+            </p:txBody>
+          </p:sp>
+          <p:sp>
+            <p:nvSpPr>
+              <p:cNvPr id="12" name="TextBox 11"/>
+              <p:cNvSpPr txBox="1"/>
+              <p:nvPr/>
+            </p:nvSpPr>
+            <p:spPr>
+              <a:xfrm>
+                <a:off x="410518" y="5872962"/>
+                <a:ext cx="1721975" cy="307777"/>
+              </a:xfrm>
+              <a:prstGeom prst="rect">
+                <a:avLst/>
+              </a:prstGeom>
+              <a:noFill/>
+            </p:spPr>
+            <p:txBody>
+              <a:bodyPr wrap="square" rtlCol="0">
+                <a:spAutoFit/>
+              </a:bodyPr>
+              <a:lstStyle/>
+              <a:p>
+                <a:r>
+                  <a:rPr lang="en-US" sz="1400" dirty="0"/>
+                  <a:t>Tham khảo:</a:t>
+                </a:r>
+              </a:p>
+            </p:txBody>
+          </p:sp>
+          <p:sp>
+            <p:nvSpPr>
+              <p:cNvPr id="9" name="TextBox 8"/>
+              <p:cNvSpPr txBox="1"/>
+              <p:nvPr/>
+            </p:nvSpPr>
+            <p:spPr>
+              <a:xfrm>
+                <a:off x="391778" y="6141812"/>
+                <a:ext cx="3117553" cy="307777"/>
+              </a:xfrm>
+              <a:prstGeom prst="rect">
+                <a:avLst/>
+              </a:prstGeom>
+              <a:noFill/>
+            </p:spPr>
+            <p:txBody>
+              <a:bodyPr wrap="square" rtlCol="0">
+                <a:spAutoFit/>
+              </a:bodyPr>
+              <a:lstStyle/>
+              <a:p>
+                <a:r>
+                  <a:rPr lang="en-US" sz="1400" u="sng" dirty="0" err="1">
+                    <a:solidFill>
+                      <a:srgbClr val="0070C0"/>
+                    </a:solidFill>
+                  </a:rPr>
+                  <a:t>Chưa</a:t>
+                </a:r>
+                <a:r>
+                  <a:rPr lang="en-US" sz="1400" u="sng" dirty="0">
+                    <a:solidFill>
+                      <a:srgbClr val="0070C0"/>
+                    </a:solidFill>
+                  </a:rPr>
+                  <a:t> có link</a:t>
+                </a:r>
+              </a:p>
+            </p:txBody>
+          </p:sp>
+        </p:grpSp>
         <p:sp>
           <p:nvSpPr>
-            <p:cNvPr id="4" name="TextBox 3"/>
+            <p:cNvPr id="16" name="TextBox 15">
+              <a:extLst>
+                <a:ext uri="{FF2B5EF4-FFF2-40B4-BE49-F238E27FC236}">
+                  <a16:creationId xmlns:a16="http://schemas.microsoft.com/office/drawing/2014/main" id="{642BD8F6-6B1F-4171-A59A-F9845FE939A0}"/>
+                </a:ext>
+              </a:extLst>
+            </p:cNvPr>
             <p:cNvSpPr txBox="1"/>
             <p:nvPr/>
           </p:nvSpPr>
           <p:spPr>
             <a:xfrm>
-              <a:off x="710214" y="5540104"/>
-              <a:ext cx="3382392" cy="523220"/>
+              <a:off x="695731" y="5555492"/>
+              <a:ext cx="3511212" cy="276999"/>
             </a:xfrm>
             <a:prstGeom prst="rect">
               <a:avLst/>
@@ -12538,192 +14831,18 @@
             <a:noFill/>
           </p:spPr>
           <p:txBody>
-            <a:bodyPr wrap="square" rtlCol="0">
+            <a:bodyPr wrap="square">
               <a:spAutoFit/>
             </a:bodyPr>
             <a:lstStyle/>
             <a:p>
               <a:r>
-                <a:rPr lang="en-US" sz="1400" dirty="0">
-                  <a:hlinkClick r:id="rId3"/>
-                </a:rPr>
-                <a:t>phuocvinh143/Blog-website (github.com)</a:t>
-              </a:r>
-              <a:endParaRPr lang="en-US" sz="1400" dirty="0"/>
-            </a:p>
-            <a:p>
-              <a:endParaRPr lang="en-US" sz="1400" dirty="0"/>
-            </a:p>
-          </p:txBody>
-        </p:sp>
-        <p:pic>
-          <p:nvPicPr>
-            <p:cNvPr id="2052" name="Picture 4" descr="GitHub Logos and Usage · GitHub"/>
-            <p:cNvPicPr>
-              <a:picLocks noChangeAspect="1" noChangeArrowheads="1"/>
-            </p:cNvPicPr>
-            <p:nvPr/>
-          </p:nvPicPr>
-          <p:blipFill>
-            <a:blip r:embed="rId4" cstate="print">
-              <a:extLst>
-                <a:ext uri="{28A0092B-C50C-407E-A947-70E740481C1C}">
-                  <a14:useLocalDpi xmlns:a14="http://schemas.microsoft.com/office/drawing/2010/main" val="0"/>
-                </a:ext>
-              </a:extLst>
-            </a:blip>
-            <a:srcRect/>
-            <a:stretch>
-              <a:fillRect/>
-            </a:stretch>
-          </p:blipFill>
-          <p:spPr bwMode="auto">
-            <a:xfrm>
-              <a:off x="481540" y="5533023"/>
-              <a:ext cx="328528" cy="328528"/>
-            </a:xfrm>
-            <a:prstGeom prst="rect">
-              <a:avLst/>
-            </a:prstGeom>
-            <a:noFill/>
-            <a:extLst>
-              <a:ext uri="{909E8E84-426E-40DD-AFC4-6F175D3DCCD1}">
-                <a14:hiddenFill xmlns:a14="http://schemas.microsoft.com/office/drawing/2010/main">
-                  <a:solidFill>
-                    <a:srgbClr val="FFFFFF"/>
-                  </a:solidFill>
-                </a14:hiddenFill>
-              </a:ext>
-            </a:extLst>
-          </p:spPr>
-        </p:pic>
-        <p:sp>
-          <p:nvSpPr>
-            <p:cNvPr id="5" name="TextBox 4"/>
-            <p:cNvSpPr txBox="1"/>
-            <p:nvPr/>
-          </p:nvSpPr>
-          <p:spPr>
-            <a:xfrm>
-              <a:off x="391778" y="5244710"/>
-              <a:ext cx="1721975" cy="307777"/>
-            </a:xfrm>
-            <a:prstGeom prst="rect">
-              <a:avLst/>
-            </a:prstGeom>
-            <a:noFill/>
-          </p:spPr>
-          <p:txBody>
-            <a:bodyPr wrap="square" rtlCol="0">
-              <a:spAutoFit/>
-            </a:bodyPr>
-            <a:lstStyle/>
-            <a:p>
-              <a:r>
-                <a:rPr lang="en-US" sz="1400" dirty="0"/>
-                <a:t>Source Code:</a:t>
-              </a:r>
-            </a:p>
-          </p:txBody>
-        </p:sp>
-        <p:sp>
-          <p:nvSpPr>
-            <p:cNvPr id="12" name="TextBox 11"/>
-            <p:cNvSpPr txBox="1"/>
-            <p:nvPr/>
-          </p:nvSpPr>
-          <p:spPr>
-            <a:xfrm>
-              <a:off x="410518" y="5872962"/>
-              <a:ext cx="1721975" cy="307777"/>
-            </a:xfrm>
-            <a:prstGeom prst="rect">
-              <a:avLst/>
-            </a:prstGeom>
-            <a:noFill/>
-          </p:spPr>
-          <p:txBody>
-            <a:bodyPr wrap="square" rtlCol="0">
-              <a:spAutoFit/>
-            </a:bodyPr>
-            <a:lstStyle/>
-            <a:p>
-              <a:r>
-                <a:rPr lang="en-US" sz="1400" dirty="0"/>
-                <a:t>Tham khảo:</a:t>
-              </a:r>
-            </a:p>
-          </p:txBody>
-        </p:sp>
-        <p:sp>
-          <p:nvSpPr>
-            <p:cNvPr id="9" name="TextBox 8"/>
-            <p:cNvSpPr txBox="1"/>
-            <p:nvPr/>
-          </p:nvSpPr>
-          <p:spPr>
-            <a:xfrm>
-              <a:off x="391778" y="6141812"/>
-              <a:ext cx="3117553" cy="307777"/>
-            </a:xfrm>
-            <a:prstGeom prst="rect">
-              <a:avLst/>
-            </a:prstGeom>
-            <a:noFill/>
-          </p:spPr>
-          <p:txBody>
-            <a:bodyPr wrap="square" rtlCol="0">
-              <a:spAutoFit/>
-            </a:bodyPr>
-            <a:lstStyle/>
-            <a:p>
-              <a:r>
-                <a:rPr lang="en-US" sz="1400" u="sng">
+                <a:rPr lang="en-US" sz="1200" dirty="0">
                   <a:solidFill>
                     <a:srgbClr val="0070C0"/>
                   </a:solidFill>
                 </a:rPr>
-                <a:t>Chưa có link</a:t>
-              </a:r>
-              <a:endParaRPr lang="en-US" sz="1400" u="sng" dirty="0">
-                <a:solidFill>
-                  <a:srgbClr val="0070C0"/>
-                </a:solidFill>
-              </a:endParaRPr>
-            </a:p>
-          </p:txBody>
-        </p:sp>
-        <p:sp>
-          <p:nvSpPr>
-            <p:cNvPr id="13" name="TextBox 12">
-              <a:hlinkClick r:id="rId5" action="ppaction://hlinkfile"/>
-            </p:cNvPr>
-            <p:cNvSpPr txBox="1"/>
-            <p:nvPr/>
-          </p:nvSpPr>
-          <p:spPr>
-            <a:xfrm>
-              <a:off x="410518" y="4936933"/>
-              <a:ext cx="1572426" cy="307777"/>
-            </a:xfrm>
-            <a:prstGeom prst="rect">
-              <a:avLst/>
-            </a:prstGeom>
-            <a:noFill/>
-          </p:spPr>
-          <p:txBody>
-            <a:bodyPr wrap="square" rtlCol="0">
-              <a:spAutoFit/>
-            </a:bodyPr>
-            <a:lstStyle/>
-            <a:p>
-              <a:r>
-                <a:rPr lang="en-US" sz="1400" b="1" u="sng" dirty="0">
-                  <a:solidFill>
-                    <a:srgbClr val="00B050"/>
-                  </a:solidFill>
-                </a:rPr>
-                <a:t>CLIP DEMO</a:t>
+                <a:t>https://github.com/NgoQuocBao1010/Spotify-Clone-</a:t>
               </a:r>
             </a:p>
           </p:txBody>
@@ -12733,349 +14852,6 @@
     <p:extLst>
       <p:ext uri="{BB962C8B-B14F-4D97-AF65-F5344CB8AC3E}">
         <p14:creationId xmlns:p14="http://schemas.microsoft.com/office/powerpoint/2010/main" val="307647976"/>
-      </p:ext>
-    </p:extLst>
-  </p:cSld>
-  <p:clrMapOvr>
-    <a:masterClrMapping/>
-  </p:clrMapOvr>
-  <p:transition spd="slow">
-    <p:push dir="u"/>
-  </p:transition>
-</p:sld>
-</file>
-
-<file path=ppt/slides/slide2.xml><?xml version="1.0" encoding="utf-8"?>
-<p:sld xmlns:a="http://schemas.openxmlformats.org/drawingml/2006/main" xmlns:r="http://schemas.openxmlformats.org/officeDocument/2006/relationships" xmlns:p="http://schemas.openxmlformats.org/presentationml/2006/main">
-  <p:cSld>
-    <p:spTree>
-      <p:nvGrpSpPr>
-        <p:cNvPr id="1" name=""/>
-        <p:cNvGrpSpPr/>
-        <p:nvPr/>
-      </p:nvGrpSpPr>
-      <p:grpSpPr>
-        <a:xfrm>
-          <a:off x="0" y="0"/>
-          <a:ext cx="0" cy="0"/>
-          <a:chOff x="0" y="0"/>
-          <a:chExt cx="0" cy="0"/>
-        </a:xfrm>
-      </p:grpSpPr>
-      <p:sp>
-        <p:nvSpPr>
-          <p:cNvPr id="3" name="Subtitle 2"/>
-          <p:cNvSpPr>
-            <a:spLocks noGrp="1"/>
-          </p:cNvSpPr>
-          <p:nvPr>
-            <p:ph type="subTitle" idx="1"/>
-          </p:nvPr>
-        </p:nvSpPr>
-        <p:spPr>
-          <a:xfrm>
-            <a:off x="2086252" y="859290"/>
-            <a:ext cx="4751460" cy="538385"/>
-          </a:xfrm>
-        </p:spPr>
-        <p:txBody>
-          <a:bodyPr>
-            <a:noAutofit/>
-          </a:bodyPr>
-          <a:lstStyle/>
-          <a:p>
-            <a:pPr algn="l"/>
-            <a:r>
-              <a:rPr lang="en-US" sz="3600" b="1">
-                <a:solidFill>
-                  <a:schemeClr val="bg2">
-                    <a:lumMod val="25000"/>
-                  </a:schemeClr>
-                </a:solidFill>
-              </a:rPr>
-              <a:t>OUTLINE</a:t>
-            </a:r>
-            <a:endParaRPr lang="en-US" sz="3600" b="1" dirty="0">
-              <a:solidFill>
-                <a:schemeClr val="bg2">
-                  <a:lumMod val="25000"/>
-                </a:schemeClr>
-              </a:solidFill>
-            </a:endParaRPr>
-          </a:p>
-        </p:txBody>
-      </p:sp>
-      <p:grpSp>
-        <p:nvGrpSpPr>
-          <p:cNvPr id="9" name="Group 8">
-            <a:extLst>
-              <a:ext uri="{FF2B5EF4-FFF2-40B4-BE49-F238E27FC236}">
-                <a16:creationId xmlns:a16="http://schemas.microsoft.com/office/drawing/2014/main" id="{FFE9AAB4-CBC7-4DCA-B281-BFF983589C83}"/>
-              </a:ext>
-            </a:extLst>
-          </p:cNvPr>
-          <p:cNvGrpSpPr/>
-          <p:nvPr/>
-        </p:nvGrpSpPr>
-        <p:grpSpPr>
-          <a:xfrm>
-            <a:off x="0" y="0"/>
-            <a:ext cx="1251751" cy="6858000"/>
-            <a:chOff x="0" y="0"/>
-            <a:chExt cx="1251751" cy="6858000"/>
-          </a:xfrm>
-        </p:grpSpPr>
-        <p:sp>
-          <p:nvSpPr>
-            <p:cNvPr id="10" name="Rectangle 9"/>
-            <p:cNvSpPr/>
-            <p:nvPr/>
-          </p:nvSpPr>
-          <p:spPr>
-            <a:xfrm rot="10800000">
-              <a:off x="0" y="0"/>
-              <a:ext cx="1251751" cy="6858000"/>
-            </a:xfrm>
-            <a:prstGeom prst="rect">
-              <a:avLst/>
-            </a:prstGeom>
-            <a:gradFill flip="none" rotWithShape="1">
-              <a:gsLst>
-                <a:gs pos="0">
-                  <a:schemeClr val="accent1">
-                    <a:shade val="30000"/>
-                    <a:satMod val="115000"/>
-                  </a:schemeClr>
-                </a:gs>
-                <a:gs pos="50000">
-                  <a:schemeClr val="accent1">
-                    <a:shade val="67500"/>
-                    <a:satMod val="115000"/>
-                  </a:schemeClr>
-                </a:gs>
-                <a:gs pos="100000">
-                  <a:schemeClr val="accent1">
-                    <a:shade val="100000"/>
-                    <a:satMod val="115000"/>
-                  </a:schemeClr>
-                </a:gs>
-              </a:gsLst>
-              <a:lin ang="5400000" scaled="1"/>
-              <a:tileRect/>
-            </a:gradFill>
-            <a:ln>
-              <a:solidFill>
-                <a:schemeClr val="bg1"/>
-              </a:solidFill>
-            </a:ln>
-          </p:spPr>
-          <p:style>
-            <a:lnRef idx="2">
-              <a:schemeClr val="accent1">
-                <a:shade val="50000"/>
-              </a:schemeClr>
-            </a:lnRef>
-            <a:fillRef idx="1">
-              <a:schemeClr val="accent1"/>
-            </a:fillRef>
-            <a:effectRef idx="0">
-              <a:schemeClr val="accent1"/>
-            </a:effectRef>
-            <a:fontRef idx="minor">
-              <a:schemeClr val="lt1"/>
-            </a:fontRef>
-          </p:style>
-          <p:txBody>
-            <a:bodyPr rtlCol="0" anchor="ctr"/>
-            <a:lstStyle/>
-            <a:p>
-              <a:endParaRPr lang="en-US" dirty="0"/>
-            </a:p>
-          </p:txBody>
-        </p:sp>
-        <p:pic>
-          <p:nvPicPr>
-            <p:cNvPr id="1030" name="Picture 6" descr="Tập tin:Logo Dai hoc Can Tho.svg – Wikipedia tiếng Việt"/>
-            <p:cNvPicPr>
-              <a:picLocks noChangeAspect="1" noChangeArrowheads="1"/>
-            </p:cNvPicPr>
-            <p:nvPr/>
-          </p:nvPicPr>
-          <p:blipFill>
-            <a:blip r:embed="rId2" cstate="print">
-              <a:extLst>
-                <a:ext uri="{28A0092B-C50C-407E-A947-70E740481C1C}">
-                  <a14:useLocalDpi xmlns:a14="http://schemas.microsoft.com/office/drawing/2010/main" val="0"/>
-                </a:ext>
-              </a:extLst>
-            </a:blip>
-            <a:srcRect/>
-            <a:stretch>
-              <a:fillRect/>
-            </a:stretch>
-          </p:blipFill>
-          <p:spPr bwMode="auto">
-            <a:xfrm>
-              <a:off x="62571" y="135875"/>
-              <a:ext cx="1126608" cy="1126608"/>
-            </a:xfrm>
-            <a:prstGeom prst="rect">
-              <a:avLst/>
-            </a:prstGeom>
-            <a:noFill/>
-            <a:extLst>
-              <a:ext uri="{909E8E84-426E-40DD-AFC4-6F175D3DCCD1}">
-                <a14:hiddenFill xmlns:a14="http://schemas.microsoft.com/office/drawing/2010/main">
-                  <a:solidFill>
-                    <a:srgbClr val="FFFFFF"/>
-                  </a:solidFill>
-                </a14:hiddenFill>
-              </a:ext>
-            </a:extLst>
-          </p:spPr>
-        </p:pic>
-      </p:grpSp>
-      <p:sp>
-        <p:nvSpPr>
-          <p:cNvPr id="4" name="Slide Number Placeholder 3"/>
-          <p:cNvSpPr>
-            <a:spLocks noGrp="1"/>
-          </p:cNvSpPr>
-          <p:nvPr>
-            <p:ph type="sldNum" sz="quarter" idx="12"/>
-          </p:nvPr>
-        </p:nvSpPr>
-        <p:spPr>
-          <a:xfrm>
-            <a:off x="9503664" y="6575171"/>
-            <a:ext cx="2743200" cy="365125"/>
-          </a:xfrm>
-        </p:spPr>
-        <p:txBody>
-          <a:bodyPr/>
-          <a:lstStyle/>
-          <a:p>
-            <a:fld id="{4F36CA6A-1BC7-4082-8420-6830934E444A}" type="slidenum">
-              <a:rPr lang="en-US" smtClean="0"/>
-              <a:t>2</a:t>
-            </a:fld>
-            <a:endParaRPr lang="en-US" dirty="0"/>
-          </a:p>
-        </p:txBody>
-      </p:sp>
-      <p:sp>
-        <p:nvSpPr>
-          <p:cNvPr id="6" name="TextBox 5">
-            <a:extLst>
-              <a:ext uri="{FF2B5EF4-FFF2-40B4-BE49-F238E27FC236}">
-                <a16:creationId xmlns:a16="http://schemas.microsoft.com/office/drawing/2014/main" id="{C38E3589-E725-4832-ADD2-2B59A3EB25A2}"/>
-              </a:ext>
-            </a:extLst>
-          </p:cNvPr>
-          <p:cNvSpPr txBox="1"/>
-          <p:nvPr/>
-        </p:nvSpPr>
-        <p:spPr>
-          <a:xfrm>
-            <a:off x="2580442" y="1397675"/>
-            <a:ext cx="7031115" cy="4131580"/>
-          </a:xfrm>
-          <a:prstGeom prst="rect">
-            <a:avLst/>
-          </a:prstGeom>
-          <a:noFill/>
-        </p:spPr>
-        <p:txBody>
-          <a:bodyPr wrap="square" rtlCol="0">
-            <a:spAutoFit/>
-          </a:bodyPr>
-          <a:lstStyle/>
-          <a:p>
-            <a:pPr marL="457200" indent="-457200">
-              <a:lnSpc>
-                <a:spcPct val="200000"/>
-              </a:lnSpc>
-              <a:buFont typeface="Wingdings" panose="05000000000000000000" pitchFamily="2" charset="2"/>
-              <a:buChar char="§"/>
-            </a:pPr>
-            <a:r>
-              <a:rPr lang="en-US" sz="3400">
-                <a:solidFill>
-                  <a:schemeClr val="tx2">
-                    <a:lumMod val="60000"/>
-                    <a:lumOff val="40000"/>
-                  </a:schemeClr>
-                </a:solidFill>
-              </a:rPr>
-              <a:t>Sơ đồ chức năng</a:t>
-            </a:r>
-          </a:p>
-          <a:p>
-            <a:pPr marL="457200" indent="-457200">
-              <a:lnSpc>
-                <a:spcPct val="200000"/>
-              </a:lnSpc>
-              <a:buFont typeface="Wingdings" panose="05000000000000000000" pitchFamily="2" charset="2"/>
-              <a:buChar char="§"/>
-            </a:pPr>
-            <a:r>
-              <a:rPr lang="en-US" sz="3400">
-                <a:solidFill>
-                  <a:schemeClr val="tx2">
-                    <a:lumMod val="60000"/>
-                    <a:lumOff val="40000"/>
-                  </a:schemeClr>
-                </a:solidFill>
-              </a:rPr>
-              <a:t>Bảng mô tả chức năng</a:t>
-            </a:r>
-          </a:p>
-          <a:p>
-            <a:pPr marL="457200" indent="-457200">
-              <a:lnSpc>
-                <a:spcPct val="200000"/>
-              </a:lnSpc>
-              <a:buFont typeface="Wingdings" panose="05000000000000000000" pitchFamily="2" charset="2"/>
-              <a:buChar char="§"/>
-            </a:pPr>
-            <a:r>
-              <a:rPr lang="en-US" sz="3400">
-                <a:solidFill>
-                  <a:schemeClr val="tx2">
-                    <a:lumMod val="60000"/>
-                    <a:lumOff val="40000"/>
-                  </a:schemeClr>
-                </a:solidFill>
-              </a:rPr>
-              <a:t>Cấu trúc cơ sở dữ liệu</a:t>
-            </a:r>
-          </a:p>
-          <a:p>
-            <a:pPr marL="457200" indent="-457200">
-              <a:lnSpc>
-                <a:spcPct val="200000"/>
-              </a:lnSpc>
-              <a:buFont typeface="Wingdings" panose="05000000000000000000" pitchFamily="2" charset="2"/>
-              <a:buChar char="§"/>
-            </a:pPr>
-            <a:r>
-              <a:rPr lang="en-US" sz="3400">
-                <a:solidFill>
-                  <a:schemeClr val="tx2">
-                    <a:lumMod val="60000"/>
-                    <a:lumOff val="40000"/>
-                  </a:schemeClr>
-                </a:solidFill>
-              </a:rPr>
-              <a:t>Giao diện BlogBook</a:t>
-            </a:r>
-          </a:p>
-        </p:txBody>
-      </p:sp>
-    </p:spTree>
-    <p:extLst>
-      <p:ext uri="{BB962C8B-B14F-4D97-AF65-F5344CB8AC3E}">
-        <p14:creationId xmlns:p14="http://schemas.microsoft.com/office/powerpoint/2010/main" val="4001109498"/>
       </p:ext>
     </p:extLst>
   </p:cSld>
@@ -16172,7 +17948,7 @@
         </p:nvSpPr>
         <p:spPr>
           <a:xfrm>
-            <a:off x="2565223" y="862599"/>
+            <a:off x="5361689" y="800818"/>
             <a:ext cx="3036032" cy="461665"/>
           </a:xfrm>
           <a:prstGeom prst="rect">
@@ -16204,188 +17980,6 @@
               <a:t>chủ</a:t>
             </a:r>
             <a:endParaRPr lang="en-US" sz="2400" dirty="0">
-              <a:solidFill>
-                <a:schemeClr val="bg1"/>
-              </a:solidFill>
-            </a:endParaRPr>
-          </a:p>
-        </p:txBody>
-      </p:sp>
-      <p:pic>
-        <p:nvPicPr>
-          <p:cNvPr id="9" name="Picture 8">
-            <a:extLst>
-              <a:ext uri="{FF2B5EF4-FFF2-40B4-BE49-F238E27FC236}">
-                <a16:creationId xmlns:a16="http://schemas.microsoft.com/office/drawing/2014/main" id="{0EDAD2C7-00AE-4CBE-B61F-B74C8D6A3121}"/>
-              </a:ext>
-            </a:extLst>
-          </p:cNvPr>
-          <p:cNvPicPr>
-            <a:picLocks noChangeAspect="1"/>
-          </p:cNvPicPr>
-          <p:nvPr/>
-        </p:nvPicPr>
-        <p:blipFill>
-          <a:blip r:embed="rId4"/>
-          <a:stretch>
-            <a:fillRect/>
-          </a:stretch>
-        </p:blipFill>
-        <p:spPr>
-          <a:xfrm>
-            <a:off x="1513384" y="797542"/>
-            <a:ext cx="10430377" cy="5106539"/>
-          </a:xfrm>
-          <a:prstGeom prst="rect">
-            <a:avLst/>
-          </a:prstGeom>
-        </p:spPr>
-      </p:pic>
-      <p:sp>
-        <p:nvSpPr>
-          <p:cNvPr id="10" name="TextBox 9">
-            <a:extLst>
-              <a:ext uri="{FF2B5EF4-FFF2-40B4-BE49-F238E27FC236}">
-                <a16:creationId xmlns:a16="http://schemas.microsoft.com/office/drawing/2014/main" id="{1ED697A8-EA3D-4013-8B50-3DB7767770D3}"/>
-              </a:ext>
-            </a:extLst>
-          </p:cNvPr>
-          <p:cNvSpPr txBox="1"/>
-          <p:nvPr/>
-        </p:nvSpPr>
-        <p:spPr>
-          <a:xfrm>
-            <a:off x="8210750" y="882189"/>
-            <a:ext cx="3036032" cy="369332"/>
-          </a:xfrm>
-          <a:prstGeom prst="rect">
-            <a:avLst/>
-          </a:prstGeom>
-          <a:noFill/>
-        </p:spPr>
-        <p:txBody>
-          <a:bodyPr wrap="square" rtlCol="0">
-            <a:spAutoFit/>
-          </a:bodyPr>
-          <a:lstStyle/>
-          <a:p>
-            <a:pPr algn="ctr"/>
-            <a:r>
-              <a:rPr lang="en-US" dirty="0">
-                <a:solidFill>
-                  <a:schemeClr val="bg1"/>
-                </a:solidFill>
-              </a:rPr>
-              <a:t>Trang </a:t>
-            </a:r>
-            <a:r>
-              <a:rPr lang="en-US" dirty="0" err="1">
-                <a:solidFill>
-                  <a:schemeClr val="bg1"/>
-                </a:solidFill>
-              </a:rPr>
-              <a:t>tìm</a:t>
-            </a:r>
-            <a:r>
-              <a:rPr lang="en-US" dirty="0">
-                <a:solidFill>
-                  <a:schemeClr val="bg1"/>
-                </a:solidFill>
-              </a:rPr>
-              <a:t> </a:t>
-            </a:r>
-            <a:r>
-              <a:rPr lang="en-US" dirty="0" err="1">
-                <a:solidFill>
-                  <a:schemeClr val="bg1"/>
-                </a:solidFill>
-              </a:rPr>
-              <a:t>kiếm</a:t>
-            </a:r>
-            <a:endParaRPr lang="en-US" dirty="0">
-              <a:solidFill>
-                <a:schemeClr val="bg1"/>
-              </a:solidFill>
-            </a:endParaRPr>
-          </a:p>
-        </p:txBody>
-      </p:sp>
-      <p:pic>
-        <p:nvPicPr>
-          <p:cNvPr id="12" name="Picture 11">
-            <a:extLst>
-              <a:ext uri="{FF2B5EF4-FFF2-40B4-BE49-F238E27FC236}">
-                <a16:creationId xmlns:a16="http://schemas.microsoft.com/office/drawing/2014/main" id="{A19AE919-C343-4438-905A-6015D258D91D}"/>
-              </a:ext>
-            </a:extLst>
-          </p:cNvPr>
-          <p:cNvPicPr>
-            <a:picLocks noChangeAspect="1"/>
-          </p:cNvPicPr>
-          <p:nvPr/>
-        </p:nvPicPr>
-        <p:blipFill>
-          <a:blip r:embed="rId5"/>
-          <a:stretch>
-            <a:fillRect/>
-          </a:stretch>
-        </p:blipFill>
-        <p:spPr>
-          <a:xfrm>
-            <a:off x="1513383" y="779424"/>
-            <a:ext cx="10430378" cy="5106539"/>
-          </a:xfrm>
-          <a:prstGeom prst="rect">
-            <a:avLst/>
-          </a:prstGeom>
-        </p:spPr>
-      </p:pic>
-      <p:sp>
-        <p:nvSpPr>
-          <p:cNvPr id="16" name="TextBox 15">
-            <a:extLst>
-              <a:ext uri="{FF2B5EF4-FFF2-40B4-BE49-F238E27FC236}">
-                <a16:creationId xmlns:a16="http://schemas.microsoft.com/office/drawing/2014/main" id="{37DAA90E-688D-439D-846C-934286D60F71}"/>
-              </a:ext>
-            </a:extLst>
-          </p:cNvPr>
-          <p:cNvSpPr txBox="1"/>
-          <p:nvPr/>
-        </p:nvSpPr>
-        <p:spPr>
-          <a:xfrm>
-            <a:off x="8325259" y="900077"/>
-            <a:ext cx="2180008" cy="369332"/>
-          </a:xfrm>
-          <a:prstGeom prst="rect">
-            <a:avLst/>
-          </a:prstGeom>
-          <a:noFill/>
-        </p:spPr>
-        <p:txBody>
-          <a:bodyPr wrap="square" rtlCol="0">
-            <a:spAutoFit/>
-          </a:bodyPr>
-          <a:lstStyle/>
-          <a:p>
-            <a:pPr algn="ctr"/>
-            <a:r>
-              <a:rPr lang="en-US" b="1" dirty="0">
-                <a:solidFill>
-                  <a:schemeClr val="bg1"/>
-                </a:solidFill>
-              </a:rPr>
-              <a:t>Trang Ca </a:t>
-            </a:r>
-            <a:r>
-              <a:rPr lang="en-US" b="1" dirty="0" err="1">
-                <a:solidFill>
-                  <a:schemeClr val="bg1"/>
-                </a:solidFill>
-              </a:rPr>
-              <a:t>Sĩ</a:t>
-            </a:r>
-            <a:endParaRPr lang="en-US" b="1" dirty="0">
               <a:solidFill>
                 <a:schemeClr val="bg1"/>
               </a:solidFill>
@@ -16632,118 +18226,442 @@
                       </p:childTnLst>
                     </p:cTn>
                   </p:par>
+                </p:childTnLst>
+              </p:cTn>
+              <p:prevCondLst>
+                <p:cond evt="onPrev" delay="0">
+                  <p:tgtEl>
+                    <p:sldTgt/>
+                  </p:tgtEl>
+                </p:cond>
+              </p:prevCondLst>
+              <p:nextCondLst>
+                <p:cond evt="onNext" delay="0">
+                  <p:tgtEl>
+                    <p:sldTgt/>
+                  </p:tgtEl>
+                </p:cond>
+              </p:nextCondLst>
+            </p:seq>
+          </p:childTnLst>
+        </p:cTn>
+      </p:par>
+    </p:tnLst>
+    <p:bldLst>
+      <p:bldP spid="6" grpId="0"/>
+    </p:bldLst>
+  </p:timing>
+</p:sld>
+</file>
+
+<file path=ppt/slides/slide7.xml><?xml version="1.0" encoding="utf-8"?>
+<p:sld xmlns:a="http://schemas.openxmlformats.org/drawingml/2006/main" xmlns:r="http://schemas.openxmlformats.org/officeDocument/2006/relationships" xmlns:p="http://schemas.openxmlformats.org/presentationml/2006/main">
+  <p:cSld>
+    <p:spTree>
+      <p:nvGrpSpPr>
+        <p:cNvPr id="1" name=""/>
+        <p:cNvGrpSpPr/>
+        <p:nvPr/>
+      </p:nvGrpSpPr>
+      <p:grpSpPr>
+        <a:xfrm>
+          <a:off x="0" y="0"/>
+          <a:ext cx="0" cy="0"/>
+          <a:chOff x="0" y="0"/>
+          <a:chExt cx="0" cy="0"/>
+        </a:xfrm>
+      </p:grpSpPr>
+      <p:sp>
+        <p:nvSpPr>
+          <p:cNvPr id="3" name="Subtitle 2"/>
+          <p:cNvSpPr>
+            <a:spLocks noGrp="1"/>
+          </p:cNvSpPr>
+          <p:nvPr>
+            <p:ph type="subTitle" idx="1"/>
+          </p:nvPr>
+        </p:nvSpPr>
+        <p:spPr>
+          <a:xfrm>
+            <a:off x="1412007" y="135875"/>
+            <a:ext cx="4230167" cy="538385"/>
+          </a:xfrm>
+        </p:spPr>
+        <p:txBody>
+          <a:bodyPr>
+            <a:noAutofit/>
+          </a:bodyPr>
+          <a:lstStyle/>
+          <a:p>
+            <a:r>
+              <a:rPr lang="en-US" sz="2800" b="1" dirty="0">
+                <a:solidFill>
+                  <a:schemeClr val="bg2">
+                    <a:lumMod val="25000"/>
+                  </a:schemeClr>
+                </a:solidFill>
+              </a:rPr>
+              <a:t>4. GIAO DIỆN WEBSITE </a:t>
+            </a:r>
+          </a:p>
+        </p:txBody>
+      </p:sp>
+      <p:sp>
+        <p:nvSpPr>
+          <p:cNvPr id="7" name="Slide Number Placeholder 6"/>
+          <p:cNvSpPr>
+            <a:spLocks noGrp="1"/>
+          </p:cNvSpPr>
+          <p:nvPr>
+            <p:ph type="sldNum" sz="quarter" idx="12"/>
+          </p:nvPr>
+        </p:nvSpPr>
+        <p:spPr>
+          <a:xfrm>
+            <a:off x="9512808" y="6575171"/>
+            <a:ext cx="2743200" cy="365125"/>
+          </a:xfrm>
+        </p:spPr>
+        <p:txBody>
+          <a:bodyPr/>
+          <a:lstStyle/>
+          <a:p>
+            <a:fld id="{4F36CA6A-1BC7-4082-8420-6830934E444A}" type="slidenum">
+              <a:rPr lang="en-US" smtClean="0"/>
+              <a:t>7</a:t>
+            </a:fld>
+            <a:endParaRPr lang="en-US"/>
+          </a:p>
+        </p:txBody>
+      </p:sp>
+      <p:grpSp>
+        <p:nvGrpSpPr>
+          <p:cNvPr id="13" name="Group 12">
+            <a:extLst>
+              <a:ext uri="{FF2B5EF4-FFF2-40B4-BE49-F238E27FC236}">
+                <a16:creationId xmlns:a16="http://schemas.microsoft.com/office/drawing/2014/main" id="{27C03331-14D2-4DBC-A432-CF534AE0FE5F}"/>
+              </a:ext>
+            </a:extLst>
+          </p:cNvPr>
+          <p:cNvGrpSpPr/>
+          <p:nvPr/>
+        </p:nvGrpSpPr>
+        <p:grpSpPr>
+          <a:xfrm>
+            <a:off x="0" y="0"/>
+            <a:ext cx="1251751" cy="6858000"/>
+            <a:chOff x="0" y="0"/>
+            <a:chExt cx="1251751" cy="6858000"/>
+          </a:xfrm>
+        </p:grpSpPr>
+        <p:sp>
+          <p:nvSpPr>
+            <p:cNvPr id="14" name="Rectangle 13">
+              <a:extLst>
+                <a:ext uri="{FF2B5EF4-FFF2-40B4-BE49-F238E27FC236}">
+                  <a16:creationId xmlns:a16="http://schemas.microsoft.com/office/drawing/2014/main" id="{17E9BA23-8467-45CA-AA75-1B9582141172}"/>
+                </a:ext>
+              </a:extLst>
+            </p:cNvPr>
+            <p:cNvSpPr/>
+            <p:nvPr/>
+          </p:nvSpPr>
+          <p:spPr>
+            <a:xfrm rot="10800000">
+              <a:off x="0" y="0"/>
+              <a:ext cx="1251751" cy="6858000"/>
+            </a:xfrm>
+            <a:prstGeom prst="rect">
+              <a:avLst/>
+            </a:prstGeom>
+            <a:gradFill flip="none" rotWithShape="1">
+              <a:gsLst>
+                <a:gs pos="0">
+                  <a:schemeClr val="accent1">
+                    <a:shade val="30000"/>
+                    <a:satMod val="115000"/>
+                  </a:schemeClr>
+                </a:gs>
+                <a:gs pos="50000">
+                  <a:schemeClr val="accent1">
+                    <a:shade val="67500"/>
+                    <a:satMod val="115000"/>
+                  </a:schemeClr>
+                </a:gs>
+                <a:gs pos="100000">
+                  <a:schemeClr val="accent1">
+                    <a:shade val="100000"/>
+                    <a:satMod val="115000"/>
+                  </a:schemeClr>
+                </a:gs>
+              </a:gsLst>
+              <a:lin ang="5400000" scaled="1"/>
+              <a:tileRect/>
+            </a:gradFill>
+            <a:ln>
+              <a:solidFill>
+                <a:schemeClr val="bg1"/>
+              </a:solidFill>
+            </a:ln>
+          </p:spPr>
+          <p:style>
+            <a:lnRef idx="2">
+              <a:schemeClr val="accent1">
+                <a:shade val="50000"/>
+              </a:schemeClr>
+            </a:lnRef>
+            <a:fillRef idx="1">
+              <a:schemeClr val="accent1"/>
+            </a:fillRef>
+            <a:effectRef idx="0">
+              <a:schemeClr val="accent1"/>
+            </a:effectRef>
+            <a:fontRef idx="minor">
+              <a:schemeClr val="lt1"/>
+            </a:fontRef>
+          </p:style>
+          <p:txBody>
+            <a:bodyPr rtlCol="0" anchor="ctr"/>
+            <a:lstStyle/>
+            <a:p>
+              <a:endParaRPr lang="en-US" dirty="0"/>
+            </a:p>
+          </p:txBody>
+        </p:sp>
+        <p:pic>
+          <p:nvPicPr>
+            <p:cNvPr id="15" name="Picture 6" descr="Tập tin:Logo Dai hoc Can Tho.svg – Wikipedia tiếng Việt">
+              <a:extLst>
+                <a:ext uri="{FF2B5EF4-FFF2-40B4-BE49-F238E27FC236}">
+                  <a16:creationId xmlns:a16="http://schemas.microsoft.com/office/drawing/2014/main" id="{259F155C-A006-43DC-9789-544406A997B0}"/>
+                </a:ext>
+              </a:extLst>
+            </p:cNvPr>
+            <p:cNvPicPr>
+              <a:picLocks noChangeAspect="1" noChangeArrowheads="1"/>
+            </p:cNvPicPr>
+            <p:nvPr/>
+          </p:nvPicPr>
+          <p:blipFill>
+            <a:blip r:embed="rId2" cstate="print">
+              <a:extLst>
+                <a:ext uri="{28A0092B-C50C-407E-A947-70E740481C1C}">
+                  <a14:useLocalDpi xmlns:a14="http://schemas.microsoft.com/office/drawing/2010/main" val="0"/>
+                </a:ext>
+              </a:extLst>
+            </a:blip>
+            <a:srcRect/>
+            <a:stretch>
+              <a:fillRect/>
+            </a:stretch>
+          </p:blipFill>
+          <p:spPr bwMode="auto">
+            <a:xfrm>
+              <a:off x="62571" y="135875"/>
+              <a:ext cx="1126608" cy="1126608"/>
+            </a:xfrm>
+            <a:prstGeom prst="rect">
+              <a:avLst/>
+            </a:prstGeom>
+            <a:noFill/>
+            <a:extLst>
+              <a:ext uri="{909E8E84-426E-40DD-AFC4-6F175D3DCCD1}">
+                <a14:hiddenFill xmlns:a14="http://schemas.microsoft.com/office/drawing/2010/main">
+                  <a:solidFill>
+                    <a:srgbClr val="FFFFFF"/>
+                  </a:solidFill>
+                </a14:hiddenFill>
+              </a:ext>
+            </a:extLst>
+          </p:spPr>
+        </p:pic>
+      </p:grpSp>
+      <p:pic>
+        <p:nvPicPr>
+          <p:cNvPr id="9" name="Picture 8">
+            <a:extLst>
+              <a:ext uri="{FF2B5EF4-FFF2-40B4-BE49-F238E27FC236}">
+                <a16:creationId xmlns:a16="http://schemas.microsoft.com/office/drawing/2014/main" id="{0EDAD2C7-00AE-4CBE-B61F-B74C8D6A3121}"/>
+              </a:ext>
+            </a:extLst>
+          </p:cNvPr>
+          <p:cNvPicPr>
+            <a:picLocks noChangeAspect="1"/>
+          </p:cNvPicPr>
+          <p:nvPr/>
+        </p:nvPicPr>
+        <p:blipFill>
+          <a:blip r:embed="rId3"/>
+          <a:stretch>
+            <a:fillRect/>
+          </a:stretch>
+        </p:blipFill>
+        <p:spPr>
+          <a:xfrm>
+            <a:off x="1509603" y="822491"/>
+            <a:ext cx="10430377" cy="5106539"/>
+          </a:xfrm>
+          <a:prstGeom prst="rect">
+            <a:avLst/>
+          </a:prstGeom>
+        </p:spPr>
+      </p:pic>
+      <p:sp>
+        <p:nvSpPr>
+          <p:cNvPr id="10" name="TextBox 9">
+            <a:extLst>
+              <a:ext uri="{FF2B5EF4-FFF2-40B4-BE49-F238E27FC236}">
+                <a16:creationId xmlns:a16="http://schemas.microsoft.com/office/drawing/2014/main" id="{1ED697A8-EA3D-4013-8B50-3DB7767770D3}"/>
+              </a:ext>
+            </a:extLst>
+          </p:cNvPr>
+          <p:cNvSpPr txBox="1"/>
+          <p:nvPr/>
+        </p:nvSpPr>
+        <p:spPr>
+          <a:xfrm>
+            <a:off x="7646365" y="898021"/>
+            <a:ext cx="3036032" cy="369332"/>
+          </a:xfrm>
+          <a:prstGeom prst="rect">
+            <a:avLst/>
+          </a:prstGeom>
+          <a:noFill/>
+        </p:spPr>
+        <p:txBody>
+          <a:bodyPr wrap="square" rtlCol="0">
+            <a:spAutoFit/>
+          </a:bodyPr>
+          <a:lstStyle/>
+          <a:p>
+            <a:pPr algn="ctr"/>
+            <a:r>
+              <a:rPr lang="en-US" b="1" dirty="0">
+                <a:solidFill>
+                  <a:schemeClr val="bg1"/>
+                </a:solidFill>
+              </a:rPr>
+              <a:t>Trang </a:t>
+            </a:r>
+            <a:r>
+              <a:rPr lang="en-US" b="1" dirty="0" err="1">
+                <a:solidFill>
+                  <a:schemeClr val="bg1"/>
+                </a:solidFill>
+              </a:rPr>
+              <a:t>tìm</a:t>
+            </a:r>
+            <a:r>
+              <a:rPr lang="en-US" b="1" dirty="0">
+                <a:solidFill>
+                  <a:schemeClr val="bg1"/>
+                </a:solidFill>
+              </a:rPr>
+              <a:t> </a:t>
+            </a:r>
+            <a:r>
+              <a:rPr lang="en-US" b="1" dirty="0" err="1">
+                <a:solidFill>
+                  <a:schemeClr val="bg1"/>
+                </a:solidFill>
+              </a:rPr>
+              <a:t>kiếm</a:t>
+            </a:r>
+            <a:endParaRPr lang="en-US" b="1" dirty="0">
+              <a:solidFill>
+                <a:schemeClr val="bg1"/>
+              </a:solidFill>
+            </a:endParaRPr>
+          </a:p>
+        </p:txBody>
+      </p:sp>
+      <p:sp>
+        <p:nvSpPr>
+          <p:cNvPr id="17" name="TextBox 16">
+            <a:extLst>
+              <a:ext uri="{FF2B5EF4-FFF2-40B4-BE49-F238E27FC236}">
+                <a16:creationId xmlns:a16="http://schemas.microsoft.com/office/drawing/2014/main" id="{7D5AE594-4C2C-4931-8612-ADFEB856CBFC}"/>
+              </a:ext>
+            </a:extLst>
+          </p:cNvPr>
+          <p:cNvSpPr txBox="1"/>
+          <p:nvPr/>
+        </p:nvSpPr>
+        <p:spPr>
+          <a:xfrm>
+            <a:off x="5481918" y="6077261"/>
+            <a:ext cx="2485748" cy="400110"/>
+          </a:xfrm>
+          <a:prstGeom prst="rect">
+            <a:avLst/>
+          </a:prstGeom>
+          <a:noFill/>
+        </p:spPr>
+        <p:txBody>
+          <a:bodyPr wrap="square" rtlCol="0">
+            <a:spAutoFit/>
+          </a:bodyPr>
+          <a:lstStyle/>
+          <a:p>
+            <a:pPr algn="ctr"/>
+            <a:r>
+              <a:rPr lang="en-US" sz="2000" dirty="0" err="1"/>
+              <a:t>Tổng</a:t>
+            </a:r>
+            <a:r>
+              <a:rPr lang="en-US" sz="2000" dirty="0"/>
+              <a:t> </a:t>
+            </a:r>
+            <a:r>
+              <a:rPr lang="en-US" sz="2000" dirty="0" err="1"/>
+              <a:t>Quát</a:t>
+            </a:r>
+            <a:endParaRPr lang="en-US" sz="2000" dirty="0"/>
+          </a:p>
+        </p:txBody>
+      </p:sp>
+    </p:spTree>
+    <p:extLst>
+      <p:ext uri="{BB962C8B-B14F-4D97-AF65-F5344CB8AC3E}">
+        <p14:creationId xmlns:p14="http://schemas.microsoft.com/office/powerpoint/2010/main" val="1702882699"/>
+      </p:ext>
+    </p:extLst>
+  </p:cSld>
+  <p:clrMapOvr>
+    <a:masterClrMapping/>
+  </p:clrMapOvr>
+  <p:transition spd="slow">
+    <p:push dir="u"/>
+  </p:transition>
+  <p:timing>
+    <p:tnLst>
+      <p:par>
+        <p:cTn id="1" dur="indefinite" restart="never" nodeType="tmRoot">
+          <p:childTnLst>
+            <p:seq concurrent="1" nextAc="seek">
+              <p:cTn id="2" dur="indefinite" nodeType="mainSeq">
+                <p:childTnLst>
                   <p:par>
-                    <p:cTn id="14" fill="hold">
+                    <p:cTn id="3" fill="hold">
                       <p:stCondLst>
                         <p:cond delay="indefinite"/>
                       </p:stCondLst>
                       <p:childTnLst>
                         <p:par>
-                          <p:cTn id="15" fill="hold">
+                          <p:cTn id="4" fill="hold">
                             <p:stCondLst>
                               <p:cond delay="0"/>
                             </p:stCondLst>
                             <p:childTnLst>
                               <p:par>
-                                <p:cTn id="16" presetID="2" presetClass="exit" presetSubtype="4" fill="hold" nodeType="clickEffect">
-                                  <p:stCondLst>
-                                    <p:cond delay="0"/>
-                                  </p:stCondLst>
-                                  <p:childTnLst>
-                                    <p:anim calcmode="lin" valueType="num">
-                                      <p:cBhvr additive="base">
-                                        <p:cTn id="17" dur="500"/>
-                                        <p:tgtEl>
-                                          <p:spTgt spid="5"/>
-                                        </p:tgtEl>
-                                        <p:attrNameLst>
-                                          <p:attrName>ppt_x</p:attrName>
-                                        </p:attrNameLst>
-                                      </p:cBhvr>
-                                      <p:tavLst>
-                                        <p:tav tm="0">
-                                          <p:val>
-                                            <p:strVal val="ppt_x"/>
-                                          </p:val>
-                                        </p:tav>
-                                        <p:tav tm="100000">
-                                          <p:val>
-                                            <p:strVal val="ppt_x"/>
-                                          </p:val>
-                                        </p:tav>
-                                      </p:tavLst>
-                                    </p:anim>
-                                    <p:anim calcmode="lin" valueType="num">
-                                      <p:cBhvr additive="base">
-                                        <p:cTn id="18" dur="500"/>
-                                        <p:tgtEl>
-                                          <p:spTgt spid="5"/>
-                                        </p:tgtEl>
-                                        <p:attrNameLst>
-                                          <p:attrName>ppt_y</p:attrName>
-                                        </p:attrNameLst>
-                                      </p:cBhvr>
-                                      <p:tavLst>
-                                        <p:tav tm="0">
-                                          <p:val>
-                                            <p:strVal val="ppt_y"/>
-                                          </p:val>
-                                        </p:tav>
-                                        <p:tav tm="100000">
-                                          <p:val>
-                                            <p:strVal val="1+ppt_h/2"/>
-                                          </p:val>
-                                        </p:tav>
-                                      </p:tavLst>
-                                    </p:anim>
-                                    <p:set>
-                                      <p:cBhvr>
-                                        <p:cTn id="19" dur="1" fill="hold">
-                                          <p:stCondLst>
-                                            <p:cond delay="499"/>
-                                          </p:stCondLst>
-                                        </p:cTn>
-                                        <p:tgtEl>
-                                          <p:spTgt spid="5"/>
-                                        </p:tgtEl>
-                                        <p:attrNameLst>
-                                          <p:attrName>style.visibility</p:attrName>
-                                        </p:attrNameLst>
-                                      </p:cBhvr>
-                                      <p:to>
-                                        <p:strVal val="hidden"/>
-                                      </p:to>
-                                    </p:set>
-                                  </p:childTnLst>
-                                </p:cTn>
-                              </p:par>
-                            </p:childTnLst>
-                          </p:cTn>
-                        </p:par>
-                      </p:childTnLst>
-                    </p:cTn>
-                  </p:par>
-                  <p:par>
-                    <p:cTn id="20" fill="hold">
-                      <p:stCondLst>
-                        <p:cond delay="indefinite"/>
-                      </p:stCondLst>
-                      <p:childTnLst>
-                        <p:par>
-                          <p:cTn id="21" fill="hold">
-                            <p:stCondLst>
-                              <p:cond delay="0"/>
-                            </p:stCondLst>
-                            <p:childTnLst>
-                              <p:par>
-                                <p:cTn id="22" presetID="2" presetClass="entr" presetSubtype="4" fill="hold" nodeType="clickEffect">
+                                <p:cTn id="5" presetID="2" presetClass="entr" presetSubtype="4" fill="hold" nodeType="clickEffect">
                                   <p:stCondLst>
                                     <p:cond delay="0"/>
                                   </p:stCondLst>
                                   <p:childTnLst>
                                     <p:set>
                                       <p:cBhvr>
-                                        <p:cTn id="23" dur="1" fill="hold">
+                                        <p:cTn id="6" dur="1" fill="hold">
                                           <p:stCondLst>
                                             <p:cond delay="0"/>
                                           </p:stCondLst>
@@ -16761,7 +18679,7 @@
                                     </p:set>
                                     <p:anim calcmode="lin" valueType="num">
                                       <p:cBhvr additive="base">
-                                        <p:cTn id="24" dur="500" fill="hold"/>
+                                        <p:cTn id="7" dur="500" fill="hold"/>
                                         <p:tgtEl>
                                           <p:spTgt spid="9"/>
                                         </p:tgtEl>
@@ -16784,7 +18702,7 @@
                                     </p:anim>
                                     <p:anim calcmode="lin" valueType="num">
                                       <p:cBhvr additive="base">
-                                        <p:cTn id="25" dur="500" fill="hold"/>
+                                        <p:cTn id="8" dur="500" fill="hold"/>
                                         <p:tgtEl>
                                           <p:spTgt spid="9"/>
                                         </p:tgtEl>
@@ -16812,20 +18730,20 @@
                           </p:cTn>
                         </p:par>
                         <p:par>
-                          <p:cTn id="26" fill="hold">
+                          <p:cTn id="9" fill="hold">
                             <p:stCondLst>
                               <p:cond delay="500"/>
                             </p:stCondLst>
                             <p:childTnLst>
                               <p:par>
-                                <p:cTn id="27" presetID="2" presetClass="entr" presetSubtype="4" fill="hold" grpId="0" nodeType="afterEffect">
+                                <p:cTn id="10" presetID="2" presetClass="entr" presetSubtype="4" fill="hold" grpId="0" nodeType="afterEffect">
                                   <p:stCondLst>
                                     <p:cond delay="0"/>
                                   </p:stCondLst>
                                   <p:childTnLst>
                                     <p:set>
                                       <p:cBhvr>
-                                        <p:cTn id="28" dur="1" fill="hold">
+                                        <p:cTn id="11" dur="1" fill="hold">
                                           <p:stCondLst>
                                             <p:cond delay="0"/>
                                           </p:stCondLst>
@@ -16843,7 +18761,7 @@
                                     </p:set>
                                     <p:anim calcmode="lin" valueType="num">
                                       <p:cBhvr additive="base">
-                                        <p:cTn id="29" dur="500" fill="hold"/>
+                                        <p:cTn id="12" dur="500" fill="hold"/>
                                         <p:tgtEl>
                                           <p:spTgt spid="10"/>
                                         </p:tgtEl>
@@ -16866,7 +18784,7 @@
                                     </p:anim>
                                     <p:anim calcmode="lin" valueType="num">
                                       <p:cBhvr additive="base">
-                                        <p:cTn id="30" dur="500" fill="hold"/>
+                                        <p:cTn id="13" dur="500" fill="hold"/>
                                         <p:tgtEl>
                                           <p:spTgt spid="10"/>
                                         </p:tgtEl>
@@ -16896,118 +18814,426 @@
                       </p:childTnLst>
                     </p:cTn>
                   </p:par>
+                </p:childTnLst>
+              </p:cTn>
+              <p:prevCondLst>
+                <p:cond evt="onPrev" delay="0">
+                  <p:tgtEl>
+                    <p:sldTgt/>
+                  </p:tgtEl>
+                </p:cond>
+              </p:prevCondLst>
+              <p:nextCondLst>
+                <p:cond evt="onNext" delay="0">
+                  <p:tgtEl>
+                    <p:sldTgt/>
+                  </p:tgtEl>
+                </p:cond>
+              </p:nextCondLst>
+            </p:seq>
+          </p:childTnLst>
+        </p:cTn>
+      </p:par>
+    </p:tnLst>
+    <p:bldLst>
+      <p:bldP spid="10" grpId="0"/>
+    </p:bldLst>
+  </p:timing>
+</p:sld>
+</file>
+
+<file path=ppt/slides/slide8.xml><?xml version="1.0" encoding="utf-8"?>
+<p:sld xmlns:a="http://schemas.openxmlformats.org/drawingml/2006/main" xmlns:r="http://schemas.openxmlformats.org/officeDocument/2006/relationships" xmlns:p="http://schemas.openxmlformats.org/presentationml/2006/main">
+  <p:cSld>
+    <p:spTree>
+      <p:nvGrpSpPr>
+        <p:cNvPr id="1" name=""/>
+        <p:cNvGrpSpPr/>
+        <p:nvPr/>
+      </p:nvGrpSpPr>
+      <p:grpSpPr>
+        <a:xfrm>
+          <a:off x="0" y="0"/>
+          <a:ext cx="0" cy="0"/>
+          <a:chOff x="0" y="0"/>
+          <a:chExt cx="0" cy="0"/>
+        </a:xfrm>
+      </p:grpSpPr>
+      <p:sp>
+        <p:nvSpPr>
+          <p:cNvPr id="3" name="Subtitle 2"/>
+          <p:cNvSpPr>
+            <a:spLocks noGrp="1"/>
+          </p:cNvSpPr>
+          <p:nvPr>
+            <p:ph type="subTitle" idx="1"/>
+          </p:nvPr>
+        </p:nvSpPr>
+        <p:spPr>
+          <a:xfrm>
+            <a:off x="1412007" y="135875"/>
+            <a:ext cx="4230167" cy="538385"/>
+          </a:xfrm>
+        </p:spPr>
+        <p:txBody>
+          <a:bodyPr>
+            <a:noAutofit/>
+          </a:bodyPr>
+          <a:lstStyle/>
+          <a:p>
+            <a:r>
+              <a:rPr lang="en-US" sz="2800" b="1" dirty="0">
+                <a:solidFill>
+                  <a:schemeClr val="bg2">
+                    <a:lumMod val="25000"/>
+                  </a:schemeClr>
+                </a:solidFill>
+              </a:rPr>
+              <a:t>4. GIAO DIỆN WEBSITE </a:t>
+            </a:r>
+          </a:p>
+        </p:txBody>
+      </p:sp>
+      <p:sp>
+        <p:nvSpPr>
+          <p:cNvPr id="7" name="Slide Number Placeholder 6"/>
+          <p:cNvSpPr>
+            <a:spLocks noGrp="1"/>
+          </p:cNvSpPr>
+          <p:nvPr>
+            <p:ph type="sldNum" sz="quarter" idx="12"/>
+          </p:nvPr>
+        </p:nvSpPr>
+        <p:spPr>
+          <a:xfrm>
+            <a:off x="9512808" y="6575171"/>
+            <a:ext cx="2743200" cy="365125"/>
+          </a:xfrm>
+        </p:spPr>
+        <p:txBody>
+          <a:bodyPr/>
+          <a:lstStyle/>
+          <a:p>
+            <a:fld id="{4F36CA6A-1BC7-4082-8420-6830934E444A}" type="slidenum">
+              <a:rPr lang="en-US" smtClean="0"/>
+              <a:t>8</a:t>
+            </a:fld>
+            <a:endParaRPr lang="en-US"/>
+          </a:p>
+        </p:txBody>
+      </p:sp>
+      <p:grpSp>
+        <p:nvGrpSpPr>
+          <p:cNvPr id="13" name="Group 12">
+            <a:extLst>
+              <a:ext uri="{FF2B5EF4-FFF2-40B4-BE49-F238E27FC236}">
+                <a16:creationId xmlns:a16="http://schemas.microsoft.com/office/drawing/2014/main" id="{27C03331-14D2-4DBC-A432-CF534AE0FE5F}"/>
+              </a:ext>
+            </a:extLst>
+          </p:cNvPr>
+          <p:cNvGrpSpPr/>
+          <p:nvPr/>
+        </p:nvGrpSpPr>
+        <p:grpSpPr>
+          <a:xfrm>
+            <a:off x="0" y="0"/>
+            <a:ext cx="1251751" cy="6858000"/>
+            <a:chOff x="0" y="0"/>
+            <a:chExt cx="1251751" cy="6858000"/>
+          </a:xfrm>
+        </p:grpSpPr>
+        <p:sp>
+          <p:nvSpPr>
+            <p:cNvPr id="14" name="Rectangle 13">
+              <a:extLst>
+                <a:ext uri="{FF2B5EF4-FFF2-40B4-BE49-F238E27FC236}">
+                  <a16:creationId xmlns:a16="http://schemas.microsoft.com/office/drawing/2014/main" id="{17E9BA23-8467-45CA-AA75-1B9582141172}"/>
+                </a:ext>
+              </a:extLst>
+            </p:cNvPr>
+            <p:cNvSpPr/>
+            <p:nvPr/>
+          </p:nvSpPr>
+          <p:spPr>
+            <a:xfrm rot="10800000">
+              <a:off x="0" y="0"/>
+              <a:ext cx="1251751" cy="6858000"/>
+            </a:xfrm>
+            <a:prstGeom prst="rect">
+              <a:avLst/>
+            </a:prstGeom>
+            <a:gradFill flip="none" rotWithShape="1">
+              <a:gsLst>
+                <a:gs pos="0">
+                  <a:schemeClr val="accent1">
+                    <a:shade val="30000"/>
+                    <a:satMod val="115000"/>
+                  </a:schemeClr>
+                </a:gs>
+                <a:gs pos="50000">
+                  <a:schemeClr val="accent1">
+                    <a:shade val="67500"/>
+                    <a:satMod val="115000"/>
+                  </a:schemeClr>
+                </a:gs>
+                <a:gs pos="100000">
+                  <a:schemeClr val="accent1">
+                    <a:shade val="100000"/>
+                    <a:satMod val="115000"/>
+                  </a:schemeClr>
+                </a:gs>
+              </a:gsLst>
+              <a:lin ang="5400000" scaled="1"/>
+              <a:tileRect/>
+            </a:gradFill>
+            <a:ln>
+              <a:solidFill>
+                <a:schemeClr val="bg1"/>
+              </a:solidFill>
+            </a:ln>
+          </p:spPr>
+          <p:style>
+            <a:lnRef idx="2">
+              <a:schemeClr val="accent1">
+                <a:shade val="50000"/>
+              </a:schemeClr>
+            </a:lnRef>
+            <a:fillRef idx="1">
+              <a:schemeClr val="accent1"/>
+            </a:fillRef>
+            <a:effectRef idx="0">
+              <a:schemeClr val="accent1"/>
+            </a:effectRef>
+            <a:fontRef idx="minor">
+              <a:schemeClr val="lt1"/>
+            </a:fontRef>
+          </p:style>
+          <p:txBody>
+            <a:bodyPr rtlCol="0" anchor="ctr"/>
+            <a:lstStyle/>
+            <a:p>
+              <a:endParaRPr lang="en-US" dirty="0"/>
+            </a:p>
+          </p:txBody>
+        </p:sp>
+        <p:pic>
+          <p:nvPicPr>
+            <p:cNvPr id="15" name="Picture 6" descr="Tập tin:Logo Dai hoc Can Tho.svg – Wikipedia tiếng Việt">
+              <a:extLst>
+                <a:ext uri="{FF2B5EF4-FFF2-40B4-BE49-F238E27FC236}">
+                  <a16:creationId xmlns:a16="http://schemas.microsoft.com/office/drawing/2014/main" id="{259F155C-A006-43DC-9789-544406A997B0}"/>
+                </a:ext>
+              </a:extLst>
+            </p:cNvPr>
+            <p:cNvPicPr>
+              <a:picLocks noChangeAspect="1" noChangeArrowheads="1"/>
+            </p:cNvPicPr>
+            <p:nvPr/>
+          </p:nvPicPr>
+          <p:blipFill>
+            <a:blip r:embed="rId2" cstate="print">
+              <a:extLst>
+                <a:ext uri="{28A0092B-C50C-407E-A947-70E740481C1C}">
+                  <a14:useLocalDpi xmlns:a14="http://schemas.microsoft.com/office/drawing/2010/main" val="0"/>
+                </a:ext>
+              </a:extLst>
+            </a:blip>
+            <a:srcRect/>
+            <a:stretch>
+              <a:fillRect/>
+            </a:stretch>
+          </p:blipFill>
+          <p:spPr bwMode="auto">
+            <a:xfrm>
+              <a:off x="62571" y="135875"/>
+              <a:ext cx="1126608" cy="1126608"/>
+            </a:xfrm>
+            <a:prstGeom prst="rect">
+              <a:avLst/>
+            </a:prstGeom>
+            <a:noFill/>
+            <a:extLst>
+              <a:ext uri="{909E8E84-426E-40DD-AFC4-6F175D3DCCD1}">
+                <a14:hiddenFill xmlns:a14="http://schemas.microsoft.com/office/drawing/2010/main">
+                  <a:solidFill>
+                    <a:srgbClr val="FFFFFF"/>
+                  </a:solidFill>
+                </a14:hiddenFill>
+              </a:ext>
+            </a:extLst>
+          </p:spPr>
+        </p:pic>
+      </p:grpSp>
+      <p:pic>
+        <p:nvPicPr>
+          <p:cNvPr id="12" name="Picture 11">
+            <a:extLst>
+              <a:ext uri="{FF2B5EF4-FFF2-40B4-BE49-F238E27FC236}">
+                <a16:creationId xmlns:a16="http://schemas.microsoft.com/office/drawing/2014/main" id="{A19AE919-C343-4438-905A-6015D258D91D}"/>
+              </a:ext>
+            </a:extLst>
+          </p:cNvPr>
+          <p:cNvPicPr>
+            <a:picLocks noChangeAspect="1"/>
+          </p:cNvPicPr>
+          <p:nvPr/>
+        </p:nvPicPr>
+        <p:blipFill>
+          <a:blip r:embed="rId3"/>
+          <a:stretch>
+            <a:fillRect/>
+          </a:stretch>
+        </p:blipFill>
+        <p:spPr>
+          <a:xfrm>
+            <a:off x="1509603" y="822491"/>
+            <a:ext cx="10430378" cy="5106539"/>
+          </a:xfrm>
+          <a:prstGeom prst="rect">
+            <a:avLst/>
+          </a:prstGeom>
+        </p:spPr>
+      </p:pic>
+      <p:sp>
+        <p:nvSpPr>
+          <p:cNvPr id="16" name="TextBox 15">
+            <a:extLst>
+              <a:ext uri="{FF2B5EF4-FFF2-40B4-BE49-F238E27FC236}">
+                <a16:creationId xmlns:a16="http://schemas.microsoft.com/office/drawing/2014/main" id="{37DAA90E-688D-439D-846C-934286D60F71}"/>
+              </a:ext>
+            </a:extLst>
+          </p:cNvPr>
+          <p:cNvSpPr txBox="1"/>
+          <p:nvPr/>
+        </p:nvSpPr>
+        <p:spPr>
+          <a:xfrm>
+            <a:off x="5862886" y="862599"/>
+            <a:ext cx="2180008" cy="369332"/>
+          </a:xfrm>
+          <a:prstGeom prst="rect">
+            <a:avLst/>
+          </a:prstGeom>
+          <a:noFill/>
+        </p:spPr>
+        <p:txBody>
+          <a:bodyPr wrap="square" rtlCol="0">
+            <a:spAutoFit/>
+          </a:bodyPr>
+          <a:lstStyle/>
+          <a:p>
+            <a:pPr algn="ctr"/>
+            <a:r>
+              <a:rPr lang="en-US" b="1" dirty="0">
+                <a:solidFill>
+                  <a:schemeClr val="bg1"/>
+                </a:solidFill>
+              </a:rPr>
+              <a:t>Trang Ca </a:t>
+            </a:r>
+            <a:r>
+              <a:rPr lang="en-US" b="1" dirty="0" err="1">
+                <a:solidFill>
+                  <a:schemeClr val="bg1"/>
+                </a:solidFill>
+              </a:rPr>
+              <a:t>Sĩ</a:t>
+            </a:r>
+            <a:endParaRPr lang="en-US" b="1" dirty="0">
+              <a:solidFill>
+                <a:schemeClr val="bg1"/>
+              </a:solidFill>
+            </a:endParaRPr>
+          </a:p>
+        </p:txBody>
+      </p:sp>
+      <p:sp>
+        <p:nvSpPr>
+          <p:cNvPr id="17" name="TextBox 16">
+            <a:extLst>
+              <a:ext uri="{FF2B5EF4-FFF2-40B4-BE49-F238E27FC236}">
+                <a16:creationId xmlns:a16="http://schemas.microsoft.com/office/drawing/2014/main" id="{7D5AE594-4C2C-4931-8612-ADFEB856CBFC}"/>
+              </a:ext>
+            </a:extLst>
+          </p:cNvPr>
+          <p:cNvSpPr txBox="1"/>
+          <p:nvPr/>
+        </p:nvSpPr>
+        <p:spPr>
+          <a:xfrm>
+            <a:off x="5481918" y="6077261"/>
+            <a:ext cx="2485748" cy="400110"/>
+          </a:xfrm>
+          <a:prstGeom prst="rect">
+            <a:avLst/>
+          </a:prstGeom>
+          <a:noFill/>
+        </p:spPr>
+        <p:txBody>
+          <a:bodyPr wrap="square" rtlCol="0">
+            <a:spAutoFit/>
+          </a:bodyPr>
+          <a:lstStyle/>
+          <a:p>
+            <a:pPr algn="ctr"/>
+            <a:r>
+              <a:rPr lang="en-US" sz="2000" dirty="0" err="1"/>
+              <a:t>Tổng</a:t>
+            </a:r>
+            <a:r>
+              <a:rPr lang="en-US" sz="2000" dirty="0"/>
+              <a:t> </a:t>
+            </a:r>
+            <a:r>
+              <a:rPr lang="en-US" sz="2000" dirty="0" err="1"/>
+              <a:t>Quát</a:t>
+            </a:r>
+            <a:endParaRPr lang="en-US" sz="2000" dirty="0"/>
+          </a:p>
+        </p:txBody>
+      </p:sp>
+    </p:spTree>
+    <p:extLst>
+      <p:ext uri="{BB962C8B-B14F-4D97-AF65-F5344CB8AC3E}">
+        <p14:creationId xmlns:p14="http://schemas.microsoft.com/office/powerpoint/2010/main" val="3931858208"/>
+      </p:ext>
+    </p:extLst>
+  </p:cSld>
+  <p:clrMapOvr>
+    <a:masterClrMapping/>
+  </p:clrMapOvr>
+  <p:transition spd="slow">
+    <p:push dir="u"/>
+  </p:transition>
+  <p:timing>
+    <p:tnLst>
+      <p:par>
+        <p:cTn id="1" dur="indefinite" restart="never" nodeType="tmRoot">
+          <p:childTnLst>
+            <p:seq concurrent="1" nextAc="seek">
+              <p:cTn id="2" dur="indefinite" nodeType="mainSeq">
+                <p:childTnLst>
                   <p:par>
-                    <p:cTn id="31" fill="hold">
+                    <p:cTn id="3" fill="hold">
                       <p:stCondLst>
                         <p:cond delay="indefinite"/>
                       </p:stCondLst>
                       <p:childTnLst>
                         <p:par>
-                          <p:cTn id="32" fill="hold">
+                          <p:cTn id="4" fill="hold">
                             <p:stCondLst>
                               <p:cond delay="0"/>
                             </p:stCondLst>
                             <p:childTnLst>
                               <p:par>
-                                <p:cTn id="33" presetID="2" presetClass="exit" presetSubtype="4" fill="hold" nodeType="clickEffect">
-                                  <p:stCondLst>
-                                    <p:cond delay="0"/>
-                                  </p:stCondLst>
-                                  <p:childTnLst>
-                                    <p:anim calcmode="lin" valueType="num">
-                                      <p:cBhvr additive="base">
-                                        <p:cTn id="34" dur="500"/>
-                                        <p:tgtEl>
-                                          <p:spTgt spid="9"/>
-                                        </p:tgtEl>
-                                        <p:attrNameLst>
-                                          <p:attrName>ppt_x</p:attrName>
-                                        </p:attrNameLst>
-                                      </p:cBhvr>
-                                      <p:tavLst>
-                                        <p:tav tm="0">
-                                          <p:val>
-                                            <p:strVal val="ppt_x"/>
-                                          </p:val>
-                                        </p:tav>
-                                        <p:tav tm="100000">
-                                          <p:val>
-                                            <p:strVal val="ppt_x"/>
-                                          </p:val>
-                                        </p:tav>
-                                      </p:tavLst>
-                                    </p:anim>
-                                    <p:anim calcmode="lin" valueType="num">
-                                      <p:cBhvr additive="base">
-                                        <p:cTn id="35" dur="500"/>
-                                        <p:tgtEl>
-                                          <p:spTgt spid="9"/>
-                                        </p:tgtEl>
-                                        <p:attrNameLst>
-                                          <p:attrName>ppt_y</p:attrName>
-                                        </p:attrNameLst>
-                                      </p:cBhvr>
-                                      <p:tavLst>
-                                        <p:tav tm="0">
-                                          <p:val>
-                                            <p:strVal val="ppt_y"/>
-                                          </p:val>
-                                        </p:tav>
-                                        <p:tav tm="100000">
-                                          <p:val>
-                                            <p:strVal val="1+ppt_h/2"/>
-                                          </p:val>
-                                        </p:tav>
-                                      </p:tavLst>
-                                    </p:anim>
-                                    <p:set>
-                                      <p:cBhvr>
-                                        <p:cTn id="36" dur="1" fill="hold">
-                                          <p:stCondLst>
-                                            <p:cond delay="499"/>
-                                          </p:stCondLst>
-                                        </p:cTn>
-                                        <p:tgtEl>
-                                          <p:spTgt spid="9"/>
-                                        </p:tgtEl>
-                                        <p:attrNameLst>
-                                          <p:attrName>style.visibility</p:attrName>
-                                        </p:attrNameLst>
-                                      </p:cBhvr>
-                                      <p:to>
-                                        <p:strVal val="hidden"/>
-                                      </p:to>
-                                    </p:set>
-                                  </p:childTnLst>
-                                </p:cTn>
-                              </p:par>
-                            </p:childTnLst>
-                          </p:cTn>
-                        </p:par>
-                      </p:childTnLst>
-                    </p:cTn>
-                  </p:par>
-                  <p:par>
-                    <p:cTn id="37" fill="hold">
-                      <p:stCondLst>
-                        <p:cond delay="indefinite"/>
-                      </p:stCondLst>
-                      <p:childTnLst>
-                        <p:par>
-                          <p:cTn id="38" fill="hold">
-                            <p:stCondLst>
-                              <p:cond delay="0"/>
-                            </p:stCondLst>
-                            <p:childTnLst>
-                              <p:par>
-                                <p:cTn id="39" presetID="2" presetClass="entr" presetSubtype="4" fill="hold" nodeType="clickEffect">
+                                <p:cTn id="5" presetID="2" presetClass="entr" presetSubtype="4" fill="hold" nodeType="clickEffect">
                                   <p:stCondLst>
                                     <p:cond delay="0"/>
                                   </p:stCondLst>
                                   <p:childTnLst>
                                     <p:set>
                                       <p:cBhvr>
-                                        <p:cTn id="40" dur="1" fill="hold">
+                                        <p:cTn id="6" dur="1" fill="hold">
                                           <p:stCondLst>
                                             <p:cond delay="0"/>
                                           </p:stCondLst>
@@ -17025,7 +19251,7 @@
                                     </p:set>
                                     <p:anim calcmode="lin" valueType="num">
                                       <p:cBhvr additive="base">
-                                        <p:cTn id="41" dur="500" fill="hold"/>
+                                        <p:cTn id="7" dur="500" fill="hold"/>
                                         <p:tgtEl>
                                           <p:spTgt spid="12"/>
                                         </p:tgtEl>
@@ -17048,7 +19274,7 @@
                                     </p:anim>
                                     <p:anim calcmode="lin" valueType="num">
                                       <p:cBhvr additive="base">
-                                        <p:cTn id="42" dur="500" fill="hold"/>
+                                        <p:cTn id="8" dur="500" fill="hold"/>
                                         <p:tgtEl>
                                           <p:spTgt spid="12"/>
                                         </p:tgtEl>
@@ -17076,20 +19302,20 @@
                           </p:cTn>
                         </p:par>
                         <p:par>
-                          <p:cTn id="43" fill="hold">
+                          <p:cTn id="9" fill="hold">
                             <p:stCondLst>
                               <p:cond delay="500"/>
                             </p:stCondLst>
                             <p:childTnLst>
                               <p:par>
-                                <p:cTn id="44" presetID="2" presetClass="entr" presetSubtype="4" fill="hold" grpId="0" nodeType="afterEffect">
+                                <p:cTn id="10" presetID="2" presetClass="entr" presetSubtype="4" fill="hold" grpId="0" nodeType="afterEffect">
                                   <p:stCondLst>
                                     <p:cond delay="0"/>
                                   </p:stCondLst>
                                   <p:childTnLst>
                                     <p:set>
                                       <p:cBhvr>
-                                        <p:cTn id="45" dur="1" fill="hold">
+                                        <p:cTn id="11" dur="1" fill="hold">
                                           <p:stCondLst>
                                             <p:cond delay="0"/>
                                           </p:stCondLst>
@@ -17107,7 +19333,7 @@
                                     </p:set>
                                     <p:anim calcmode="lin" valueType="num">
                                       <p:cBhvr additive="base">
-                                        <p:cTn id="46" dur="500" fill="hold"/>
+                                        <p:cTn id="12" dur="500" fill="hold"/>
                                         <p:tgtEl>
                                           <p:spTgt spid="16"/>
                                         </p:tgtEl>
@@ -17130,7 +19356,7 @@
                                     </p:anim>
                                     <p:anim calcmode="lin" valueType="num">
                                       <p:cBhvr additive="base">
-                                        <p:cTn id="47" dur="500" fill="hold"/>
+                                        <p:cTn id="13" dur="500" fill="hold"/>
                                         <p:tgtEl>
                                           <p:spTgt spid="16"/>
                                         </p:tgtEl>
@@ -17182,15 +19408,13 @@
       </p:par>
     </p:tnLst>
     <p:bldLst>
-      <p:bldP spid="6" grpId="0"/>
-      <p:bldP spid="10" grpId="0"/>
       <p:bldP spid="16" grpId="0"/>
     </p:bldLst>
   </p:timing>
 </p:sld>
 </file>
 
-<file path=ppt/slides/slide7.xml><?xml version="1.0" encoding="utf-8"?>
+<file path=ppt/slides/slide9.xml><?xml version="1.0" encoding="utf-8"?>
 <p:sld xmlns:a="http://schemas.openxmlformats.org/drawingml/2006/main" xmlns:r="http://schemas.openxmlformats.org/officeDocument/2006/relationships" xmlns:p="http://schemas.openxmlformats.org/presentationml/2006/main">
   <p:cSld>
     <p:spTree>
@@ -17264,7 +19488,7 @@
           <a:p>
             <a:fld id="{4F36CA6A-1BC7-4082-8420-6830934E444A}" type="slidenum">
               <a:rPr lang="en-US" smtClean="0"/>
-              <a:t>7</a:t>
+              <a:t>9</a:t>
             </a:fld>
             <a:endParaRPr lang="en-US"/>
           </a:p>
@@ -18558,2199 +20782,6 @@
 </p:sld>
 </file>
 
-<file path=ppt/slides/slide8.xml><?xml version="1.0" encoding="utf-8"?>
-<p:sld xmlns:a="http://schemas.openxmlformats.org/drawingml/2006/main" xmlns:r="http://schemas.openxmlformats.org/officeDocument/2006/relationships" xmlns:p="http://schemas.openxmlformats.org/presentationml/2006/main">
-  <p:cSld>
-    <p:spTree>
-      <p:nvGrpSpPr>
-        <p:cNvPr id="1" name=""/>
-        <p:cNvGrpSpPr/>
-        <p:nvPr/>
-      </p:nvGrpSpPr>
-      <p:grpSpPr>
-        <a:xfrm>
-          <a:off x="0" y="0"/>
-          <a:ext cx="0" cy="0"/>
-          <a:chOff x="0" y="0"/>
-          <a:chExt cx="0" cy="0"/>
-        </a:xfrm>
-      </p:grpSpPr>
-      <p:sp>
-        <p:nvSpPr>
-          <p:cNvPr id="3" name="Subtitle 2"/>
-          <p:cNvSpPr>
-            <a:spLocks noGrp="1"/>
-          </p:cNvSpPr>
-          <p:nvPr>
-            <p:ph type="subTitle" idx="1"/>
-          </p:nvPr>
-        </p:nvSpPr>
-        <p:spPr>
-          <a:xfrm>
-            <a:off x="1251751" y="262671"/>
-            <a:ext cx="4230167" cy="538385"/>
-          </a:xfrm>
-        </p:spPr>
-        <p:txBody>
-          <a:bodyPr>
-            <a:noAutofit/>
-          </a:bodyPr>
-          <a:lstStyle/>
-          <a:p>
-            <a:r>
-              <a:rPr lang="en-US" sz="2800" b="1" dirty="0">
-                <a:solidFill>
-                  <a:schemeClr val="bg2">
-                    <a:lumMod val="25000"/>
-                  </a:schemeClr>
-                </a:solidFill>
-              </a:rPr>
-              <a:t>4. GIAO DIỆN WEBSITE</a:t>
-            </a:r>
-          </a:p>
-        </p:txBody>
-      </p:sp>
-      <p:sp>
-        <p:nvSpPr>
-          <p:cNvPr id="8" name="Slide Number Placeholder 7"/>
-          <p:cNvSpPr>
-            <a:spLocks noGrp="1"/>
-          </p:cNvSpPr>
-          <p:nvPr>
-            <p:ph type="sldNum" sz="quarter" idx="12"/>
-          </p:nvPr>
-        </p:nvSpPr>
-        <p:spPr>
-          <a:xfrm>
-            <a:off x="9503664" y="6575171"/>
-            <a:ext cx="2743200" cy="365125"/>
-          </a:xfrm>
-        </p:spPr>
-        <p:txBody>
-          <a:bodyPr/>
-          <a:lstStyle/>
-          <a:p>
-            <a:fld id="{4F36CA6A-1BC7-4082-8420-6830934E444A}" type="slidenum">
-              <a:rPr lang="en-US" smtClean="0"/>
-              <a:t>8</a:t>
-            </a:fld>
-            <a:endParaRPr lang="en-US"/>
-          </a:p>
-        </p:txBody>
-      </p:sp>
-      <p:grpSp>
-        <p:nvGrpSpPr>
-          <p:cNvPr id="12" name="Group 11">
-            <a:extLst>
-              <a:ext uri="{FF2B5EF4-FFF2-40B4-BE49-F238E27FC236}">
-                <a16:creationId xmlns:a16="http://schemas.microsoft.com/office/drawing/2014/main" id="{345FFF30-BA1A-40CC-98C8-582B37874F34}"/>
-              </a:ext>
-            </a:extLst>
-          </p:cNvPr>
-          <p:cNvGrpSpPr/>
-          <p:nvPr/>
-        </p:nvGrpSpPr>
-        <p:grpSpPr>
-          <a:xfrm>
-            <a:off x="0" y="0"/>
-            <a:ext cx="1251751" cy="6858000"/>
-            <a:chOff x="0" y="0"/>
-            <a:chExt cx="1251751" cy="6858000"/>
-          </a:xfrm>
-        </p:grpSpPr>
-        <p:sp>
-          <p:nvSpPr>
-            <p:cNvPr id="13" name="Rectangle 12">
-              <a:extLst>
-                <a:ext uri="{FF2B5EF4-FFF2-40B4-BE49-F238E27FC236}">
-                  <a16:creationId xmlns:a16="http://schemas.microsoft.com/office/drawing/2014/main" id="{CC3E82D8-4F54-4227-A8ED-1D7275B88F04}"/>
-                </a:ext>
-              </a:extLst>
-            </p:cNvPr>
-            <p:cNvSpPr/>
-            <p:nvPr/>
-          </p:nvSpPr>
-          <p:spPr>
-            <a:xfrm rot="10800000">
-              <a:off x="0" y="0"/>
-              <a:ext cx="1251751" cy="6858000"/>
-            </a:xfrm>
-            <a:prstGeom prst="rect">
-              <a:avLst/>
-            </a:prstGeom>
-            <a:gradFill flip="none" rotWithShape="1">
-              <a:gsLst>
-                <a:gs pos="0">
-                  <a:schemeClr val="accent1">
-                    <a:shade val="30000"/>
-                    <a:satMod val="115000"/>
-                  </a:schemeClr>
-                </a:gs>
-                <a:gs pos="50000">
-                  <a:schemeClr val="accent1">
-                    <a:shade val="67500"/>
-                    <a:satMod val="115000"/>
-                  </a:schemeClr>
-                </a:gs>
-                <a:gs pos="100000">
-                  <a:schemeClr val="accent1">
-                    <a:shade val="100000"/>
-                    <a:satMod val="115000"/>
-                  </a:schemeClr>
-                </a:gs>
-              </a:gsLst>
-              <a:lin ang="5400000" scaled="1"/>
-              <a:tileRect/>
-            </a:gradFill>
-            <a:ln>
-              <a:solidFill>
-                <a:schemeClr val="bg1"/>
-              </a:solidFill>
-            </a:ln>
-          </p:spPr>
-          <p:style>
-            <a:lnRef idx="2">
-              <a:schemeClr val="accent1">
-                <a:shade val="50000"/>
-              </a:schemeClr>
-            </a:lnRef>
-            <a:fillRef idx="1">
-              <a:schemeClr val="accent1"/>
-            </a:fillRef>
-            <a:effectRef idx="0">
-              <a:schemeClr val="accent1"/>
-            </a:effectRef>
-            <a:fontRef idx="minor">
-              <a:schemeClr val="lt1"/>
-            </a:fontRef>
-          </p:style>
-          <p:txBody>
-            <a:bodyPr rtlCol="0" anchor="ctr"/>
-            <a:lstStyle/>
-            <a:p>
-              <a:endParaRPr lang="en-US" dirty="0"/>
-            </a:p>
-          </p:txBody>
-        </p:sp>
-        <p:pic>
-          <p:nvPicPr>
-            <p:cNvPr id="14" name="Picture 6" descr="Tập tin:Logo Dai hoc Can Tho.svg – Wikipedia tiếng Việt">
-              <a:extLst>
-                <a:ext uri="{FF2B5EF4-FFF2-40B4-BE49-F238E27FC236}">
-                  <a16:creationId xmlns:a16="http://schemas.microsoft.com/office/drawing/2014/main" id="{66A9DC07-DBCB-4567-B4A9-4BC6B267BD27}"/>
-                </a:ext>
-              </a:extLst>
-            </p:cNvPr>
-            <p:cNvPicPr>
-              <a:picLocks noChangeAspect="1" noChangeArrowheads="1"/>
-            </p:cNvPicPr>
-            <p:nvPr/>
-          </p:nvPicPr>
-          <p:blipFill>
-            <a:blip r:embed="rId2" cstate="print">
-              <a:extLst>
-                <a:ext uri="{28A0092B-C50C-407E-A947-70E740481C1C}">
-                  <a14:useLocalDpi xmlns:a14="http://schemas.microsoft.com/office/drawing/2010/main" val="0"/>
-                </a:ext>
-              </a:extLst>
-            </a:blip>
-            <a:srcRect/>
-            <a:stretch>
-              <a:fillRect/>
-            </a:stretch>
-          </p:blipFill>
-          <p:spPr bwMode="auto">
-            <a:xfrm>
-              <a:off x="62571" y="135875"/>
-              <a:ext cx="1126608" cy="1126608"/>
-            </a:xfrm>
-            <a:prstGeom prst="rect">
-              <a:avLst/>
-            </a:prstGeom>
-            <a:noFill/>
-            <a:extLst>
-              <a:ext uri="{909E8E84-426E-40DD-AFC4-6F175D3DCCD1}">
-                <a14:hiddenFill xmlns:a14="http://schemas.microsoft.com/office/drawing/2010/main">
-                  <a:solidFill>
-                    <a:srgbClr val="FFFFFF"/>
-                  </a:solidFill>
-                </a14:hiddenFill>
-              </a:ext>
-            </a:extLst>
-          </p:spPr>
-        </p:pic>
-      </p:grpSp>
-      <p:sp>
-        <p:nvSpPr>
-          <p:cNvPr id="9" name="TextBox 8">
-            <a:extLst>
-              <a:ext uri="{FF2B5EF4-FFF2-40B4-BE49-F238E27FC236}">
-                <a16:creationId xmlns:a16="http://schemas.microsoft.com/office/drawing/2014/main" id="{D4F0DAB5-ACF0-424E-A159-071632E31E1A}"/>
-              </a:ext>
-            </a:extLst>
-          </p:cNvPr>
-          <p:cNvSpPr txBox="1"/>
-          <p:nvPr/>
-        </p:nvSpPr>
-        <p:spPr>
-          <a:xfrm>
-            <a:off x="5481918" y="6077261"/>
-            <a:ext cx="2485748" cy="400110"/>
-          </a:xfrm>
-          <a:prstGeom prst="rect">
-            <a:avLst/>
-          </a:prstGeom>
-          <a:noFill/>
-        </p:spPr>
-        <p:txBody>
-          <a:bodyPr wrap="square" rtlCol="0">
-            <a:spAutoFit/>
-          </a:bodyPr>
-          <a:lstStyle/>
-          <a:p>
-            <a:pPr algn="ctr"/>
-            <a:r>
-              <a:rPr lang="en-US" sz="2000" dirty="0"/>
-              <a:t>Trang </a:t>
-            </a:r>
-            <a:r>
-              <a:rPr lang="en-US" sz="2000" dirty="0" err="1"/>
-              <a:t>tìm</a:t>
-            </a:r>
-            <a:r>
-              <a:rPr lang="en-US" sz="2000" dirty="0"/>
-              <a:t> </a:t>
-            </a:r>
-            <a:r>
-              <a:rPr lang="en-US" sz="2000" dirty="0" err="1"/>
-              <a:t>kiếm</a:t>
-            </a:r>
-            <a:endParaRPr lang="en-US" sz="2000" dirty="0"/>
-          </a:p>
-        </p:txBody>
-      </p:sp>
-      <p:pic>
-        <p:nvPicPr>
-          <p:cNvPr id="4" name="Picture 3">
-            <a:extLst>
-              <a:ext uri="{FF2B5EF4-FFF2-40B4-BE49-F238E27FC236}">
-                <a16:creationId xmlns:a16="http://schemas.microsoft.com/office/drawing/2014/main" id="{BB9BA2AB-156E-479F-950C-D93FD7E77076}"/>
-              </a:ext>
-            </a:extLst>
-          </p:cNvPr>
-          <p:cNvPicPr>
-            <a:picLocks noChangeAspect="1"/>
-          </p:cNvPicPr>
-          <p:nvPr/>
-        </p:nvPicPr>
-        <p:blipFill>
-          <a:blip r:embed="rId3"/>
-          <a:stretch>
-            <a:fillRect/>
-          </a:stretch>
-        </p:blipFill>
-        <p:spPr>
-          <a:xfrm>
-            <a:off x="1394800" y="801056"/>
-            <a:ext cx="10630567" cy="5221158"/>
-          </a:xfrm>
-          <a:prstGeom prst="rect">
-            <a:avLst/>
-          </a:prstGeom>
-        </p:spPr>
-      </p:pic>
-      <p:sp>
-        <p:nvSpPr>
-          <p:cNvPr id="11" name="Rectangle 10">
-            <a:extLst>
-              <a:ext uri="{FF2B5EF4-FFF2-40B4-BE49-F238E27FC236}">
-                <a16:creationId xmlns:a16="http://schemas.microsoft.com/office/drawing/2014/main" id="{937D1361-FF63-47BA-9BED-9A532F99C2E1}"/>
-              </a:ext>
-            </a:extLst>
-          </p:cNvPr>
-          <p:cNvSpPr/>
-          <p:nvPr/>
-        </p:nvSpPr>
-        <p:spPr>
-          <a:xfrm>
-            <a:off x="3476515" y="835786"/>
-            <a:ext cx="4262891" cy="503655"/>
-          </a:xfrm>
-          <a:prstGeom prst="rect">
-            <a:avLst/>
-          </a:prstGeom>
-          <a:noFill/>
-          <a:ln w="19050">
-            <a:solidFill>
-              <a:srgbClr val="FF0000"/>
-            </a:solidFill>
-          </a:ln>
-        </p:spPr>
-        <p:style>
-          <a:lnRef idx="0">
-            <a:scrgbClr r="0" g="0" b="0"/>
-          </a:lnRef>
-          <a:fillRef idx="0">
-            <a:scrgbClr r="0" g="0" b="0"/>
-          </a:fillRef>
-          <a:effectRef idx="0">
-            <a:scrgbClr r="0" g="0" b="0"/>
-          </a:effectRef>
-          <a:fontRef idx="minor">
-            <a:schemeClr val="dk1"/>
-          </a:fontRef>
-        </p:style>
-        <p:txBody>
-          <a:bodyPr rtlCol="0" anchor="ctr"/>
-          <a:lstStyle/>
-          <a:p>
-            <a:pPr algn="ctr"/>
-            <a:endParaRPr lang="en-US"/>
-          </a:p>
-        </p:txBody>
-      </p:sp>
-      <p:sp>
-        <p:nvSpPr>
-          <p:cNvPr id="15" name="TextBox 14">
-            <a:extLst>
-              <a:ext uri="{FF2B5EF4-FFF2-40B4-BE49-F238E27FC236}">
-                <a16:creationId xmlns:a16="http://schemas.microsoft.com/office/drawing/2014/main" id="{E9063944-F17F-44E8-95E1-CB5A6185F231}"/>
-              </a:ext>
-            </a:extLst>
-          </p:cNvPr>
-          <p:cNvSpPr txBox="1"/>
-          <p:nvPr/>
-        </p:nvSpPr>
-        <p:spPr>
-          <a:xfrm>
-            <a:off x="7728371" y="764447"/>
-            <a:ext cx="2092750" cy="646331"/>
-          </a:xfrm>
-          <a:prstGeom prst="rect">
-            <a:avLst/>
-          </a:prstGeom>
-          <a:noFill/>
-        </p:spPr>
-        <p:txBody>
-          <a:bodyPr wrap="square" rtlCol="0">
-            <a:spAutoFit/>
-          </a:bodyPr>
-          <a:lstStyle/>
-          <a:p>
-            <a:pPr algn="ctr"/>
-            <a:r>
-              <a:rPr lang="en-US" dirty="0" err="1">
-                <a:solidFill>
-                  <a:srgbClr val="FF0000"/>
-                </a:solidFill>
-              </a:rPr>
-              <a:t>Tìm</a:t>
-            </a:r>
-            <a:r>
-              <a:rPr lang="en-US" dirty="0">
-                <a:solidFill>
-                  <a:srgbClr val="FF0000"/>
-                </a:solidFill>
-              </a:rPr>
-              <a:t> </a:t>
-            </a:r>
-            <a:r>
-              <a:rPr lang="en-US" dirty="0" err="1">
-                <a:solidFill>
-                  <a:srgbClr val="FF0000"/>
-                </a:solidFill>
-              </a:rPr>
-              <a:t>kiếm</a:t>
-            </a:r>
-            <a:r>
-              <a:rPr lang="en-US" dirty="0">
-                <a:solidFill>
-                  <a:srgbClr val="FF0000"/>
-                </a:solidFill>
-              </a:rPr>
-              <a:t> </a:t>
-            </a:r>
-            <a:r>
-              <a:rPr lang="en-US" dirty="0" err="1">
-                <a:solidFill>
-                  <a:srgbClr val="FF0000"/>
-                </a:solidFill>
-              </a:rPr>
-              <a:t>theo</a:t>
-            </a:r>
-            <a:r>
-              <a:rPr lang="en-US" dirty="0">
-                <a:solidFill>
-                  <a:srgbClr val="FF0000"/>
-                </a:solidFill>
-              </a:rPr>
-              <a:t> </a:t>
-            </a:r>
-            <a:r>
-              <a:rPr lang="en-US" dirty="0" err="1">
-                <a:solidFill>
-                  <a:srgbClr val="FF0000"/>
-                </a:solidFill>
-              </a:rPr>
-              <a:t>tên</a:t>
-            </a:r>
-            <a:r>
-              <a:rPr lang="en-US" dirty="0">
-                <a:solidFill>
-                  <a:srgbClr val="FF0000"/>
-                </a:solidFill>
-              </a:rPr>
-              <a:t> ca </a:t>
-            </a:r>
-            <a:r>
-              <a:rPr lang="en-US" dirty="0" err="1">
-                <a:solidFill>
-                  <a:srgbClr val="FF0000"/>
-                </a:solidFill>
-              </a:rPr>
-              <a:t>sĩ</a:t>
-            </a:r>
-            <a:r>
-              <a:rPr lang="en-US" dirty="0">
-                <a:solidFill>
-                  <a:srgbClr val="FF0000"/>
-                </a:solidFill>
-              </a:rPr>
-              <a:t> </a:t>
-            </a:r>
-            <a:r>
-              <a:rPr lang="en-US" dirty="0" err="1">
-                <a:solidFill>
-                  <a:srgbClr val="FF0000"/>
-                </a:solidFill>
-              </a:rPr>
-              <a:t>hoặc</a:t>
-            </a:r>
-            <a:r>
-              <a:rPr lang="en-US" dirty="0">
-                <a:solidFill>
-                  <a:srgbClr val="FF0000"/>
-                </a:solidFill>
-              </a:rPr>
-              <a:t> </a:t>
-            </a:r>
-            <a:r>
-              <a:rPr lang="en-US" dirty="0" err="1">
-                <a:solidFill>
-                  <a:srgbClr val="FF0000"/>
-                </a:solidFill>
-              </a:rPr>
-              <a:t>bài</a:t>
-            </a:r>
-            <a:r>
-              <a:rPr lang="en-US" dirty="0">
-                <a:solidFill>
-                  <a:srgbClr val="FF0000"/>
-                </a:solidFill>
-              </a:rPr>
-              <a:t> </a:t>
-            </a:r>
-            <a:r>
-              <a:rPr lang="en-US" dirty="0" err="1">
-                <a:solidFill>
-                  <a:srgbClr val="FF0000"/>
-                </a:solidFill>
-              </a:rPr>
-              <a:t>hát</a:t>
-            </a:r>
-            <a:endParaRPr lang="en-US" dirty="0">
-              <a:solidFill>
-                <a:srgbClr val="FF0000"/>
-              </a:solidFill>
-            </a:endParaRPr>
-          </a:p>
-        </p:txBody>
-      </p:sp>
-      <p:sp>
-        <p:nvSpPr>
-          <p:cNvPr id="17" name="Rectangle 16">
-            <a:extLst>
-              <a:ext uri="{FF2B5EF4-FFF2-40B4-BE49-F238E27FC236}">
-                <a16:creationId xmlns:a16="http://schemas.microsoft.com/office/drawing/2014/main" id="{CC274980-A2B5-4586-956B-DB8903694C04}"/>
-              </a:ext>
-            </a:extLst>
-          </p:cNvPr>
-          <p:cNvSpPr/>
-          <p:nvPr/>
-        </p:nvSpPr>
-        <p:spPr>
-          <a:xfrm>
-            <a:off x="9935850" y="5413151"/>
-            <a:ext cx="367645" cy="421283"/>
-          </a:xfrm>
-          <a:prstGeom prst="rect">
-            <a:avLst/>
-          </a:prstGeom>
-          <a:noFill/>
-          <a:ln w="19050">
-            <a:solidFill>
-              <a:srgbClr val="FF0000"/>
-            </a:solidFill>
-          </a:ln>
-        </p:spPr>
-        <p:style>
-          <a:lnRef idx="0">
-            <a:scrgbClr r="0" g="0" b="0"/>
-          </a:lnRef>
-          <a:fillRef idx="0">
-            <a:scrgbClr r="0" g="0" b="0"/>
-          </a:fillRef>
-          <a:effectRef idx="0">
-            <a:scrgbClr r="0" g="0" b="0"/>
-          </a:effectRef>
-          <a:fontRef idx="minor">
-            <a:schemeClr val="dk1"/>
-          </a:fontRef>
-        </p:style>
-        <p:txBody>
-          <a:bodyPr rtlCol="0" anchor="ctr"/>
-          <a:lstStyle/>
-          <a:p>
-            <a:pPr algn="ctr"/>
-            <a:endParaRPr lang="en-US"/>
-          </a:p>
-        </p:txBody>
-      </p:sp>
-      <p:sp>
-        <p:nvSpPr>
-          <p:cNvPr id="18" name="TextBox 17">
-            <a:extLst>
-              <a:ext uri="{FF2B5EF4-FFF2-40B4-BE49-F238E27FC236}">
-                <a16:creationId xmlns:a16="http://schemas.microsoft.com/office/drawing/2014/main" id="{1957C284-0193-47B4-83B1-FF041F0BF840}"/>
-              </a:ext>
-            </a:extLst>
-          </p:cNvPr>
-          <p:cNvSpPr txBox="1"/>
-          <p:nvPr/>
-        </p:nvSpPr>
-        <p:spPr>
-          <a:xfrm>
-            <a:off x="9002596" y="4990508"/>
-            <a:ext cx="2092750" cy="369332"/>
-          </a:xfrm>
-          <a:prstGeom prst="rect">
-            <a:avLst/>
-          </a:prstGeom>
-          <a:noFill/>
-        </p:spPr>
-        <p:txBody>
-          <a:bodyPr wrap="square" rtlCol="0">
-            <a:spAutoFit/>
-          </a:bodyPr>
-          <a:lstStyle/>
-          <a:p>
-            <a:pPr algn="ctr"/>
-            <a:r>
-              <a:rPr lang="en-US" dirty="0" err="1">
-                <a:solidFill>
-                  <a:srgbClr val="FF0000"/>
-                </a:solidFill>
-              </a:rPr>
-              <a:t>Tắt</a:t>
-            </a:r>
-            <a:r>
-              <a:rPr lang="en-US" dirty="0">
-                <a:solidFill>
-                  <a:srgbClr val="FF0000"/>
-                </a:solidFill>
-              </a:rPr>
-              <a:t>/</a:t>
-            </a:r>
-            <a:r>
-              <a:rPr lang="en-US" dirty="0" err="1">
-                <a:solidFill>
-                  <a:srgbClr val="FF0000"/>
-                </a:solidFill>
-              </a:rPr>
-              <a:t>Bật</a:t>
-            </a:r>
-            <a:r>
-              <a:rPr lang="en-US" dirty="0">
-                <a:solidFill>
-                  <a:srgbClr val="FF0000"/>
-                </a:solidFill>
-              </a:rPr>
-              <a:t> </a:t>
-            </a:r>
-            <a:r>
-              <a:rPr lang="en-US" dirty="0" err="1">
-                <a:solidFill>
-                  <a:srgbClr val="FF0000"/>
-                </a:solidFill>
-              </a:rPr>
-              <a:t>hàng</a:t>
-            </a:r>
-            <a:r>
-              <a:rPr lang="en-US" dirty="0">
-                <a:solidFill>
-                  <a:srgbClr val="FF0000"/>
-                </a:solidFill>
-              </a:rPr>
-              <a:t> </a:t>
-            </a:r>
-            <a:r>
-              <a:rPr lang="en-US" dirty="0" err="1">
-                <a:solidFill>
-                  <a:srgbClr val="FF0000"/>
-                </a:solidFill>
-              </a:rPr>
-              <a:t>đợi</a:t>
-            </a:r>
-            <a:endParaRPr lang="en-US" dirty="0">
-              <a:solidFill>
-                <a:srgbClr val="FF0000"/>
-              </a:solidFill>
-            </a:endParaRPr>
-          </a:p>
-        </p:txBody>
-      </p:sp>
-      <p:sp>
-        <p:nvSpPr>
-          <p:cNvPr id="19" name="Rectangle 18">
-            <a:extLst>
-              <a:ext uri="{FF2B5EF4-FFF2-40B4-BE49-F238E27FC236}">
-                <a16:creationId xmlns:a16="http://schemas.microsoft.com/office/drawing/2014/main" id="{0E8BB53E-606E-4E79-B49B-8ACD579FC714}"/>
-              </a:ext>
-            </a:extLst>
-          </p:cNvPr>
-          <p:cNvSpPr/>
-          <p:nvPr/>
-        </p:nvSpPr>
-        <p:spPr>
-          <a:xfrm>
-            <a:off x="3761297" y="5413152"/>
-            <a:ext cx="367644" cy="421283"/>
-          </a:xfrm>
-          <a:prstGeom prst="rect">
-            <a:avLst/>
-          </a:prstGeom>
-          <a:noFill/>
-          <a:ln w="19050">
-            <a:solidFill>
-              <a:srgbClr val="FF0000"/>
-            </a:solidFill>
-          </a:ln>
-        </p:spPr>
-        <p:style>
-          <a:lnRef idx="0">
-            <a:scrgbClr r="0" g="0" b="0"/>
-          </a:lnRef>
-          <a:fillRef idx="0">
-            <a:scrgbClr r="0" g="0" b="0"/>
-          </a:fillRef>
-          <a:effectRef idx="0">
-            <a:scrgbClr r="0" g="0" b="0"/>
-          </a:effectRef>
-          <a:fontRef idx="minor">
-            <a:schemeClr val="dk1"/>
-          </a:fontRef>
-        </p:style>
-        <p:txBody>
-          <a:bodyPr rtlCol="0" anchor="ctr"/>
-          <a:lstStyle/>
-          <a:p>
-            <a:pPr algn="ctr"/>
-            <a:endParaRPr lang="en-US"/>
-          </a:p>
-        </p:txBody>
-      </p:sp>
-      <p:sp>
-        <p:nvSpPr>
-          <p:cNvPr id="20" name="TextBox 19">
-            <a:extLst>
-              <a:ext uri="{FF2B5EF4-FFF2-40B4-BE49-F238E27FC236}">
-                <a16:creationId xmlns:a16="http://schemas.microsoft.com/office/drawing/2014/main" id="{84A2AF7D-84D5-4124-9839-3B1D22427B12}"/>
-              </a:ext>
-            </a:extLst>
-          </p:cNvPr>
-          <p:cNvSpPr txBox="1"/>
-          <p:nvPr/>
-        </p:nvSpPr>
-        <p:spPr>
-          <a:xfrm>
-            <a:off x="2106442" y="4892462"/>
-            <a:ext cx="2372589" cy="646331"/>
-          </a:xfrm>
-          <a:prstGeom prst="rect">
-            <a:avLst/>
-          </a:prstGeom>
-          <a:noFill/>
-        </p:spPr>
-        <p:txBody>
-          <a:bodyPr wrap="square" rtlCol="0">
-            <a:spAutoFit/>
-          </a:bodyPr>
-          <a:lstStyle/>
-          <a:p>
-            <a:pPr algn="ctr"/>
-            <a:r>
-              <a:rPr lang="en-US" dirty="0" err="1">
-                <a:solidFill>
-                  <a:srgbClr val="FF0000"/>
-                </a:solidFill>
-              </a:rPr>
-              <a:t>Thêm</a:t>
-            </a:r>
-            <a:r>
-              <a:rPr lang="en-US" dirty="0">
-                <a:solidFill>
-                  <a:srgbClr val="FF0000"/>
-                </a:solidFill>
-              </a:rPr>
-              <a:t> </a:t>
-            </a:r>
-            <a:r>
-              <a:rPr lang="en-US" dirty="0" err="1">
-                <a:solidFill>
-                  <a:srgbClr val="FF0000"/>
-                </a:solidFill>
-              </a:rPr>
-              <a:t>vào</a:t>
-            </a:r>
-            <a:r>
-              <a:rPr lang="en-US" dirty="0">
-                <a:solidFill>
-                  <a:srgbClr val="FF0000"/>
-                </a:solidFill>
-              </a:rPr>
-              <a:t> </a:t>
-            </a:r>
-            <a:r>
-              <a:rPr lang="en-US" dirty="0" err="1">
-                <a:solidFill>
-                  <a:srgbClr val="FF0000"/>
-                </a:solidFill>
-              </a:rPr>
-              <a:t>trang</a:t>
-            </a:r>
-            <a:r>
-              <a:rPr lang="en-US" dirty="0">
-                <a:solidFill>
-                  <a:srgbClr val="FF0000"/>
-                </a:solidFill>
-              </a:rPr>
-              <a:t> </a:t>
-            </a:r>
-            <a:r>
-              <a:rPr lang="en-US" dirty="0" err="1">
-                <a:solidFill>
-                  <a:srgbClr val="FF0000"/>
-                </a:solidFill>
-              </a:rPr>
-              <a:t>yêu</a:t>
-            </a:r>
-            <a:r>
-              <a:rPr lang="en-US" dirty="0">
-                <a:solidFill>
-                  <a:srgbClr val="FF0000"/>
-                </a:solidFill>
-              </a:rPr>
-              <a:t> </a:t>
-            </a:r>
-            <a:r>
-              <a:rPr lang="en-US" dirty="0" err="1">
-                <a:solidFill>
-                  <a:srgbClr val="FF0000"/>
-                </a:solidFill>
-              </a:rPr>
-              <a:t>thích</a:t>
-            </a:r>
-            <a:endParaRPr lang="en-US" dirty="0">
-              <a:solidFill>
-                <a:srgbClr val="FF0000"/>
-              </a:solidFill>
-            </a:endParaRPr>
-          </a:p>
-        </p:txBody>
-      </p:sp>
-      <p:sp>
-        <p:nvSpPr>
-          <p:cNvPr id="21" name="Rectangle 20">
-            <a:extLst>
-              <a:ext uri="{FF2B5EF4-FFF2-40B4-BE49-F238E27FC236}">
-                <a16:creationId xmlns:a16="http://schemas.microsoft.com/office/drawing/2014/main" id="{DD4D9E23-0593-4C27-9622-3DE8D08A7D52}"/>
-              </a:ext>
-            </a:extLst>
-          </p:cNvPr>
-          <p:cNvSpPr/>
-          <p:nvPr/>
-        </p:nvSpPr>
-        <p:spPr>
-          <a:xfrm>
-            <a:off x="4705548" y="2011648"/>
-            <a:ext cx="903399" cy="137664"/>
-          </a:xfrm>
-          <a:prstGeom prst="rect">
-            <a:avLst/>
-          </a:prstGeom>
-          <a:noFill/>
-          <a:ln w="19050">
-            <a:solidFill>
-              <a:srgbClr val="FF0000"/>
-            </a:solidFill>
-          </a:ln>
-        </p:spPr>
-        <p:style>
-          <a:lnRef idx="0">
-            <a:scrgbClr r="0" g="0" b="0"/>
-          </a:lnRef>
-          <a:fillRef idx="0">
-            <a:scrgbClr r="0" g="0" b="0"/>
-          </a:fillRef>
-          <a:effectRef idx="0">
-            <a:scrgbClr r="0" g="0" b="0"/>
-          </a:effectRef>
-          <a:fontRef idx="minor">
-            <a:schemeClr val="dk1"/>
-          </a:fontRef>
-        </p:style>
-        <p:txBody>
-          <a:bodyPr rtlCol="0" anchor="ctr"/>
-          <a:lstStyle/>
-          <a:p>
-            <a:pPr algn="ctr"/>
-            <a:endParaRPr lang="en-US"/>
-          </a:p>
-        </p:txBody>
-      </p:sp>
-      <p:sp>
-        <p:nvSpPr>
-          <p:cNvPr id="22" name="TextBox 21">
-            <a:extLst>
-              <a:ext uri="{FF2B5EF4-FFF2-40B4-BE49-F238E27FC236}">
-                <a16:creationId xmlns:a16="http://schemas.microsoft.com/office/drawing/2014/main" id="{0141889C-3F49-4962-A66A-1EE3D5AB6A15}"/>
-              </a:ext>
-            </a:extLst>
-          </p:cNvPr>
-          <p:cNvSpPr txBox="1"/>
-          <p:nvPr/>
-        </p:nvSpPr>
-        <p:spPr>
-          <a:xfrm>
-            <a:off x="5366817" y="1877826"/>
-            <a:ext cx="2372589" cy="369332"/>
-          </a:xfrm>
-          <a:prstGeom prst="rect">
-            <a:avLst/>
-          </a:prstGeom>
-          <a:noFill/>
-        </p:spPr>
-        <p:txBody>
-          <a:bodyPr wrap="square" rtlCol="0">
-            <a:spAutoFit/>
-          </a:bodyPr>
-          <a:lstStyle/>
-          <a:p>
-            <a:pPr algn="ctr"/>
-            <a:r>
-              <a:rPr lang="en-US" dirty="0" err="1">
-                <a:solidFill>
-                  <a:srgbClr val="FF0000"/>
-                </a:solidFill>
-              </a:rPr>
-              <a:t>Xem</a:t>
-            </a:r>
-            <a:r>
-              <a:rPr lang="en-US" dirty="0">
-                <a:solidFill>
-                  <a:srgbClr val="FF0000"/>
-                </a:solidFill>
-              </a:rPr>
-              <a:t> </a:t>
-            </a:r>
-            <a:r>
-              <a:rPr lang="en-US" dirty="0" err="1">
-                <a:solidFill>
-                  <a:srgbClr val="FF0000"/>
-                </a:solidFill>
-              </a:rPr>
-              <a:t>thông</a:t>
-            </a:r>
-            <a:r>
-              <a:rPr lang="en-US" dirty="0">
-                <a:solidFill>
-                  <a:srgbClr val="FF0000"/>
-                </a:solidFill>
-              </a:rPr>
-              <a:t> tin ca </a:t>
-            </a:r>
-            <a:r>
-              <a:rPr lang="en-US" dirty="0" err="1">
-                <a:solidFill>
-                  <a:srgbClr val="FF0000"/>
-                </a:solidFill>
-              </a:rPr>
-              <a:t>sĩ</a:t>
-            </a:r>
-            <a:endParaRPr lang="en-US" dirty="0">
-              <a:solidFill>
-                <a:srgbClr val="FF0000"/>
-              </a:solidFill>
-            </a:endParaRPr>
-          </a:p>
-        </p:txBody>
-      </p:sp>
-    </p:spTree>
-    <p:extLst>
-      <p:ext uri="{BB962C8B-B14F-4D97-AF65-F5344CB8AC3E}">
-        <p14:creationId xmlns:p14="http://schemas.microsoft.com/office/powerpoint/2010/main" val="3869866596"/>
-      </p:ext>
-    </p:extLst>
-  </p:cSld>
-  <p:clrMapOvr>
-    <a:masterClrMapping/>
-  </p:clrMapOvr>
-  <p:transition spd="slow">
-    <p:push dir="u"/>
-  </p:transition>
-  <p:timing>
-    <p:tnLst>
-      <p:par>
-        <p:cTn id="1" dur="indefinite" restart="never" nodeType="tmRoot">
-          <p:childTnLst>
-            <p:seq concurrent="1" nextAc="seek">
-              <p:cTn id="2" dur="indefinite" nodeType="mainSeq">
-                <p:childTnLst>
-                  <p:par>
-                    <p:cTn id="3" fill="hold">
-                      <p:stCondLst>
-                        <p:cond delay="indefinite"/>
-                      </p:stCondLst>
-                      <p:childTnLst>
-                        <p:par>
-                          <p:cTn id="4" fill="hold">
-                            <p:stCondLst>
-                              <p:cond delay="0"/>
-                            </p:stCondLst>
-                            <p:childTnLst>
-                              <p:par>
-                                <p:cTn id="5" presetID="21" presetClass="entr" presetSubtype="1" fill="hold" grpId="0" nodeType="clickEffect">
-                                  <p:stCondLst>
-                                    <p:cond delay="0"/>
-                                  </p:stCondLst>
-                                  <p:childTnLst>
-                                    <p:set>
-                                      <p:cBhvr>
-                                        <p:cTn id="6" dur="1" fill="hold">
-                                          <p:stCondLst>
-                                            <p:cond delay="0"/>
-                                          </p:stCondLst>
-                                        </p:cTn>
-                                        <p:tgtEl>
-                                          <p:spTgt spid="11"/>
-                                        </p:tgtEl>
-                                        <p:attrNameLst>
-                                          <p:attrName>style.visibility</p:attrName>
-                                        </p:attrNameLst>
-                                      </p:cBhvr>
-                                      <p:to>
-                                        <p:strVal val="visible"/>
-                                      </p:to>
-                                    </p:set>
-                                    <p:animEffect transition="in" filter="wheel(1)">
-                                      <p:cBhvr>
-                                        <p:cTn id="7" dur="1000"/>
-                                        <p:tgtEl>
-                                          <p:spTgt spid="11"/>
-                                        </p:tgtEl>
-                                      </p:cBhvr>
-                                    </p:animEffect>
-                                  </p:childTnLst>
-                                </p:cTn>
-                              </p:par>
-                            </p:childTnLst>
-                          </p:cTn>
-                        </p:par>
-                        <p:par>
-                          <p:cTn id="8" fill="hold">
-                            <p:stCondLst>
-                              <p:cond delay="1000"/>
-                            </p:stCondLst>
-                            <p:childTnLst>
-                              <p:par>
-                                <p:cTn id="9" presetID="22" presetClass="entr" presetSubtype="4" fill="hold" grpId="0" nodeType="afterEffect">
-                                  <p:stCondLst>
-                                    <p:cond delay="0"/>
-                                  </p:stCondLst>
-                                  <p:childTnLst>
-                                    <p:set>
-                                      <p:cBhvr>
-                                        <p:cTn id="10" dur="1" fill="hold">
-                                          <p:stCondLst>
-                                            <p:cond delay="0"/>
-                                          </p:stCondLst>
-                                        </p:cTn>
-                                        <p:tgtEl>
-                                          <p:spTgt spid="15"/>
-                                        </p:tgtEl>
-                                        <p:attrNameLst>
-                                          <p:attrName>style.visibility</p:attrName>
-                                        </p:attrNameLst>
-                                      </p:cBhvr>
-                                      <p:to>
-                                        <p:strVal val="visible"/>
-                                      </p:to>
-                                    </p:set>
-                                    <p:animEffect transition="in" filter="wipe(down)">
-                                      <p:cBhvr>
-                                        <p:cTn id="11" dur="500"/>
-                                        <p:tgtEl>
-                                          <p:spTgt spid="15"/>
-                                        </p:tgtEl>
-                                      </p:cBhvr>
-                                    </p:animEffect>
-                                  </p:childTnLst>
-                                </p:cTn>
-                              </p:par>
-                            </p:childTnLst>
-                          </p:cTn>
-                        </p:par>
-                      </p:childTnLst>
-                    </p:cTn>
-                  </p:par>
-                  <p:par>
-                    <p:cTn id="12" fill="hold">
-                      <p:stCondLst>
-                        <p:cond delay="indefinite"/>
-                      </p:stCondLst>
-                      <p:childTnLst>
-                        <p:par>
-                          <p:cTn id="13" fill="hold">
-                            <p:stCondLst>
-                              <p:cond delay="0"/>
-                            </p:stCondLst>
-                            <p:childTnLst>
-                              <p:par>
-                                <p:cTn id="14" presetID="21" presetClass="entr" presetSubtype="1" fill="hold" grpId="0" nodeType="clickEffect">
-                                  <p:stCondLst>
-                                    <p:cond delay="0"/>
-                                  </p:stCondLst>
-                                  <p:childTnLst>
-                                    <p:set>
-                                      <p:cBhvr>
-                                        <p:cTn id="15" dur="1" fill="hold">
-                                          <p:stCondLst>
-                                            <p:cond delay="0"/>
-                                          </p:stCondLst>
-                                        </p:cTn>
-                                        <p:tgtEl>
-                                          <p:spTgt spid="17"/>
-                                        </p:tgtEl>
-                                        <p:attrNameLst>
-                                          <p:attrName>style.visibility</p:attrName>
-                                        </p:attrNameLst>
-                                      </p:cBhvr>
-                                      <p:to>
-                                        <p:strVal val="visible"/>
-                                      </p:to>
-                                    </p:set>
-                                    <p:animEffect transition="in" filter="wheel(1)">
-                                      <p:cBhvr>
-                                        <p:cTn id="16" dur="1000"/>
-                                        <p:tgtEl>
-                                          <p:spTgt spid="17"/>
-                                        </p:tgtEl>
-                                      </p:cBhvr>
-                                    </p:animEffect>
-                                  </p:childTnLst>
-                                </p:cTn>
-                              </p:par>
-                            </p:childTnLst>
-                          </p:cTn>
-                        </p:par>
-                        <p:par>
-                          <p:cTn id="17" fill="hold">
-                            <p:stCondLst>
-                              <p:cond delay="1000"/>
-                            </p:stCondLst>
-                            <p:childTnLst>
-                              <p:par>
-                                <p:cTn id="18" presetID="22" presetClass="entr" presetSubtype="4" fill="hold" grpId="0" nodeType="afterEffect">
-                                  <p:stCondLst>
-                                    <p:cond delay="0"/>
-                                  </p:stCondLst>
-                                  <p:childTnLst>
-                                    <p:set>
-                                      <p:cBhvr>
-                                        <p:cTn id="19" dur="1" fill="hold">
-                                          <p:stCondLst>
-                                            <p:cond delay="0"/>
-                                          </p:stCondLst>
-                                        </p:cTn>
-                                        <p:tgtEl>
-                                          <p:spTgt spid="18"/>
-                                        </p:tgtEl>
-                                        <p:attrNameLst>
-                                          <p:attrName>style.visibility</p:attrName>
-                                        </p:attrNameLst>
-                                      </p:cBhvr>
-                                      <p:to>
-                                        <p:strVal val="visible"/>
-                                      </p:to>
-                                    </p:set>
-                                    <p:animEffect transition="in" filter="wipe(down)">
-                                      <p:cBhvr>
-                                        <p:cTn id="20" dur="500"/>
-                                        <p:tgtEl>
-                                          <p:spTgt spid="18"/>
-                                        </p:tgtEl>
-                                      </p:cBhvr>
-                                    </p:animEffect>
-                                  </p:childTnLst>
-                                </p:cTn>
-                              </p:par>
-                            </p:childTnLst>
-                          </p:cTn>
-                        </p:par>
-                      </p:childTnLst>
-                    </p:cTn>
-                  </p:par>
-                  <p:par>
-                    <p:cTn id="21" fill="hold">
-                      <p:stCondLst>
-                        <p:cond delay="indefinite"/>
-                      </p:stCondLst>
-                      <p:childTnLst>
-                        <p:par>
-                          <p:cTn id="22" fill="hold">
-                            <p:stCondLst>
-                              <p:cond delay="0"/>
-                            </p:stCondLst>
-                            <p:childTnLst>
-                              <p:par>
-                                <p:cTn id="23" presetID="21" presetClass="entr" presetSubtype="1" fill="hold" grpId="0" nodeType="clickEffect">
-                                  <p:stCondLst>
-                                    <p:cond delay="0"/>
-                                  </p:stCondLst>
-                                  <p:childTnLst>
-                                    <p:set>
-                                      <p:cBhvr>
-                                        <p:cTn id="24" dur="1" fill="hold">
-                                          <p:stCondLst>
-                                            <p:cond delay="0"/>
-                                          </p:stCondLst>
-                                        </p:cTn>
-                                        <p:tgtEl>
-                                          <p:spTgt spid="19"/>
-                                        </p:tgtEl>
-                                        <p:attrNameLst>
-                                          <p:attrName>style.visibility</p:attrName>
-                                        </p:attrNameLst>
-                                      </p:cBhvr>
-                                      <p:to>
-                                        <p:strVal val="visible"/>
-                                      </p:to>
-                                    </p:set>
-                                    <p:animEffect transition="in" filter="wheel(1)">
-                                      <p:cBhvr>
-                                        <p:cTn id="25" dur="1000"/>
-                                        <p:tgtEl>
-                                          <p:spTgt spid="19"/>
-                                        </p:tgtEl>
-                                      </p:cBhvr>
-                                    </p:animEffect>
-                                  </p:childTnLst>
-                                </p:cTn>
-                              </p:par>
-                            </p:childTnLst>
-                          </p:cTn>
-                        </p:par>
-                        <p:par>
-                          <p:cTn id="26" fill="hold">
-                            <p:stCondLst>
-                              <p:cond delay="1000"/>
-                            </p:stCondLst>
-                            <p:childTnLst>
-                              <p:par>
-                                <p:cTn id="27" presetID="22" presetClass="entr" presetSubtype="4" fill="hold" grpId="0" nodeType="afterEffect">
-                                  <p:stCondLst>
-                                    <p:cond delay="0"/>
-                                  </p:stCondLst>
-                                  <p:childTnLst>
-                                    <p:set>
-                                      <p:cBhvr>
-                                        <p:cTn id="28" dur="1" fill="hold">
-                                          <p:stCondLst>
-                                            <p:cond delay="0"/>
-                                          </p:stCondLst>
-                                        </p:cTn>
-                                        <p:tgtEl>
-                                          <p:spTgt spid="20"/>
-                                        </p:tgtEl>
-                                        <p:attrNameLst>
-                                          <p:attrName>style.visibility</p:attrName>
-                                        </p:attrNameLst>
-                                      </p:cBhvr>
-                                      <p:to>
-                                        <p:strVal val="visible"/>
-                                      </p:to>
-                                    </p:set>
-                                    <p:animEffect transition="in" filter="wipe(down)">
-                                      <p:cBhvr>
-                                        <p:cTn id="29" dur="500"/>
-                                        <p:tgtEl>
-                                          <p:spTgt spid="20"/>
-                                        </p:tgtEl>
-                                      </p:cBhvr>
-                                    </p:animEffect>
-                                  </p:childTnLst>
-                                </p:cTn>
-                              </p:par>
-                            </p:childTnLst>
-                          </p:cTn>
-                        </p:par>
-                      </p:childTnLst>
-                    </p:cTn>
-                  </p:par>
-                  <p:par>
-                    <p:cTn id="30" fill="hold">
-                      <p:stCondLst>
-                        <p:cond delay="indefinite"/>
-                      </p:stCondLst>
-                      <p:childTnLst>
-                        <p:par>
-                          <p:cTn id="31" fill="hold">
-                            <p:stCondLst>
-                              <p:cond delay="0"/>
-                            </p:stCondLst>
-                            <p:childTnLst>
-                              <p:par>
-                                <p:cTn id="32" presetID="21" presetClass="entr" presetSubtype="1" fill="hold" grpId="0" nodeType="clickEffect">
-                                  <p:stCondLst>
-                                    <p:cond delay="0"/>
-                                  </p:stCondLst>
-                                  <p:childTnLst>
-                                    <p:set>
-                                      <p:cBhvr>
-                                        <p:cTn id="33" dur="1" fill="hold">
-                                          <p:stCondLst>
-                                            <p:cond delay="0"/>
-                                          </p:stCondLst>
-                                        </p:cTn>
-                                        <p:tgtEl>
-                                          <p:spTgt spid="21"/>
-                                        </p:tgtEl>
-                                        <p:attrNameLst>
-                                          <p:attrName>style.visibility</p:attrName>
-                                        </p:attrNameLst>
-                                      </p:cBhvr>
-                                      <p:to>
-                                        <p:strVal val="visible"/>
-                                      </p:to>
-                                    </p:set>
-                                    <p:animEffect transition="in" filter="wheel(1)">
-                                      <p:cBhvr>
-                                        <p:cTn id="34" dur="1000"/>
-                                        <p:tgtEl>
-                                          <p:spTgt spid="21"/>
-                                        </p:tgtEl>
-                                      </p:cBhvr>
-                                    </p:animEffect>
-                                  </p:childTnLst>
-                                </p:cTn>
-                              </p:par>
-                            </p:childTnLst>
-                          </p:cTn>
-                        </p:par>
-                        <p:par>
-                          <p:cTn id="35" fill="hold">
-                            <p:stCondLst>
-                              <p:cond delay="1000"/>
-                            </p:stCondLst>
-                            <p:childTnLst>
-                              <p:par>
-                                <p:cTn id="36" presetID="22" presetClass="entr" presetSubtype="4" fill="hold" grpId="0" nodeType="afterEffect">
-                                  <p:stCondLst>
-                                    <p:cond delay="0"/>
-                                  </p:stCondLst>
-                                  <p:childTnLst>
-                                    <p:set>
-                                      <p:cBhvr>
-                                        <p:cTn id="37" dur="1" fill="hold">
-                                          <p:stCondLst>
-                                            <p:cond delay="0"/>
-                                          </p:stCondLst>
-                                        </p:cTn>
-                                        <p:tgtEl>
-                                          <p:spTgt spid="22"/>
-                                        </p:tgtEl>
-                                        <p:attrNameLst>
-                                          <p:attrName>style.visibility</p:attrName>
-                                        </p:attrNameLst>
-                                      </p:cBhvr>
-                                      <p:to>
-                                        <p:strVal val="visible"/>
-                                      </p:to>
-                                    </p:set>
-                                    <p:animEffect transition="in" filter="wipe(down)">
-                                      <p:cBhvr>
-                                        <p:cTn id="38" dur="500"/>
-                                        <p:tgtEl>
-                                          <p:spTgt spid="22"/>
-                                        </p:tgtEl>
-                                      </p:cBhvr>
-                                    </p:animEffect>
-                                  </p:childTnLst>
-                                </p:cTn>
-                              </p:par>
-                            </p:childTnLst>
-                          </p:cTn>
-                        </p:par>
-                      </p:childTnLst>
-                    </p:cTn>
-                  </p:par>
-                </p:childTnLst>
-              </p:cTn>
-              <p:prevCondLst>
-                <p:cond evt="onPrev" delay="0">
-                  <p:tgtEl>
-                    <p:sldTgt/>
-                  </p:tgtEl>
-                </p:cond>
-              </p:prevCondLst>
-              <p:nextCondLst>
-                <p:cond evt="onNext" delay="0">
-                  <p:tgtEl>
-                    <p:sldTgt/>
-                  </p:tgtEl>
-                </p:cond>
-              </p:nextCondLst>
-            </p:seq>
-          </p:childTnLst>
-        </p:cTn>
-      </p:par>
-    </p:tnLst>
-    <p:bldLst>
-      <p:bldP spid="11" grpId="0" animBg="1"/>
-      <p:bldP spid="15" grpId="0"/>
-      <p:bldP spid="17" grpId="0" animBg="1"/>
-      <p:bldP spid="18" grpId="0"/>
-      <p:bldP spid="19" grpId="0" animBg="1"/>
-      <p:bldP spid="20" grpId="0"/>
-      <p:bldP spid="21" grpId="0" animBg="1"/>
-      <p:bldP spid="22" grpId="0"/>
-    </p:bldLst>
-  </p:timing>
-</p:sld>
-</file>
-
-<file path=ppt/slides/slide9.xml><?xml version="1.0" encoding="utf-8"?>
-<p:sld xmlns:a="http://schemas.openxmlformats.org/drawingml/2006/main" xmlns:r="http://schemas.openxmlformats.org/officeDocument/2006/relationships" xmlns:p="http://schemas.openxmlformats.org/presentationml/2006/main">
-  <p:cSld>
-    <p:spTree>
-      <p:nvGrpSpPr>
-        <p:cNvPr id="1" name=""/>
-        <p:cNvGrpSpPr/>
-        <p:nvPr/>
-      </p:nvGrpSpPr>
-      <p:grpSpPr>
-        <a:xfrm>
-          <a:off x="0" y="0"/>
-          <a:ext cx="0" cy="0"/>
-          <a:chOff x="0" y="0"/>
-          <a:chExt cx="0" cy="0"/>
-        </a:xfrm>
-      </p:grpSpPr>
-      <p:sp>
-        <p:nvSpPr>
-          <p:cNvPr id="3" name="Subtitle 2"/>
-          <p:cNvSpPr>
-            <a:spLocks noGrp="1"/>
-          </p:cNvSpPr>
-          <p:nvPr>
-            <p:ph type="subTitle" idx="1"/>
-          </p:nvPr>
-        </p:nvSpPr>
-        <p:spPr>
-          <a:xfrm>
-            <a:off x="1251751" y="262671"/>
-            <a:ext cx="4230167" cy="538385"/>
-          </a:xfrm>
-        </p:spPr>
-        <p:txBody>
-          <a:bodyPr>
-            <a:noAutofit/>
-          </a:bodyPr>
-          <a:lstStyle/>
-          <a:p>
-            <a:r>
-              <a:rPr lang="en-US" sz="2800" b="1" dirty="0">
-                <a:solidFill>
-                  <a:schemeClr val="bg2">
-                    <a:lumMod val="25000"/>
-                  </a:schemeClr>
-                </a:solidFill>
-              </a:rPr>
-              <a:t>4. GIAO DIỆN WEBSITE</a:t>
-            </a:r>
-          </a:p>
-        </p:txBody>
-      </p:sp>
-      <p:sp>
-        <p:nvSpPr>
-          <p:cNvPr id="8" name="Slide Number Placeholder 7"/>
-          <p:cNvSpPr>
-            <a:spLocks noGrp="1"/>
-          </p:cNvSpPr>
-          <p:nvPr>
-            <p:ph type="sldNum" sz="quarter" idx="12"/>
-          </p:nvPr>
-        </p:nvSpPr>
-        <p:spPr>
-          <a:xfrm>
-            <a:off x="9503664" y="6575171"/>
-            <a:ext cx="2743200" cy="365125"/>
-          </a:xfrm>
-        </p:spPr>
-        <p:txBody>
-          <a:bodyPr/>
-          <a:lstStyle/>
-          <a:p>
-            <a:fld id="{4F36CA6A-1BC7-4082-8420-6830934E444A}" type="slidenum">
-              <a:rPr lang="en-US" smtClean="0"/>
-              <a:t>9</a:t>
-            </a:fld>
-            <a:endParaRPr lang="en-US"/>
-          </a:p>
-        </p:txBody>
-      </p:sp>
-      <p:grpSp>
-        <p:nvGrpSpPr>
-          <p:cNvPr id="12" name="Group 11">
-            <a:extLst>
-              <a:ext uri="{FF2B5EF4-FFF2-40B4-BE49-F238E27FC236}">
-                <a16:creationId xmlns:a16="http://schemas.microsoft.com/office/drawing/2014/main" id="{345FFF30-BA1A-40CC-98C8-582B37874F34}"/>
-              </a:ext>
-            </a:extLst>
-          </p:cNvPr>
-          <p:cNvGrpSpPr/>
-          <p:nvPr/>
-        </p:nvGrpSpPr>
-        <p:grpSpPr>
-          <a:xfrm>
-            <a:off x="0" y="0"/>
-            <a:ext cx="1251751" cy="6858000"/>
-            <a:chOff x="0" y="0"/>
-            <a:chExt cx="1251751" cy="6858000"/>
-          </a:xfrm>
-        </p:grpSpPr>
-        <p:sp>
-          <p:nvSpPr>
-            <p:cNvPr id="13" name="Rectangle 12">
-              <a:extLst>
-                <a:ext uri="{FF2B5EF4-FFF2-40B4-BE49-F238E27FC236}">
-                  <a16:creationId xmlns:a16="http://schemas.microsoft.com/office/drawing/2014/main" id="{CC3E82D8-4F54-4227-A8ED-1D7275B88F04}"/>
-                </a:ext>
-              </a:extLst>
-            </p:cNvPr>
-            <p:cNvSpPr/>
-            <p:nvPr/>
-          </p:nvSpPr>
-          <p:spPr>
-            <a:xfrm rot="10800000">
-              <a:off x="0" y="0"/>
-              <a:ext cx="1251751" cy="6858000"/>
-            </a:xfrm>
-            <a:prstGeom prst="rect">
-              <a:avLst/>
-            </a:prstGeom>
-            <a:gradFill flip="none" rotWithShape="1">
-              <a:gsLst>
-                <a:gs pos="0">
-                  <a:schemeClr val="accent1">
-                    <a:shade val="30000"/>
-                    <a:satMod val="115000"/>
-                  </a:schemeClr>
-                </a:gs>
-                <a:gs pos="50000">
-                  <a:schemeClr val="accent1">
-                    <a:shade val="67500"/>
-                    <a:satMod val="115000"/>
-                  </a:schemeClr>
-                </a:gs>
-                <a:gs pos="100000">
-                  <a:schemeClr val="accent1">
-                    <a:shade val="100000"/>
-                    <a:satMod val="115000"/>
-                  </a:schemeClr>
-                </a:gs>
-              </a:gsLst>
-              <a:lin ang="5400000" scaled="1"/>
-              <a:tileRect/>
-            </a:gradFill>
-            <a:ln>
-              <a:solidFill>
-                <a:schemeClr val="bg1"/>
-              </a:solidFill>
-            </a:ln>
-          </p:spPr>
-          <p:style>
-            <a:lnRef idx="2">
-              <a:schemeClr val="accent1">
-                <a:shade val="50000"/>
-              </a:schemeClr>
-            </a:lnRef>
-            <a:fillRef idx="1">
-              <a:schemeClr val="accent1"/>
-            </a:fillRef>
-            <a:effectRef idx="0">
-              <a:schemeClr val="accent1"/>
-            </a:effectRef>
-            <a:fontRef idx="minor">
-              <a:schemeClr val="lt1"/>
-            </a:fontRef>
-          </p:style>
-          <p:txBody>
-            <a:bodyPr rtlCol="0" anchor="ctr"/>
-            <a:lstStyle/>
-            <a:p>
-              <a:endParaRPr lang="en-US" dirty="0"/>
-            </a:p>
-          </p:txBody>
-        </p:sp>
-        <p:pic>
-          <p:nvPicPr>
-            <p:cNvPr id="14" name="Picture 6" descr="Tập tin:Logo Dai hoc Can Tho.svg – Wikipedia tiếng Việt">
-              <a:extLst>
-                <a:ext uri="{FF2B5EF4-FFF2-40B4-BE49-F238E27FC236}">
-                  <a16:creationId xmlns:a16="http://schemas.microsoft.com/office/drawing/2014/main" id="{66A9DC07-DBCB-4567-B4A9-4BC6B267BD27}"/>
-                </a:ext>
-              </a:extLst>
-            </p:cNvPr>
-            <p:cNvPicPr>
-              <a:picLocks noChangeAspect="1" noChangeArrowheads="1"/>
-            </p:cNvPicPr>
-            <p:nvPr/>
-          </p:nvPicPr>
-          <p:blipFill>
-            <a:blip r:embed="rId2" cstate="print">
-              <a:extLst>
-                <a:ext uri="{28A0092B-C50C-407E-A947-70E740481C1C}">
-                  <a14:useLocalDpi xmlns:a14="http://schemas.microsoft.com/office/drawing/2010/main" val="0"/>
-                </a:ext>
-              </a:extLst>
-            </a:blip>
-            <a:srcRect/>
-            <a:stretch>
-              <a:fillRect/>
-            </a:stretch>
-          </p:blipFill>
-          <p:spPr bwMode="auto">
-            <a:xfrm>
-              <a:off x="62571" y="135875"/>
-              <a:ext cx="1126608" cy="1126608"/>
-            </a:xfrm>
-            <a:prstGeom prst="rect">
-              <a:avLst/>
-            </a:prstGeom>
-            <a:noFill/>
-            <a:extLst>
-              <a:ext uri="{909E8E84-426E-40DD-AFC4-6F175D3DCCD1}">
-                <a14:hiddenFill xmlns:a14="http://schemas.microsoft.com/office/drawing/2010/main">
-                  <a:solidFill>
-                    <a:srgbClr val="FFFFFF"/>
-                  </a:solidFill>
-                </a14:hiddenFill>
-              </a:ext>
-            </a:extLst>
-          </p:spPr>
-        </p:pic>
-      </p:grpSp>
-      <p:sp>
-        <p:nvSpPr>
-          <p:cNvPr id="9" name="TextBox 8">
-            <a:extLst>
-              <a:ext uri="{FF2B5EF4-FFF2-40B4-BE49-F238E27FC236}">
-                <a16:creationId xmlns:a16="http://schemas.microsoft.com/office/drawing/2014/main" id="{D4F0DAB5-ACF0-424E-A159-071632E31E1A}"/>
-              </a:ext>
-            </a:extLst>
-          </p:cNvPr>
-          <p:cNvSpPr txBox="1"/>
-          <p:nvPr/>
-        </p:nvSpPr>
-        <p:spPr>
-          <a:xfrm>
-            <a:off x="5481918" y="5813652"/>
-            <a:ext cx="2485748" cy="400110"/>
-          </a:xfrm>
-          <a:prstGeom prst="rect">
-            <a:avLst/>
-          </a:prstGeom>
-          <a:noFill/>
-        </p:spPr>
-        <p:txBody>
-          <a:bodyPr wrap="square" rtlCol="0">
-            <a:spAutoFit/>
-          </a:bodyPr>
-          <a:lstStyle/>
-          <a:p>
-            <a:pPr algn="ctr"/>
-            <a:r>
-              <a:rPr lang="en-US" sz="2000" dirty="0"/>
-              <a:t>Trang ca </a:t>
-            </a:r>
-            <a:r>
-              <a:rPr lang="en-US" sz="2000" dirty="0" err="1"/>
-              <a:t>sĩ</a:t>
-            </a:r>
-            <a:endParaRPr lang="en-US" sz="2000" dirty="0"/>
-          </a:p>
-        </p:txBody>
-      </p:sp>
-      <p:pic>
-        <p:nvPicPr>
-          <p:cNvPr id="4" name="Picture 3">
-            <a:extLst>
-              <a:ext uri="{FF2B5EF4-FFF2-40B4-BE49-F238E27FC236}">
-                <a16:creationId xmlns:a16="http://schemas.microsoft.com/office/drawing/2014/main" id="{C3387603-C042-45F7-A731-66D842B798BF}"/>
-              </a:ext>
-            </a:extLst>
-          </p:cNvPr>
-          <p:cNvPicPr>
-            <a:picLocks noChangeAspect="1"/>
-          </p:cNvPicPr>
-          <p:nvPr/>
-        </p:nvPicPr>
-        <p:blipFill>
-          <a:blip r:embed="rId3"/>
-          <a:stretch>
-            <a:fillRect/>
-          </a:stretch>
-        </p:blipFill>
-        <p:spPr>
-          <a:xfrm>
-            <a:off x="1415466" y="801056"/>
-            <a:ext cx="10613595" cy="5012596"/>
-          </a:xfrm>
-          <a:prstGeom prst="rect">
-            <a:avLst/>
-          </a:prstGeom>
-        </p:spPr>
-      </p:pic>
-      <p:sp>
-        <p:nvSpPr>
-          <p:cNvPr id="11" name="Rectangle 10">
-            <a:extLst>
-              <a:ext uri="{FF2B5EF4-FFF2-40B4-BE49-F238E27FC236}">
-                <a16:creationId xmlns:a16="http://schemas.microsoft.com/office/drawing/2014/main" id="{2E1B2983-E400-461D-BEDF-5E0AF2D0A20D}"/>
-              </a:ext>
-            </a:extLst>
-          </p:cNvPr>
-          <p:cNvSpPr/>
-          <p:nvPr/>
-        </p:nvSpPr>
-        <p:spPr>
-          <a:xfrm>
-            <a:off x="6684452" y="2630644"/>
-            <a:ext cx="618556" cy="520987"/>
-          </a:xfrm>
-          <a:prstGeom prst="rect">
-            <a:avLst/>
-          </a:prstGeom>
-          <a:noFill/>
-          <a:ln w="19050">
-            <a:solidFill>
-              <a:srgbClr val="FF0000"/>
-            </a:solidFill>
-          </a:ln>
-        </p:spPr>
-        <p:style>
-          <a:lnRef idx="0">
-            <a:scrgbClr r="0" g="0" b="0"/>
-          </a:lnRef>
-          <a:fillRef idx="0">
-            <a:scrgbClr r="0" g="0" b="0"/>
-          </a:fillRef>
-          <a:effectRef idx="0">
-            <a:scrgbClr r="0" g="0" b="0"/>
-          </a:effectRef>
-          <a:fontRef idx="minor">
-            <a:schemeClr val="dk1"/>
-          </a:fontRef>
-        </p:style>
-        <p:txBody>
-          <a:bodyPr rtlCol="0" anchor="ctr"/>
-          <a:lstStyle/>
-          <a:p>
-            <a:pPr algn="ctr"/>
-            <a:endParaRPr lang="en-US"/>
-          </a:p>
-        </p:txBody>
-      </p:sp>
-      <p:sp>
-        <p:nvSpPr>
-          <p:cNvPr id="15" name="TextBox 14">
-            <a:extLst>
-              <a:ext uri="{FF2B5EF4-FFF2-40B4-BE49-F238E27FC236}">
-                <a16:creationId xmlns:a16="http://schemas.microsoft.com/office/drawing/2014/main" id="{78AC6E9B-6453-498D-9199-2CC3C5242D2B}"/>
-              </a:ext>
-            </a:extLst>
-          </p:cNvPr>
-          <p:cNvSpPr txBox="1"/>
-          <p:nvPr/>
-        </p:nvSpPr>
-        <p:spPr>
-          <a:xfrm>
-            <a:off x="7293445" y="2489525"/>
-            <a:ext cx="2372589" cy="646331"/>
-          </a:xfrm>
-          <a:prstGeom prst="rect">
-            <a:avLst/>
-          </a:prstGeom>
-          <a:noFill/>
-        </p:spPr>
-        <p:txBody>
-          <a:bodyPr wrap="square" rtlCol="0">
-            <a:spAutoFit/>
-          </a:bodyPr>
-          <a:lstStyle/>
-          <a:p>
-            <a:pPr algn="ctr"/>
-            <a:r>
-              <a:rPr lang="en-US" dirty="0" err="1">
-                <a:solidFill>
-                  <a:srgbClr val="FF0000"/>
-                </a:solidFill>
-              </a:rPr>
-              <a:t>Phát</a:t>
-            </a:r>
-            <a:r>
-              <a:rPr lang="en-US" dirty="0">
-                <a:solidFill>
-                  <a:srgbClr val="FF0000"/>
-                </a:solidFill>
-              </a:rPr>
-              <a:t> </a:t>
-            </a:r>
-            <a:r>
-              <a:rPr lang="en-US" dirty="0" err="1">
-                <a:solidFill>
-                  <a:srgbClr val="FF0000"/>
-                </a:solidFill>
-              </a:rPr>
-              <a:t>tất</a:t>
-            </a:r>
-            <a:r>
-              <a:rPr lang="en-US" dirty="0">
-                <a:solidFill>
-                  <a:srgbClr val="FF0000"/>
-                </a:solidFill>
-              </a:rPr>
-              <a:t> </a:t>
-            </a:r>
-            <a:r>
-              <a:rPr lang="en-US" dirty="0" err="1">
-                <a:solidFill>
-                  <a:srgbClr val="FF0000"/>
-                </a:solidFill>
-              </a:rPr>
-              <a:t>cả</a:t>
-            </a:r>
-            <a:r>
-              <a:rPr lang="en-US" dirty="0">
-                <a:solidFill>
-                  <a:srgbClr val="FF0000"/>
-                </a:solidFill>
-              </a:rPr>
-              <a:t> </a:t>
-            </a:r>
-            <a:r>
-              <a:rPr lang="en-US" dirty="0" err="1">
-                <a:solidFill>
-                  <a:srgbClr val="FF0000"/>
-                </a:solidFill>
-              </a:rPr>
-              <a:t>bài</a:t>
-            </a:r>
-            <a:r>
-              <a:rPr lang="en-US" dirty="0">
-                <a:solidFill>
-                  <a:srgbClr val="FF0000"/>
-                </a:solidFill>
-              </a:rPr>
-              <a:t> </a:t>
-            </a:r>
-            <a:r>
-              <a:rPr lang="en-US" dirty="0" err="1">
-                <a:solidFill>
-                  <a:srgbClr val="FF0000"/>
-                </a:solidFill>
-              </a:rPr>
-              <a:t>hát</a:t>
-            </a:r>
-            <a:r>
-              <a:rPr lang="en-US" dirty="0">
-                <a:solidFill>
-                  <a:srgbClr val="FF0000"/>
-                </a:solidFill>
-              </a:rPr>
-              <a:t> </a:t>
-            </a:r>
-            <a:r>
-              <a:rPr lang="en-US" dirty="0" err="1">
-                <a:solidFill>
-                  <a:srgbClr val="FF0000"/>
-                </a:solidFill>
-              </a:rPr>
-              <a:t>của</a:t>
-            </a:r>
-            <a:r>
-              <a:rPr lang="en-US" dirty="0">
-                <a:solidFill>
-                  <a:srgbClr val="FF0000"/>
-                </a:solidFill>
-              </a:rPr>
-              <a:t> ca </a:t>
-            </a:r>
-            <a:r>
-              <a:rPr lang="en-US" dirty="0" err="1">
-                <a:solidFill>
-                  <a:srgbClr val="FF0000"/>
-                </a:solidFill>
-              </a:rPr>
-              <a:t>sĩ</a:t>
-            </a:r>
-            <a:endParaRPr lang="en-US" dirty="0">
-              <a:solidFill>
-                <a:srgbClr val="FF0000"/>
-              </a:solidFill>
-            </a:endParaRPr>
-          </a:p>
-        </p:txBody>
-      </p:sp>
-      <p:cxnSp>
-        <p:nvCxnSpPr>
-          <p:cNvPr id="6" name="Straight Arrow Connector 5">
-            <a:extLst>
-              <a:ext uri="{FF2B5EF4-FFF2-40B4-BE49-F238E27FC236}">
-                <a16:creationId xmlns:a16="http://schemas.microsoft.com/office/drawing/2014/main" id="{D5C62AAD-61A1-4B8A-BF9A-0957532E48BE}"/>
-              </a:ext>
-            </a:extLst>
-          </p:cNvPr>
-          <p:cNvCxnSpPr/>
-          <p:nvPr/>
-        </p:nvCxnSpPr>
-        <p:spPr>
-          <a:xfrm>
-            <a:off x="7541443" y="3075418"/>
-            <a:ext cx="1706252" cy="770718"/>
-          </a:xfrm>
-          <a:prstGeom prst="straightConnector1">
-            <a:avLst/>
-          </a:prstGeom>
-          <a:ln w="19050">
-            <a:solidFill>
-              <a:srgbClr val="FF0000"/>
-            </a:solidFill>
-            <a:tailEnd type="triangle"/>
-          </a:ln>
-        </p:spPr>
-        <p:style>
-          <a:lnRef idx="1">
-            <a:schemeClr val="accent2"/>
-          </a:lnRef>
-          <a:fillRef idx="0">
-            <a:schemeClr val="accent2"/>
-          </a:fillRef>
-          <a:effectRef idx="0">
-            <a:schemeClr val="accent2"/>
-          </a:effectRef>
-          <a:fontRef idx="minor">
-            <a:schemeClr val="tx1"/>
-          </a:fontRef>
-        </p:style>
-      </p:cxnSp>
-      <p:sp>
-        <p:nvSpPr>
-          <p:cNvPr id="17" name="Rectangle 16">
-            <a:extLst>
-              <a:ext uri="{FF2B5EF4-FFF2-40B4-BE49-F238E27FC236}">
-                <a16:creationId xmlns:a16="http://schemas.microsoft.com/office/drawing/2014/main" id="{2BC35DC4-003A-4A8B-9F09-397448162C39}"/>
-              </a:ext>
-            </a:extLst>
-          </p:cNvPr>
-          <p:cNvSpPr/>
-          <p:nvPr/>
-        </p:nvSpPr>
-        <p:spPr>
-          <a:xfrm>
-            <a:off x="9356755" y="3562350"/>
-            <a:ext cx="2672305" cy="1493520"/>
-          </a:xfrm>
-          <a:prstGeom prst="rect">
-            <a:avLst/>
-          </a:prstGeom>
-          <a:noFill/>
-          <a:ln w="19050">
-            <a:solidFill>
-              <a:srgbClr val="FF0000"/>
-            </a:solidFill>
-          </a:ln>
-        </p:spPr>
-        <p:style>
-          <a:lnRef idx="0">
-            <a:scrgbClr r="0" g="0" b="0"/>
-          </a:lnRef>
-          <a:fillRef idx="0">
-            <a:scrgbClr r="0" g="0" b="0"/>
-          </a:fillRef>
-          <a:effectRef idx="0">
-            <a:scrgbClr r="0" g="0" b="0"/>
-          </a:effectRef>
-          <a:fontRef idx="minor">
-            <a:schemeClr val="dk1"/>
-          </a:fontRef>
-        </p:style>
-        <p:txBody>
-          <a:bodyPr rtlCol="0" anchor="ctr"/>
-          <a:lstStyle/>
-          <a:p>
-            <a:pPr algn="ctr"/>
-            <a:endParaRPr lang="en-US"/>
-          </a:p>
-        </p:txBody>
-      </p:sp>
-    </p:spTree>
-    <p:extLst>
-      <p:ext uri="{BB962C8B-B14F-4D97-AF65-F5344CB8AC3E}">
-        <p14:creationId xmlns:p14="http://schemas.microsoft.com/office/powerpoint/2010/main" val="4241397277"/>
-      </p:ext>
-    </p:extLst>
-  </p:cSld>
-  <p:clrMapOvr>
-    <a:masterClrMapping/>
-  </p:clrMapOvr>
-  <p:transition spd="slow">
-    <p:push dir="u"/>
-  </p:transition>
-  <p:timing>
-    <p:tnLst>
-      <p:par>
-        <p:cTn id="1" dur="indefinite" restart="never" nodeType="tmRoot">
-          <p:childTnLst>
-            <p:seq concurrent="1" nextAc="seek">
-              <p:cTn id="2" dur="indefinite" nodeType="mainSeq">
-                <p:childTnLst>
-                  <p:par>
-                    <p:cTn id="3" fill="hold">
-                      <p:stCondLst>
-                        <p:cond delay="indefinite"/>
-                      </p:stCondLst>
-                      <p:childTnLst>
-                        <p:par>
-                          <p:cTn id="4" fill="hold">
-                            <p:stCondLst>
-                              <p:cond delay="0"/>
-                            </p:stCondLst>
-                            <p:childTnLst>
-                              <p:par>
-                                <p:cTn id="5" presetID="21" presetClass="entr" presetSubtype="1" fill="hold" grpId="0" nodeType="clickEffect">
-                                  <p:stCondLst>
-                                    <p:cond delay="0"/>
-                                  </p:stCondLst>
-                                  <p:childTnLst>
-                                    <p:set>
-                                      <p:cBhvr>
-                                        <p:cTn id="6" dur="1" fill="hold">
-                                          <p:stCondLst>
-                                            <p:cond delay="0"/>
-                                          </p:stCondLst>
-                                        </p:cTn>
-                                        <p:tgtEl>
-                                          <p:spTgt spid="11"/>
-                                        </p:tgtEl>
-                                        <p:attrNameLst>
-                                          <p:attrName>style.visibility</p:attrName>
-                                        </p:attrNameLst>
-                                      </p:cBhvr>
-                                      <p:to>
-                                        <p:strVal val="visible"/>
-                                      </p:to>
-                                    </p:set>
-                                    <p:animEffect transition="in" filter="wheel(1)">
-                                      <p:cBhvr>
-                                        <p:cTn id="7" dur="1000"/>
-                                        <p:tgtEl>
-                                          <p:spTgt spid="11"/>
-                                        </p:tgtEl>
-                                      </p:cBhvr>
-                                    </p:animEffect>
-                                  </p:childTnLst>
-                                </p:cTn>
-                              </p:par>
-                            </p:childTnLst>
-                          </p:cTn>
-                        </p:par>
-                        <p:par>
-                          <p:cTn id="8" fill="hold">
-                            <p:stCondLst>
-                              <p:cond delay="1000"/>
-                            </p:stCondLst>
-                            <p:childTnLst>
-                              <p:par>
-                                <p:cTn id="9" presetID="22" presetClass="entr" presetSubtype="4" fill="hold" grpId="0" nodeType="afterEffect">
-                                  <p:stCondLst>
-                                    <p:cond delay="0"/>
-                                  </p:stCondLst>
-                                  <p:childTnLst>
-                                    <p:set>
-                                      <p:cBhvr>
-                                        <p:cTn id="10" dur="1" fill="hold">
-                                          <p:stCondLst>
-                                            <p:cond delay="0"/>
-                                          </p:stCondLst>
-                                        </p:cTn>
-                                        <p:tgtEl>
-                                          <p:spTgt spid="15"/>
-                                        </p:tgtEl>
-                                        <p:attrNameLst>
-                                          <p:attrName>style.visibility</p:attrName>
-                                        </p:attrNameLst>
-                                      </p:cBhvr>
-                                      <p:to>
-                                        <p:strVal val="visible"/>
-                                      </p:to>
-                                    </p:set>
-                                    <p:animEffect transition="in" filter="wipe(down)">
-                                      <p:cBhvr>
-                                        <p:cTn id="11" dur="500"/>
-                                        <p:tgtEl>
-                                          <p:spTgt spid="15"/>
-                                        </p:tgtEl>
-                                      </p:cBhvr>
-                                    </p:animEffect>
-                                  </p:childTnLst>
-                                </p:cTn>
-                              </p:par>
-                            </p:childTnLst>
-                          </p:cTn>
-                        </p:par>
-                        <p:par>
-                          <p:cTn id="12" fill="hold">
-                            <p:stCondLst>
-                              <p:cond delay="1500"/>
-                            </p:stCondLst>
-                            <p:childTnLst>
-                              <p:par>
-                                <p:cTn id="13" presetID="16" presetClass="entr" presetSubtype="21" fill="hold" nodeType="afterEffect">
-                                  <p:stCondLst>
-                                    <p:cond delay="0"/>
-                                  </p:stCondLst>
-                                  <p:childTnLst>
-                                    <p:set>
-                                      <p:cBhvr>
-                                        <p:cTn id="14" dur="1" fill="hold">
-                                          <p:stCondLst>
-                                            <p:cond delay="0"/>
-                                          </p:stCondLst>
-                                        </p:cTn>
-                                        <p:tgtEl>
-                                          <p:spTgt spid="6"/>
-                                        </p:tgtEl>
-                                        <p:attrNameLst>
-                                          <p:attrName>style.visibility</p:attrName>
-                                        </p:attrNameLst>
-                                      </p:cBhvr>
-                                      <p:to>
-                                        <p:strVal val="visible"/>
-                                      </p:to>
-                                    </p:set>
-                                    <p:animEffect transition="in" filter="barn(inVertical)">
-                                      <p:cBhvr>
-                                        <p:cTn id="15" dur="500"/>
-                                        <p:tgtEl>
-                                          <p:spTgt spid="6"/>
-                                        </p:tgtEl>
-                                      </p:cBhvr>
-                                    </p:animEffect>
-                                  </p:childTnLst>
-                                </p:cTn>
-                              </p:par>
-                            </p:childTnLst>
-                          </p:cTn>
-                        </p:par>
-                        <p:par>
-                          <p:cTn id="16" fill="hold">
-                            <p:stCondLst>
-                              <p:cond delay="2000"/>
-                            </p:stCondLst>
-                            <p:childTnLst>
-                              <p:par>
-                                <p:cTn id="17" presetID="21" presetClass="entr" presetSubtype="1" fill="hold" grpId="0" nodeType="afterEffect">
-                                  <p:stCondLst>
-                                    <p:cond delay="0"/>
-                                  </p:stCondLst>
-                                  <p:childTnLst>
-                                    <p:set>
-                                      <p:cBhvr>
-                                        <p:cTn id="18" dur="1" fill="hold">
-                                          <p:stCondLst>
-                                            <p:cond delay="0"/>
-                                          </p:stCondLst>
-                                        </p:cTn>
-                                        <p:tgtEl>
-                                          <p:spTgt spid="17"/>
-                                        </p:tgtEl>
-                                        <p:attrNameLst>
-                                          <p:attrName>style.visibility</p:attrName>
-                                        </p:attrNameLst>
-                                      </p:cBhvr>
-                                      <p:to>
-                                        <p:strVal val="visible"/>
-                                      </p:to>
-                                    </p:set>
-                                    <p:animEffect transition="in" filter="wheel(1)">
-                                      <p:cBhvr>
-                                        <p:cTn id="19" dur="1000"/>
-                                        <p:tgtEl>
-                                          <p:spTgt spid="17"/>
-                                        </p:tgtEl>
-                                      </p:cBhvr>
-                                    </p:animEffect>
-                                  </p:childTnLst>
-                                </p:cTn>
-                              </p:par>
-                            </p:childTnLst>
-                          </p:cTn>
-                        </p:par>
-                      </p:childTnLst>
-                    </p:cTn>
-                  </p:par>
-                </p:childTnLst>
-              </p:cTn>
-              <p:prevCondLst>
-                <p:cond evt="onPrev" delay="0">
-                  <p:tgtEl>
-                    <p:sldTgt/>
-                  </p:tgtEl>
-                </p:cond>
-              </p:prevCondLst>
-              <p:nextCondLst>
-                <p:cond evt="onNext" delay="0">
-                  <p:tgtEl>
-                    <p:sldTgt/>
-                  </p:tgtEl>
-                </p:cond>
-              </p:nextCondLst>
-            </p:seq>
-          </p:childTnLst>
-        </p:cTn>
-      </p:par>
-    </p:tnLst>
-    <p:bldLst>
-      <p:bldP spid="11" grpId="0" animBg="1"/>
-      <p:bldP spid="15" grpId="0"/>
-      <p:bldP spid="17" grpId="0" animBg="1"/>
-    </p:bldLst>
-  </p:timing>
-</p:sld>
-</file>
-
 <file path=ppt/theme/theme1.xml><?xml version="1.0" encoding="utf-8"?>
 <a:theme xmlns:a="http://schemas.openxmlformats.org/drawingml/2006/main" name="Office Theme">
   <a:themeElements>
